--- a/tutorials/streamingwithflink/slides/cs-e4640-hands-on-flink-streaming.pptx
+++ b/tutorials/streamingwithflink/slides/cs-e4640-hands-on-flink-streaming.pptx
@@ -8,17 +8,22 @@
     <p:sldMasterId id="2147484775" r:id="rId7"/>
   </p:sldMasterIdLst>
   <p:notesMasterIdLst>
-    <p:notesMasterId r:id="rId13"/>
+    <p:notesMasterId r:id="rId18"/>
   </p:notesMasterIdLst>
   <p:handoutMasterIdLst>
-    <p:handoutMasterId r:id="rId14"/>
+    <p:handoutMasterId r:id="rId19"/>
   </p:handoutMasterIdLst>
   <p:sldIdLst>
     <p:sldId id="256" r:id="rId8"/>
-    <p:sldId id="273" r:id="rId9"/>
-    <p:sldId id="446" r:id="rId10"/>
-    <p:sldId id="447" r:id="rId11"/>
-    <p:sldId id="445" r:id="rId12"/>
+    <p:sldId id="450" r:id="rId9"/>
+    <p:sldId id="462" r:id="rId10"/>
+    <p:sldId id="463" r:id="rId11"/>
+    <p:sldId id="465" r:id="rId12"/>
+    <p:sldId id="464" r:id="rId13"/>
+    <p:sldId id="448" r:id="rId14"/>
+    <p:sldId id="449" r:id="rId15"/>
+    <p:sldId id="445" r:id="rId16"/>
+    <p:sldId id="461" r:id="rId17"/>
   </p:sldIdLst>
   <p:sldSz cx="9144000" cy="5715000" type="screen16x10"/>
   <p:notesSz cx="6858000" cy="9144000"/>
@@ -179,7 +184,9 @@
 <file path=ppt/revisionInfo.xml><?xml version="1.0" encoding="utf-8"?>
 <p1510:revInfo xmlns:a="http://schemas.openxmlformats.org/drawingml/2006/main" xmlns:r="http://schemas.openxmlformats.org/officeDocument/2006/relationships" xmlns:p1510="http://schemas.microsoft.com/office/powerpoint/2015/10/main">
   <p1510:revLst>
+    <p1510:client id="{18479E79-024C-4A36-8715-C3CA4CBC22CB}" v="14" dt="2021-03-14T19:19:44.235"/>
     <p1510:client id="{29BEA337-2C6C-7060-186C-38304A57BDE8}" v="15" dt="2020-07-24T13:58:35.562"/>
+    <p1510:client id="{79175A39-19F4-484E-B62D-C1E3FEC66B4D}" v="6" dt="2021-03-14T19:18:16.997"/>
     <p1510:client id="{85151AAD-799E-4E7A-98C6-E8F42D6E0DAF}" v="2" dt="2020-06-26T08:25:37.556"/>
     <p1510:client id="{863CCF71-472D-523F-D03D-4EDA71224ED7}" v="575" dt="2020-06-26T08:46:54.408"/>
     <p1510:client id="{CFFE0193-C9A1-180B-394B-19805BF96840}" v="6" dt="2020-07-27T09:52:36.501"/>
@@ -280,7 +287,7 @@
               <a:pPr>
                 <a:defRPr/>
               </a:pPr>
-              <a:t>7/27/2020</a:t>
+              <a:t>3/14/2021</a:t>
             </a:fld>
             <a:endParaRPr lang="fi-FI"/>
           </a:p>
@@ -471,7 +478,7 @@
               <a:pPr>
                 <a:defRPr/>
               </a:pPr>
-              <a:t>27.7.2020</a:t>
+              <a:t>14.3.2021</a:t>
             </a:fld>
             <a:endParaRPr lang="fi-FI"/>
           </a:p>
@@ -789,6 +796,276 @@
 </file>
 
 <file path=ppt/notesSlides/notesSlide1.xml><?xml version="1.0" encoding="utf-8"?>
+<p:notes xmlns:a="http://schemas.openxmlformats.org/drawingml/2006/main" xmlns:r="http://schemas.openxmlformats.org/officeDocument/2006/relationships" xmlns:p="http://schemas.openxmlformats.org/presentationml/2006/main">
+  <p:cSld>
+    <p:spTree>
+      <p:nvGrpSpPr>
+        <p:cNvPr id="1" name=""/>
+        <p:cNvGrpSpPr/>
+        <p:nvPr/>
+      </p:nvGrpSpPr>
+      <p:grpSpPr>
+        <a:xfrm>
+          <a:off x="0" y="0"/>
+          <a:ext cx="0" cy="0"/>
+          <a:chOff x="0" y="0"/>
+          <a:chExt cx="0" cy="0"/>
+        </a:xfrm>
+      </p:grpSpPr>
+      <p:sp>
+        <p:nvSpPr>
+          <p:cNvPr id="2" name="Slide Image Placeholder 1"/>
+          <p:cNvSpPr>
+            <a:spLocks noGrp="1" noRot="1" noChangeAspect="1"/>
+          </p:cNvSpPr>
+          <p:nvPr>
+            <p:ph type="sldImg"/>
+          </p:nvPr>
+        </p:nvSpPr>
+        <p:spPr/>
+      </p:sp>
+      <p:sp>
+        <p:nvSpPr>
+          <p:cNvPr id="3" name="Notes Placeholder 2"/>
+          <p:cNvSpPr>
+            <a:spLocks noGrp="1"/>
+          </p:cNvSpPr>
+          <p:nvPr>
+            <p:ph type="body" idx="1"/>
+          </p:nvPr>
+        </p:nvSpPr>
+        <p:spPr/>
+        <p:txBody>
+          <a:bodyPr/>
+          <a:lstStyle/>
+          <a:p>
+            <a:endParaRPr lang="en-VN" dirty="0"/>
+          </a:p>
+        </p:txBody>
+      </p:sp>
+      <p:sp>
+        <p:nvSpPr>
+          <p:cNvPr id="4" name="Slide Number Placeholder 3"/>
+          <p:cNvSpPr>
+            <a:spLocks noGrp="1"/>
+          </p:cNvSpPr>
+          <p:nvPr>
+            <p:ph type="sldNum" sz="quarter" idx="5"/>
+          </p:nvPr>
+        </p:nvSpPr>
+        <p:spPr/>
+        <p:txBody>
+          <a:bodyPr/>
+          <a:lstStyle/>
+          <a:p>
+            <a:pPr>
+              <a:defRPr/>
+            </a:pPr>
+            <a:fld id="{D66A5FF2-0573-2649-A39A-26FA52E05379}" type="slidenum">
+              <a:rPr lang="fi-FI" smtClean="0"/>
+              <a:pPr>
+                <a:defRPr/>
+              </a:pPr>
+              <a:t>1</a:t>
+            </a:fld>
+            <a:endParaRPr lang="fi-FI"/>
+          </a:p>
+        </p:txBody>
+      </p:sp>
+    </p:spTree>
+    <p:extLst>
+      <p:ext uri="{BB962C8B-B14F-4D97-AF65-F5344CB8AC3E}">
+        <p14:creationId xmlns:p14="http://schemas.microsoft.com/office/powerpoint/2010/main" val="1899765650"/>
+      </p:ext>
+    </p:extLst>
+  </p:cSld>
+  <p:clrMapOvr>
+    <a:masterClrMapping/>
+  </p:clrMapOvr>
+</p:notes>
+</file>
+
+<file path=ppt/notesSlides/notesSlide2.xml><?xml version="1.0" encoding="utf-8"?>
+<p:notes xmlns:a="http://schemas.openxmlformats.org/drawingml/2006/main" xmlns:r="http://schemas.openxmlformats.org/officeDocument/2006/relationships" xmlns:p="http://schemas.openxmlformats.org/presentationml/2006/main">
+  <p:cSld>
+    <p:spTree>
+      <p:nvGrpSpPr>
+        <p:cNvPr id="1" name=""/>
+        <p:cNvGrpSpPr/>
+        <p:nvPr/>
+      </p:nvGrpSpPr>
+      <p:grpSpPr>
+        <a:xfrm>
+          <a:off x="0" y="0"/>
+          <a:ext cx="0" cy="0"/>
+          <a:chOff x="0" y="0"/>
+          <a:chExt cx="0" cy="0"/>
+        </a:xfrm>
+      </p:grpSpPr>
+      <p:sp>
+        <p:nvSpPr>
+          <p:cNvPr id="2" name="Slide Image Placeholder 1"/>
+          <p:cNvSpPr>
+            <a:spLocks noGrp="1" noRot="1" noChangeAspect="1"/>
+          </p:cNvSpPr>
+          <p:nvPr>
+            <p:ph type="sldImg"/>
+          </p:nvPr>
+        </p:nvSpPr>
+        <p:spPr/>
+      </p:sp>
+      <p:sp>
+        <p:nvSpPr>
+          <p:cNvPr id="3" name="Notes Placeholder 2"/>
+          <p:cNvSpPr>
+            <a:spLocks noGrp="1"/>
+          </p:cNvSpPr>
+          <p:nvPr>
+            <p:ph type="body" idx="1"/>
+          </p:nvPr>
+        </p:nvSpPr>
+        <p:spPr/>
+        <p:txBody>
+          <a:bodyPr/>
+          <a:lstStyle/>
+          <a:p>
+            <a:endParaRPr lang="en-VN" dirty="0"/>
+          </a:p>
+        </p:txBody>
+      </p:sp>
+      <p:sp>
+        <p:nvSpPr>
+          <p:cNvPr id="4" name="Slide Number Placeholder 3"/>
+          <p:cNvSpPr>
+            <a:spLocks noGrp="1"/>
+          </p:cNvSpPr>
+          <p:nvPr>
+            <p:ph type="sldNum" sz="quarter" idx="5"/>
+          </p:nvPr>
+        </p:nvSpPr>
+        <p:spPr/>
+        <p:txBody>
+          <a:bodyPr/>
+          <a:lstStyle/>
+          <a:p>
+            <a:pPr>
+              <a:defRPr/>
+            </a:pPr>
+            <a:fld id="{D66A5FF2-0573-2649-A39A-26FA52E05379}" type="slidenum">
+              <a:rPr lang="fi-FI" smtClean="0"/>
+              <a:pPr>
+                <a:defRPr/>
+              </a:pPr>
+              <a:t>4</a:t>
+            </a:fld>
+            <a:endParaRPr lang="fi-FI"/>
+          </a:p>
+        </p:txBody>
+      </p:sp>
+    </p:spTree>
+    <p:extLst>
+      <p:ext uri="{BB962C8B-B14F-4D97-AF65-F5344CB8AC3E}">
+        <p14:creationId xmlns:p14="http://schemas.microsoft.com/office/powerpoint/2010/main" val="2121735757"/>
+      </p:ext>
+    </p:extLst>
+  </p:cSld>
+  <p:clrMapOvr>
+    <a:masterClrMapping/>
+  </p:clrMapOvr>
+</p:notes>
+</file>
+
+<file path=ppt/notesSlides/notesSlide3.xml><?xml version="1.0" encoding="utf-8"?>
+<p:notes xmlns:a="http://schemas.openxmlformats.org/drawingml/2006/main" xmlns:r="http://schemas.openxmlformats.org/officeDocument/2006/relationships" xmlns:p="http://schemas.openxmlformats.org/presentationml/2006/main">
+  <p:cSld>
+    <p:spTree>
+      <p:nvGrpSpPr>
+        <p:cNvPr id="1" name=""/>
+        <p:cNvGrpSpPr/>
+        <p:nvPr/>
+      </p:nvGrpSpPr>
+      <p:grpSpPr>
+        <a:xfrm>
+          <a:off x="0" y="0"/>
+          <a:ext cx="0" cy="0"/>
+          <a:chOff x="0" y="0"/>
+          <a:chExt cx="0" cy="0"/>
+        </a:xfrm>
+      </p:grpSpPr>
+      <p:sp>
+        <p:nvSpPr>
+          <p:cNvPr id="2" name="Slide Image Placeholder 1"/>
+          <p:cNvSpPr>
+            <a:spLocks noGrp="1" noRot="1" noChangeAspect="1"/>
+          </p:cNvSpPr>
+          <p:nvPr>
+            <p:ph type="sldImg"/>
+          </p:nvPr>
+        </p:nvSpPr>
+        <p:spPr/>
+      </p:sp>
+      <p:sp>
+        <p:nvSpPr>
+          <p:cNvPr id="3" name="Notes Placeholder 2"/>
+          <p:cNvSpPr>
+            <a:spLocks noGrp="1"/>
+          </p:cNvSpPr>
+          <p:nvPr>
+            <p:ph type="body" idx="1"/>
+          </p:nvPr>
+        </p:nvSpPr>
+        <p:spPr/>
+        <p:txBody>
+          <a:bodyPr/>
+          <a:lstStyle/>
+          <a:p>
+            <a:endParaRPr lang="en-VN" dirty="0"/>
+          </a:p>
+        </p:txBody>
+      </p:sp>
+      <p:sp>
+        <p:nvSpPr>
+          <p:cNvPr id="4" name="Slide Number Placeholder 3"/>
+          <p:cNvSpPr>
+            <a:spLocks noGrp="1"/>
+          </p:cNvSpPr>
+          <p:nvPr>
+            <p:ph type="sldNum" sz="quarter" idx="5"/>
+          </p:nvPr>
+        </p:nvSpPr>
+        <p:spPr/>
+        <p:txBody>
+          <a:bodyPr/>
+          <a:lstStyle/>
+          <a:p>
+            <a:pPr>
+              <a:defRPr/>
+            </a:pPr>
+            <a:fld id="{D66A5FF2-0573-2649-A39A-26FA52E05379}" type="slidenum">
+              <a:rPr lang="fi-FI" smtClean="0"/>
+              <a:pPr>
+                <a:defRPr/>
+              </a:pPr>
+              <a:t>5</a:t>
+            </a:fld>
+            <a:endParaRPr lang="fi-FI"/>
+          </a:p>
+        </p:txBody>
+      </p:sp>
+    </p:spTree>
+    <p:extLst>
+      <p:ext uri="{BB962C8B-B14F-4D97-AF65-F5344CB8AC3E}">
+        <p14:creationId xmlns:p14="http://schemas.microsoft.com/office/powerpoint/2010/main" val="783306032"/>
+      </p:ext>
+    </p:extLst>
+  </p:cSld>
+  <p:clrMapOvr>
+    <a:masterClrMapping/>
+  </p:clrMapOvr>
+</p:notes>
+</file>
+
+<file path=ppt/notesSlides/notesSlide4.xml><?xml version="1.0" encoding="utf-8"?>
 <p:notes xmlns:a="http://schemas.openxmlformats.org/drawingml/2006/main" xmlns:r="http://schemas.openxmlformats.org/officeDocument/2006/relationships" xmlns:p="http://schemas.openxmlformats.org/presentationml/2006/main" showMasterSp="0" showMasterPhAnim="0">
   <p:cSld>
     <p:spTree>
@@ -858,7 +1135,7 @@
                 <a:cs typeface="Times New Roman"/>
                 <a:sym typeface="Times New Roman"/>
               </a:rPr>
-              <a:t>5</a:t>
+              <a:t>9</a:t>
             </a:fld>
             <a:endParaRPr sz="1200">
               <a:solidFill>
@@ -976,6 +1253,117 @@
         </p:txBody>
       </p:sp>
     </p:spTree>
+  </p:cSld>
+  <p:clrMapOvr>
+    <a:masterClrMapping/>
+  </p:clrMapOvr>
+</p:notes>
+</file>
+
+<file path=ppt/notesSlides/notesSlide5.xml><?xml version="1.0" encoding="utf-8"?>
+<p:notes xmlns:a="http://schemas.openxmlformats.org/drawingml/2006/main" xmlns:r="http://schemas.openxmlformats.org/officeDocument/2006/relationships" xmlns:p="http://schemas.openxmlformats.org/presentationml/2006/main">
+  <p:cSld>
+    <p:spTree>
+      <p:nvGrpSpPr>
+        <p:cNvPr id="1" name=""/>
+        <p:cNvGrpSpPr/>
+        <p:nvPr/>
+      </p:nvGrpSpPr>
+      <p:grpSpPr>
+        <a:xfrm>
+          <a:off x="0" y="0"/>
+          <a:ext cx="0" cy="0"/>
+          <a:chOff x="0" y="0"/>
+          <a:chExt cx="0" cy="0"/>
+        </a:xfrm>
+      </p:grpSpPr>
+      <p:sp>
+        <p:nvSpPr>
+          <p:cNvPr id="2" name="Slide Image Placeholder 1"/>
+          <p:cNvSpPr>
+            <a:spLocks noGrp="1" noRot="1" noChangeAspect="1"/>
+          </p:cNvSpPr>
+          <p:nvPr>
+            <p:ph type="sldImg"/>
+          </p:nvPr>
+        </p:nvSpPr>
+        <p:spPr/>
+      </p:sp>
+      <p:sp>
+        <p:nvSpPr>
+          <p:cNvPr id="3" name="Notes Placeholder 2"/>
+          <p:cNvSpPr>
+            <a:spLocks noGrp="1"/>
+          </p:cNvSpPr>
+          <p:nvPr>
+            <p:ph type="body" idx="1"/>
+          </p:nvPr>
+        </p:nvSpPr>
+        <p:spPr/>
+        <p:txBody>
+          <a:bodyPr/>
+          <a:lstStyle/>
+          <a:p>
+            <a:pPr marL="0" marR="0" lvl="0" indent="0" algn="l" defTabSz="457200" rtl="0" eaLnBrk="0" fontAlgn="base" latinLnBrk="0" hangingPunct="0">
+              <a:lnSpc>
+                <a:spcPct val="100000"/>
+              </a:lnSpc>
+              <a:spcBef>
+                <a:spcPct val="30000"/>
+              </a:spcBef>
+              <a:spcAft>
+                <a:spcPct val="0"/>
+              </a:spcAft>
+              <a:buClrTx/>
+              <a:buSzTx/>
+              <a:buFontTx/>
+              <a:buNone/>
+              <a:tabLst/>
+              <a:defRPr/>
+            </a:pPr>
+            <a:r>
+              <a:rPr lang="en-US" dirty="0"/>
+              <a:t>Thank you and now is time for question</a:t>
+            </a:r>
+            <a:endParaRPr lang="en-VN" dirty="0"/>
+          </a:p>
+        </p:txBody>
+      </p:sp>
+      <p:sp>
+        <p:nvSpPr>
+          <p:cNvPr id="4" name="Slide Number Placeholder 3"/>
+          <p:cNvSpPr>
+            <a:spLocks noGrp="1"/>
+          </p:cNvSpPr>
+          <p:nvPr>
+            <p:ph type="sldNum" sz="quarter" idx="5"/>
+          </p:nvPr>
+        </p:nvSpPr>
+        <p:spPr/>
+        <p:txBody>
+          <a:bodyPr/>
+          <a:lstStyle/>
+          <a:p>
+            <a:pPr>
+              <a:defRPr/>
+            </a:pPr>
+            <a:fld id="{D66A5FF2-0573-2649-A39A-26FA52E05379}" type="slidenum">
+              <a:rPr lang="fi-FI" smtClean="0"/>
+              <a:pPr>
+                <a:defRPr/>
+              </a:pPr>
+              <a:t>10</a:t>
+            </a:fld>
+            <a:endParaRPr lang="fi-FI"/>
+          </a:p>
+        </p:txBody>
+      </p:sp>
+    </p:spTree>
+    <p:extLst>
+      <p:ext uri="{BB962C8B-B14F-4D97-AF65-F5344CB8AC3E}">
+        <p14:creationId xmlns:p14="http://schemas.microsoft.com/office/powerpoint/2010/main" val="3459956803"/>
+      </p:ext>
+    </p:extLst>
   </p:cSld>
   <p:clrMapOvr>
     <a:masterClrMapping/>
@@ -1669,7 +2057,7 @@
             </a:pPr>
             <a:fld id="{1D034C32-DAF9-4F9B-89EC-AD504584D771}" type="datetime1">
               <a:rPr lang="en-US" smtClean="0"/>
-              <a:t>7/27/2020</a:t>
+              <a:t>3/14/2021</a:t>
             </a:fld>
             <a:endParaRPr lang="fi-FI"/>
           </a:p>
@@ -1996,7 +2384,7 @@
             </a:pPr>
             <a:fld id="{6BAAA966-23C0-4543-B02A-3BC2DCE1A7C4}" type="datetime1">
               <a:rPr lang="en-US" smtClean="0"/>
-              <a:t>7/27/2020</a:t>
+              <a:t>3/14/2021</a:t>
             </a:fld>
             <a:endParaRPr lang="fi-FI"/>
           </a:p>
@@ -2323,7 +2711,7 @@
             </a:pPr>
             <a:fld id="{5EB3A348-3745-46E7-9734-195CDC99C451}" type="datetime1">
               <a:rPr lang="en-US" smtClean="0"/>
-              <a:t>7/27/2020</a:t>
+              <a:t>3/14/2021</a:t>
             </a:fld>
             <a:endParaRPr lang="fi-FI"/>
           </a:p>
@@ -3637,7 +4025,7 @@
             </a:pPr>
             <a:fld id="{2AA94516-9B97-4DDB-9418-13D3C2BA0863}" type="datetime1">
               <a:rPr lang="en-US" smtClean="0"/>
-              <a:t>7/27/2020</a:t>
+              <a:t>3/14/2021</a:t>
             </a:fld>
             <a:endParaRPr lang="fi-FI"/>
           </a:p>
@@ -3826,7 +4214,7 @@
             </a:pPr>
             <a:fld id="{A9419C9A-C61B-41E2-A55A-B7BA2C7366A5}" type="datetime1">
               <a:rPr lang="en-US" smtClean="0"/>
-              <a:t>7/27/2020</a:t>
+              <a:t>3/14/2021</a:t>
             </a:fld>
             <a:endParaRPr lang="fi-FI"/>
           </a:p>
@@ -4247,7 +4635,7 @@
             </a:pPr>
             <a:fld id="{5B03E220-2DFF-462B-AA40-6963E41F382F}" type="datetime1">
               <a:rPr lang="en-US" smtClean="0"/>
-              <a:t>7/27/2020</a:t>
+              <a:t>3/14/2021</a:t>
             </a:fld>
             <a:endParaRPr lang="fi-FI"/>
           </a:p>
@@ -4499,7 +4887,7 @@
             </a:pPr>
             <a:fld id="{DEFABDBD-C308-45C6-BA80-2C1F70CDBACE}" type="datetime1">
               <a:rPr lang="en-US" smtClean="0"/>
-              <a:t>7/27/2020</a:t>
+              <a:t>3/14/2021</a:t>
             </a:fld>
             <a:endParaRPr lang="fi-FI"/>
           </a:p>
@@ -5071,7 +5459,7 @@
             </a:pPr>
             <a:fld id="{4E6EB0D1-7F1A-42AD-B212-076E82F7F2A9}" type="datetime1">
               <a:rPr lang="en-US" smtClean="0"/>
-              <a:t>7/27/2020</a:t>
+              <a:t>3/14/2021</a:t>
             </a:fld>
             <a:endParaRPr lang="fi-FI"/>
           </a:p>
@@ -5633,7 +6021,7 @@
             </a:pPr>
             <a:fld id="{6EA10C62-98A4-490F-AED8-C6BC545836D7}" type="datetime1">
               <a:rPr lang="en-US" smtClean="0"/>
-              <a:t>7/27/2020</a:t>
+              <a:t>3/14/2021</a:t>
             </a:fld>
             <a:endParaRPr lang="fi-FI"/>
           </a:p>
@@ -6195,7 +6583,7 @@
             </a:pPr>
             <a:fld id="{4ABDD2A1-315A-43A2-8A82-89A67F0B35A4}" type="datetime1">
               <a:rPr lang="en-US" smtClean="0"/>
-              <a:t>7/27/2020</a:t>
+              <a:t>3/14/2021</a:t>
             </a:fld>
             <a:endParaRPr lang="fi-FI"/>
           </a:p>
@@ -6755,92 +7143,794 @@
       </p:sp>
       <p:sp>
         <p:nvSpPr>
-          <p:cNvPr id="3" name="Subtitle 2"/>
+          <p:cNvPr id="6" name="Subtitle 2">
+            <a:extLst>
+              <a:ext uri="{FF2B5EF4-FFF2-40B4-BE49-F238E27FC236}">
+                <a16:creationId xmlns:a16="http://schemas.microsoft.com/office/drawing/2014/main" id="{C448E007-B0A3-6741-A0CE-D5E6C631250A}"/>
+              </a:ext>
+            </a:extLst>
+          </p:cNvPr>
+          <p:cNvSpPr txBox="1">
+            <a:spLocks/>
+          </p:cNvSpPr>
+          <p:nvPr/>
+        </p:nvSpPr>
+        <p:spPr>
+          <a:xfrm>
+            <a:off x="620714" y="4582148"/>
+            <a:ext cx="5495420" cy="660000"/>
+          </a:xfrm>
+          <a:prstGeom prst="rect">
+            <a:avLst/>
+          </a:prstGeom>
+        </p:spPr>
+        <p:txBody>
+          <a:bodyPr lIns="0" tIns="0" rIns="0" bIns="0" anchor="t">
+            <a:normAutofit lnSpcReduction="10000"/>
+          </a:bodyPr>
+          <a:lstStyle>
+            <a:lvl1pPr marL="0" indent="0" algn="l" defTabSz="457200" rtl="0" eaLnBrk="1" fontAlgn="base" hangingPunct="1">
+              <a:spcBef>
+                <a:spcPts val="0"/>
+              </a:spcBef>
+              <a:spcAft>
+                <a:spcPct val="0"/>
+              </a:spcAft>
+              <a:buFont typeface="Arial" charset="0"/>
+              <a:buNone/>
+              <a:defRPr sz="1600" i="1" kern="1200">
+                <a:solidFill>
+                  <a:schemeClr val="bg1"/>
+                </a:solidFill>
+                <a:latin typeface="Georgia"/>
+                <a:ea typeface="ＭＳ Ｐゴシック" charset="0"/>
+                <a:cs typeface="Georgia"/>
+              </a:defRPr>
+            </a:lvl1pPr>
+            <a:lvl2pPr marL="457200" indent="0" algn="ctr" defTabSz="457200" rtl="0" eaLnBrk="1" fontAlgn="base" hangingPunct="1">
+              <a:spcBef>
+                <a:spcPct val="20000"/>
+              </a:spcBef>
+              <a:spcAft>
+                <a:spcPct val="0"/>
+              </a:spcAft>
+              <a:buFont typeface="Arial" charset="0"/>
+              <a:buNone/>
+              <a:defRPr sz="2800" kern="1200">
+                <a:solidFill>
+                  <a:schemeClr val="tx1">
+                    <a:tint val="75000"/>
+                  </a:schemeClr>
+                </a:solidFill>
+                <a:latin typeface="+mn-lt"/>
+                <a:ea typeface="MS PGothic" pitchFamily="34" charset="-128"/>
+                <a:cs typeface="MS PGothic" charset="0"/>
+              </a:defRPr>
+            </a:lvl2pPr>
+            <a:lvl3pPr marL="914400" indent="0" algn="ctr" defTabSz="457200" rtl="0" eaLnBrk="1" fontAlgn="base" hangingPunct="1">
+              <a:spcBef>
+                <a:spcPct val="20000"/>
+              </a:spcBef>
+              <a:spcAft>
+                <a:spcPct val="0"/>
+              </a:spcAft>
+              <a:buFont typeface="Arial" charset="0"/>
+              <a:buNone/>
+              <a:defRPr sz="2400" kern="1200">
+                <a:solidFill>
+                  <a:schemeClr val="tx1">
+                    <a:tint val="75000"/>
+                  </a:schemeClr>
+                </a:solidFill>
+                <a:latin typeface="+mn-lt"/>
+                <a:ea typeface="ヒラギノ角ゴ Pro W3" charset="-128"/>
+                <a:cs typeface="ヒラギノ角ゴ Pro W3" charset="-128"/>
+              </a:defRPr>
+            </a:lvl3pPr>
+            <a:lvl4pPr marL="1371600" indent="0" algn="ctr" defTabSz="457200" rtl="0" eaLnBrk="1" fontAlgn="base" hangingPunct="1">
+              <a:spcBef>
+                <a:spcPct val="20000"/>
+              </a:spcBef>
+              <a:spcAft>
+                <a:spcPct val="0"/>
+              </a:spcAft>
+              <a:buFont typeface="Arial" charset="0"/>
+              <a:buNone/>
+              <a:defRPr sz="2000" kern="1200">
+                <a:solidFill>
+                  <a:schemeClr val="tx1">
+                    <a:tint val="75000"/>
+                  </a:schemeClr>
+                </a:solidFill>
+                <a:latin typeface="+mn-lt"/>
+                <a:ea typeface="ヒラギノ角ゴ Pro W3" charset="-128"/>
+                <a:cs typeface="ヒラギノ角ゴ Pro W3" charset="0"/>
+              </a:defRPr>
+            </a:lvl4pPr>
+            <a:lvl5pPr marL="1828800" indent="0" algn="ctr" defTabSz="457200" rtl="0" eaLnBrk="1" fontAlgn="base" hangingPunct="1">
+              <a:spcBef>
+                <a:spcPct val="20000"/>
+              </a:spcBef>
+              <a:spcAft>
+                <a:spcPct val="0"/>
+              </a:spcAft>
+              <a:buFont typeface="Arial" charset="0"/>
+              <a:buNone/>
+              <a:defRPr sz="2000" kern="1200">
+                <a:solidFill>
+                  <a:schemeClr val="tx1">
+                    <a:tint val="75000"/>
+                  </a:schemeClr>
+                </a:solidFill>
+                <a:latin typeface="+mn-lt"/>
+                <a:ea typeface="ＭＳ Ｐゴシック" charset="0"/>
+                <a:cs typeface="MS PGothic" pitchFamily="34" charset="-128"/>
+              </a:defRPr>
+            </a:lvl5pPr>
+            <a:lvl6pPr marL="2286000" indent="0" algn="ctr" defTabSz="457200" rtl="0" eaLnBrk="1" latinLnBrk="0" hangingPunct="1">
+              <a:spcBef>
+                <a:spcPct val="20000"/>
+              </a:spcBef>
+              <a:buFont typeface="Arial"/>
+              <a:buNone/>
+              <a:defRPr sz="2000" kern="1200">
+                <a:solidFill>
+                  <a:schemeClr val="tx1">
+                    <a:tint val="75000"/>
+                  </a:schemeClr>
+                </a:solidFill>
+                <a:latin typeface="+mn-lt"/>
+                <a:ea typeface="+mn-ea"/>
+                <a:cs typeface="+mn-cs"/>
+              </a:defRPr>
+            </a:lvl6pPr>
+            <a:lvl7pPr marL="2743200" indent="0" algn="ctr" defTabSz="457200" rtl="0" eaLnBrk="1" latinLnBrk="0" hangingPunct="1">
+              <a:spcBef>
+                <a:spcPct val="20000"/>
+              </a:spcBef>
+              <a:buFont typeface="Arial"/>
+              <a:buNone/>
+              <a:defRPr sz="2000" kern="1200">
+                <a:solidFill>
+                  <a:schemeClr val="tx1">
+                    <a:tint val="75000"/>
+                  </a:schemeClr>
+                </a:solidFill>
+                <a:latin typeface="+mn-lt"/>
+                <a:ea typeface="+mn-ea"/>
+                <a:cs typeface="+mn-cs"/>
+              </a:defRPr>
+            </a:lvl7pPr>
+            <a:lvl8pPr marL="3200400" indent="0" algn="ctr" defTabSz="457200" rtl="0" eaLnBrk="1" latinLnBrk="0" hangingPunct="1">
+              <a:spcBef>
+                <a:spcPct val="20000"/>
+              </a:spcBef>
+              <a:buFont typeface="Arial"/>
+              <a:buNone/>
+              <a:defRPr sz="2000" kern="1200">
+                <a:solidFill>
+                  <a:schemeClr val="tx1">
+                    <a:tint val="75000"/>
+                  </a:schemeClr>
+                </a:solidFill>
+                <a:latin typeface="+mn-lt"/>
+                <a:ea typeface="+mn-ea"/>
+                <a:cs typeface="+mn-cs"/>
+              </a:defRPr>
+            </a:lvl8pPr>
+            <a:lvl9pPr marL="3657600" indent="0" algn="ctr" defTabSz="457200" rtl="0" eaLnBrk="1" latinLnBrk="0" hangingPunct="1">
+              <a:spcBef>
+                <a:spcPct val="20000"/>
+              </a:spcBef>
+              <a:buFont typeface="Arial"/>
+              <a:buNone/>
+              <a:defRPr sz="2000" kern="1200">
+                <a:solidFill>
+                  <a:schemeClr val="tx1">
+                    <a:tint val="75000"/>
+                  </a:schemeClr>
+                </a:solidFill>
+                <a:latin typeface="+mn-lt"/>
+                <a:ea typeface="+mn-ea"/>
+                <a:cs typeface="+mn-cs"/>
+              </a:defRPr>
+            </a:lvl9pPr>
+          </a:lstStyle>
+          <a:p>
+            <a:r>
+              <a:rPr lang="fi-FI" dirty="0"/>
+              <a:t>Minh Tri </a:t>
+            </a:r>
+            <a:r>
+              <a:rPr lang="fi-FI" dirty="0" err="1"/>
+              <a:t>Nguyen</a:t>
+            </a:r>
+            <a:endParaRPr lang="fi-FI" dirty="0"/>
+          </a:p>
+          <a:p>
+            <a:r>
+              <a:rPr lang="fi-FI" dirty="0" err="1"/>
+              <a:t>PhD</a:t>
+            </a:r>
+            <a:r>
+              <a:rPr lang="fi-FI" dirty="0"/>
+              <a:t> </a:t>
+            </a:r>
+            <a:r>
+              <a:rPr lang="fi-FI" dirty="0" err="1"/>
+              <a:t>student</a:t>
+            </a:r>
+            <a:r>
+              <a:rPr lang="fi-FI" dirty="0"/>
+              <a:t> at Department of Computer Science</a:t>
+            </a:r>
+          </a:p>
+          <a:p>
+            <a:r>
+              <a:rPr lang="fi-FI" dirty="0" err="1"/>
+              <a:t>Researcher</a:t>
+            </a:r>
+            <a:r>
+              <a:rPr lang="fi-FI" dirty="0"/>
+              <a:t> at </a:t>
+            </a:r>
+            <a:r>
+              <a:rPr lang="fi-FI" dirty="0" err="1"/>
+              <a:t>AaltoSEA</a:t>
+            </a:r>
+            <a:endParaRPr lang="fi-FI" dirty="0"/>
+          </a:p>
+          <a:p>
+            <a:endParaRPr lang="fi-FI" dirty="0"/>
+          </a:p>
+        </p:txBody>
+      </p:sp>
+    </p:spTree>
+    <p:extLst>
+      <p:ext uri="{BB962C8B-B14F-4D97-AF65-F5344CB8AC3E}">
+        <p14:creationId xmlns:p14="http://schemas.microsoft.com/office/powerpoint/2010/main" val="1901455740"/>
+      </p:ext>
+    </p:extLst>
+  </p:cSld>
+  <p:clrMapOvr>
+    <a:masterClrMapping/>
+  </p:clrMapOvr>
+</p:sld>
+</file>
+
+<file path=ppt/slides/slide10.xml><?xml version="1.0" encoding="utf-8"?>
+<p:sld xmlns:a="http://schemas.openxmlformats.org/drawingml/2006/main" xmlns:r="http://schemas.openxmlformats.org/officeDocument/2006/relationships" xmlns:p="http://schemas.openxmlformats.org/presentationml/2006/main">
+  <p:cSld>
+    <p:spTree>
+      <p:nvGrpSpPr>
+        <p:cNvPr id="1" name=""/>
+        <p:cNvGrpSpPr/>
+        <p:nvPr/>
+      </p:nvGrpSpPr>
+      <p:grpSpPr>
+        <a:xfrm>
+          <a:off x="0" y="0"/>
+          <a:ext cx="0" cy="0"/>
+          <a:chOff x="0" y="0"/>
+          <a:chExt cx="0" cy="0"/>
+        </a:xfrm>
+      </p:grpSpPr>
+      <p:sp>
+        <p:nvSpPr>
+          <p:cNvPr id="2" name="Title 1">
+            <a:extLst>
+              <a:ext uri="{FF2B5EF4-FFF2-40B4-BE49-F238E27FC236}">
+                <a16:creationId xmlns:a16="http://schemas.microsoft.com/office/drawing/2014/main" id="{501AF764-D297-4EDC-BF5B-A90CF7432A2A}"/>
+              </a:ext>
+            </a:extLst>
+          </p:cNvPr>
           <p:cNvSpPr>
             <a:spLocks noGrp="1"/>
           </p:cNvSpPr>
           <p:nvPr>
-            <p:ph type="subTitle" idx="1"/>
+            <p:ph type="ctrTitle"/>
           </p:nvPr>
         </p:nvSpPr>
         <p:spPr>
           <a:xfrm>
-            <a:off x="468314" y="4429748"/>
-            <a:ext cx="7308787" cy="660000"/>
+            <a:off x="2542000" y="1705372"/>
+            <a:ext cx="4060000" cy="1320591"/>
           </a:xfrm>
         </p:spPr>
         <p:txBody>
-          <a:bodyPr>
-            <a:normAutofit/>
-          </a:bodyPr>
+          <a:bodyPr/>
           <a:lstStyle/>
           <a:p>
-            <a:r>
-              <a:rPr lang="fi-FI" dirty="0" err="1">
-                <a:ea typeface="ＭＳ Ｐゴシック"/>
-              </a:rPr>
-              <a:t>Rohit</a:t>
-            </a:r>
-            <a:r>
-              <a:rPr lang="fi-FI" dirty="0">
-                <a:ea typeface="ＭＳ Ｐゴシック"/>
-              </a:rPr>
-              <a:t> </a:t>
-            </a:r>
-            <a:r>
-              <a:rPr lang="fi-FI" dirty="0" err="1">
-                <a:ea typeface="ＭＳ Ｐゴシック"/>
-              </a:rPr>
-              <a:t>Raj</a:t>
-            </a:r>
-            <a:r>
-              <a:rPr lang="fi-FI" dirty="0">
-                <a:ea typeface="ＭＳ Ｐゴシック"/>
-              </a:rPr>
-              <a:t> (rohit.raj@aalto.fi)</a:t>
-            </a:r>
-          </a:p>
-          <a:p>
-            <a:r>
-              <a:rPr lang="fi-FI" dirty="0">
-                <a:ea typeface="ＭＳ Ｐゴシック"/>
-              </a:rPr>
-              <a:t>Master </a:t>
-            </a:r>
-            <a:r>
-              <a:rPr lang="fi-FI" dirty="0" err="1">
-                <a:ea typeface="ＭＳ Ｐゴシック"/>
-              </a:rPr>
-              <a:t>student</a:t>
-            </a:r>
-            <a:r>
-              <a:rPr lang="fi-FI" dirty="0">
-                <a:ea typeface="ＭＳ Ｐゴシック"/>
-              </a:rPr>
-              <a:t> of  Security and </a:t>
-            </a:r>
-            <a:r>
-              <a:rPr lang="fi-FI" dirty="0" err="1">
-                <a:ea typeface="ＭＳ Ｐゴシック"/>
-              </a:rPr>
-              <a:t>Cloud</a:t>
-            </a:r>
-            <a:r>
-              <a:rPr lang="fi-FI" dirty="0">
-                <a:ea typeface="ＭＳ Ｐゴシック"/>
-              </a:rPr>
-              <a:t> Computing (SECCLO)</a:t>
-            </a:r>
-            <a:endParaRPr lang="en-US" dirty="0">
-              <a:ea typeface="ＭＳ Ｐゴシック"/>
-            </a:endParaRPr>
+            <a:pPr algn="ctr"/>
+            <a:r>
+              <a:rPr lang="en-US" sz="5400" dirty="0"/>
+              <a:t>Thank you!</a:t>
+            </a:r>
+          </a:p>
+        </p:txBody>
+      </p:sp>
+      <p:sp>
+        <p:nvSpPr>
+          <p:cNvPr id="4" name="Date Placeholder 3">
+            <a:extLst>
+              <a:ext uri="{FF2B5EF4-FFF2-40B4-BE49-F238E27FC236}">
+                <a16:creationId xmlns:a16="http://schemas.microsoft.com/office/drawing/2014/main" id="{03643B39-467E-4D30-9D57-951E6E3BA9C5}"/>
+              </a:ext>
+            </a:extLst>
+          </p:cNvPr>
+          <p:cNvSpPr>
+            <a:spLocks noGrp="1"/>
+          </p:cNvSpPr>
+          <p:nvPr>
+            <p:ph type="dt" sz="half" idx="15"/>
+          </p:nvPr>
+        </p:nvSpPr>
+        <p:spPr/>
+        <p:txBody>
+          <a:bodyPr/>
+          <a:lstStyle/>
+          <a:p>
+            <a:pPr>
+              <a:defRPr/>
+            </a:pPr>
+            <a:fld id="{2AA94516-9B97-4DDB-9418-13D3C2BA0863}" type="datetime1">
+              <a:rPr lang="en-US" smtClean="0"/>
+              <a:t>3/14/2021</a:t>
+            </a:fld>
+            <a:endParaRPr lang="fi-FI" dirty="0"/>
+          </a:p>
+        </p:txBody>
+      </p:sp>
+      <p:sp>
+        <p:nvSpPr>
+          <p:cNvPr id="5" name="Footer Placeholder 4">
+            <a:extLst>
+              <a:ext uri="{FF2B5EF4-FFF2-40B4-BE49-F238E27FC236}">
+                <a16:creationId xmlns:a16="http://schemas.microsoft.com/office/drawing/2014/main" id="{FC66D380-DB99-4817-AE63-B0D829BB378F}"/>
+              </a:ext>
+            </a:extLst>
+          </p:cNvPr>
+          <p:cNvSpPr>
+            <a:spLocks noGrp="1"/>
+          </p:cNvSpPr>
+          <p:nvPr>
+            <p:ph type="ftr" sz="quarter" idx="16"/>
+          </p:nvPr>
+        </p:nvSpPr>
+        <p:spPr/>
+        <p:txBody>
+          <a:bodyPr/>
+          <a:lstStyle/>
+          <a:p>
+            <a:pPr>
+              <a:defRPr/>
+            </a:pPr>
+            <a:r>
+              <a:rPr lang="en-US" dirty="0"/>
+              <a:t>CS-E4640 Big Data Platforms, @</a:t>
+            </a:r>
+            <a:r>
+              <a:rPr lang="en-US" dirty="0" err="1"/>
+              <a:t>CSAalto</a:t>
+            </a:r>
+            <a:endParaRPr lang="fi-FI" dirty="0"/>
+          </a:p>
+        </p:txBody>
+      </p:sp>
+      <p:sp>
+        <p:nvSpPr>
+          <p:cNvPr id="6" name="Slide Number Placeholder 5">
+            <a:extLst>
+              <a:ext uri="{FF2B5EF4-FFF2-40B4-BE49-F238E27FC236}">
+                <a16:creationId xmlns:a16="http://schemas.microsoft.com/office/drawing/2014/main" id="{CC4E0D67-F97F-440D-B672-D1DCB77CF009}"/>
+              </a:ext>
+            </a:extLst>
+          </p:cNvPr>
+          <p:cNvSpPr>
+            <a:spLocks noGrp="1"/>
+          </p:cNvSpPr>
+          <p:nvPr>
+            <p:ph type="sldNum" sz="quarter" idx="17"/>
+          </p:nvPr>
+        </p:nvSpPr>
+        <p:spPr/>
+        <p:txBody>
+          <a:bodyPr/>
+          <a:lstStyle/>
+          <a:p>
+            <a:pPr>
+              <a:defRPr/>
+            </a:pPr>
+            <a:fld id="{49EFD4B7-1CC6-864B-A72A-C978B70BBA9B}" type="slidenum">
+              <a:rPr lang="fi-FI" smtClean="0"/>
+              <a:pPr>
+                <a:defRPr/>
+              </a:pPr>
+              <a:t>10</a:t>
+            </a:fld>
+            <a:endParaRPr lang="fi-FI"/>
+          </a:p>
+        </p:txBody>
+      </p:sp>
+      <p:sp>
+        <p:nvSpPr>
+          <p:cNvPr id="15" name="Content Placeholder 2">
+            <a:extLst>
+              <a:ext uri="{FF2B5EF4-FFF2-40B4-BE49-F238E27FC236}">
+                <a16:creationId xmlns:a16="http://schemas.microsoft.com/office/drawing/2014/main" id="{B7A82410-77F2-BE41-971A-4C7A0EA8B511}"/>
+              </a:ext>
+            </a:extLst>
+          </p:cNvPr>
+          <p:cNvSpPr txBox="1">
+            <a:spLocks/>
+          </p:cNvSpPr>
+          <p:nvPr/>
+        </p:nvSpPr>
+        <p:spPr>
+          <a:xfrm>
+            <a:off x="468314" y="913285"/>
+            <a:ext cx="8207374" cy="3684410"/>
+          </a:xfrm>
+          <a:prstGeom prst="rect">
+            <a:avLst/>
+          </a:prstGeom>
+        </p:spPr>
+        <p:txBody>
+          <a:bodyPr vert="horz" lIns="0" tIns="0" rIns="0" bIns="0"/>
+          <a:lstStyle>
+            <a:lvl1pPr marL="0" indent="0" algn="l" defTabSz="457200" rtl="0" eaLnBrk="1" fontAlgn="base" hangingPunct="1">
+              <a:spcBef>
+                <a:spcPct val="20000"/>
+              </a:spcBef>
+              <a:spcAft>
+                <a:spcPct val="0"/>
+              </a:spcAft>
+              <a:buFont typeface="Arial" charset="0"/>
+              <a:buNone/>
+              <a:defRPr sz="2100" b="1" kern="1200">
+                <a:solidFill>
+                  <a:schemeClr val="tx1"/>
+                </a:solidFill>
+                <a:latin typeface="+mj-lt"/>
+                <a:ea typeface="ＭＳ Ｐゴシック" charset="0"/>
+                <a:cs typeface="MS PGothic" pitchFamily="34" charset="-128"/>
+              </a:defRPr>
+            </a:lvl1pPr>
+            <a:lvl2pPr marL="237600" indent="-212400" algn="l" defTabSz="457200" rtl="0" eaLnBrk="1" fontAlgn="base" hangingPunct="1">
+              <a:spcBef>
+                <a:spcPct val="20000"/>
+              </a:spcBef>
+              <a:spcAft>
+                <a:spcPct val="0"/>
+              </a:spcAft>
+              <a:buFont typeface="Arial"/>
+              <a:buChar char="•"/>
+              <a:defRPr sz="2000" kern="1200">
+                <a:solidFill>
+                  <a:schemeClr val="tx1"/>
+                </a:solidFill>
+                <a:latin typeface="Georgia"/>
+                <a:ea typeface="MS PGothic" pitchFamily="34" charset="-128"/>
+                <a:cs typeface="MS PGothic" charset="0"/>
+              </a:defRPr>
+            </a:lvl2pPr>
+            <a:lvl3pPr marL="460800" indent="-230400" algn="l" defTabSz="457200" rtl="0" eaLnBrk="1" fontAlgn="base" hangingPunct="1">
+              <a:spcBef>
+                <a:spcPct val="20000"/>
+              </a:spcBef>
+              <a:spcAft>
+                <a:spcPct val="0"/>
+              </a:spcAft>
+              <a:buFont typeface="Lucida Grande"/>
+              <a:buChar char="-"/>
+              <a:defRPr sz="1600" i="1" kern="1200">
+                <a:solidFill>
+                  <a:schemeClr val="tx1"/>
+                </a:solidFill>
+                <a:latin typeface="Georgia"/>
+                <a:ea typeface="ヒラギノ角ゴ Pro W3" charset="-128"/>
+                <a:cs typeface="Georgia"/>
+              </a:defRPr>
+            </a:lvl3pPr>
+            <a:lvl4pPr marL="792000" indent="-194400" algn="l" defTabSz="457200" rtl="0" eaLnBrk="1" fontAlgn="base" hangingPunct="1">
+              <a:spcBef>
+                <a:spcPct val="20000"/>
+              </a:spcBef>
+              <a:spcAft>
+                <a:spcPct val="0"/>
+              </a:spcAft>
+              <a:buFont typeface="Arial"/>
+              <a:buChar char="•"/>
+              <a:defRPr sz="1400" kern="1200" baseline="0">
+                <a:solidFill>
+                  <a:schemeClr val="tx1"/>
+                </a:solidFill>
+                <a:latin typeface="Georgia"/>
+                <a:ea typeface="ヒラギノ角ゴ Pro W3" charset="-128"/>
+                <a:cs typeface="ヒラギノ角ゴ Pro W3" charset="0"/>
+              </a:defRPr>
+            </a:lvl4pPr>
+            <a:lvl5pPr marL="1087200" indent="-228600" algn="l" defTabSz="457200" rtl="0" eaLnBrk="1" fontAlgn="base" hangingPunct="1">
+              <a:spcBef>
+                <a:spcPct val="20000"/>
+              </a:spcBef>
+              <a:spcAft>
+                <a:spcPct val="0"/>
+              </a:spcAft>
+              <a:buFont typeface="Courier New"/>
+              <a:buChar char="o"/>
+              <a:defRPr sz="1300" kern="1200" baseline="0">
+                <a:solidFill>
+                  <a:schemeClr val="tx1"/>
+                </a:solidFill>
+                <a:latin typeface="+mn-lt"/>
+                <a:ea typeface="ＭＳ Ｐゴシック" charset="0"/>
+                <a:cs typeface="MS PGothic" pitchFamily="34" charset="-128"/>
+              </a:defRPr>
+            </a:lvl5pPr>
+            <a:lvl6pPr marL="2514600" indent="-228600" algn="l" defTabSz="457200" rtl="0" eaLnBrk="1" latinLnBrk="0" hangingPunct="1">
+              <a:spcBef>
+                <a:spcPct val="20000"/>
+              </a:spcBef>
+              <a:buFont typeface="Arial"/>
+              <a:buChar char="•"/>
+              <a:defRPr sz="2000" kern="1200">
+                <a:solidFill>
+                  <a:schemeClr val="tx1"/>
+                </a:solidFill>
+                <a:latin typeface="+mn-lt"/>
+                <a:ea typeface="+mn-ea"/>
+                <a:cs typeface="+mn-cs"/>
+              </a:defRPr>
+            </a:lvl6pPr>
+            <a:lvl7pPr marL="2971800" indent="-228600" algn="l" defTabSz="457200" rtl="0" eaLnBrk="1" latinLnBrk="0" hangingPunct="1">
+              <a:spcBef>
+                <a:spcPct val="20000"/>
+              </a:spcBef>
+              <a:buFont typeface="Arial"/>
+              <a:buChar char="•"/>
+              <a:defRPr sz="2000" kern="1200">
+                <a:solidFill>
+                  <a:schemeClr val="tx1"/>
+                </a:solidFill>
+                <a:latin typeface="+mn-lt"/>
+                <a:ea typeface="+mn-ea"/>
+                <a:cs typeface="+mn-cs"/>
+              </a:defRPr>
+            </a:lvl7pPr>
+            <a:lvl8pPr marL="3429000" indent="-228600" algn="l" defTabSz="457200" rtl="0" eaLnBrk="1" latinLnBrk="0" hangingPunct="1">
+              <a:spcBef>
+                <a:spcPct val="20000"/>
+              </a:spcBef>
+              <a:buFont typeface="Arial"/>
+              <a:buChar char="•"/>
+              <a:defRPr sz="2000" kern="1200">
+                <a:solidFill>
+                  <a:schemeClr val="tx1"/>
+                </a:solidFill>
+                <a:latin typeface="+mn-lt"/>
+                <a:ea typeface="+mn-ea"/>
+                <a:cs typeface="+mn-cs"/>
+              </a:defRPr>
+            </a:lvl8pPr>
+            <a:lvl9pPr marL="3886200" indent="-228600" algn="l" defTabSz="457200" rtl="0" eaLnBrk="1" latinLnBrk="0" hangingPunct="1">
+              <a:spcBef>
+                <a:spcPct val="20000"/>
+              </a:spcBef>
+              <a:buFont typeface="Arial"/>
+              <a:buChar char="•"/>
+              <a:defRPr sz="2000" kern="1200">
+                <a:solidFill>
+                  <a:schemeClr val="tx1"/>
+                </a:solidFill>
+                <a:latin typeface="+mn-lt"/>
+                <a:ea typeface="+mn-ea"/>
+                <a:cs typeface="+mn-cs"/>
+              </a:defRPr>
+            </a:lvl9pPr>
+          </a:lstStyle>
+          <a:p>
+            <a:pPr marL="580500" lvl="1" indent="-342900">
+              <a:buFont typeface="Wingdings" panose="05000000000000000000" pitchFamily="2" charset="2"/>
+              <a:buChar char="§"/>
+            </a:pPr>
+            <a:endParaRPr lang="en-US" sz="2400" dirty="0"/>
+          </a:p>
+        </p:txBody>
+      </p:sp>
+      <p:sp>
+        <p:nvSpPr>
+          <p:cNvPr id="9" name="Content Placeholder 2">
+            <a:extLst>
+              <a:ext uri="{FF2B5EF4-FFF2-40B4-BE49-F238E27FC236}">
+                <a16:creationId xmlns:a16="http://schemas.microsoft.com/office/drawing/2014/main" id="{27C834A8-7678-844D-AA11-673F81DE0FEF}"/>
+              </a:ext>
+            </a:extLst>
+          </p:cNvPr>
+          <p:cNvSpPr txBox="1">
+            <a:spLocks/>
+          </p:cNvSpPr>
+          <p:nvPr/>
+        </p:nvSpPr>
+        <p:spPr>
+          <a:xfrm>
+            <a:off x="1428956" y="2822554"/>
+            <a:ext cx="6286088" cy="1184084"/>
+          </a:xfrm>
+          <a:prstGeom prst="rect">
+            <a:avLst/>
+          </a:prstGeom>
+        </p:spPr>
+        <p:txBody>
+          <a:bodyPr vert="horz" lIns="0" tIns="0" rIns="0" bIns="0"/>
+          <a:lstStyle>
+            <a:lvl1pPr marL="0" indent="0" algn="l" defTabSz="457200" rtl="0" eaLnBrk="1" fontAlgn="base" hangingPunct="1">
+              <a:spcBef>
+                <a:spcPct val="20000"/>
+              </a:spcBef>
+              <a:spcAft>
+                <a:spcPct val="0"/>
+              </a:spcAft>
+              <a:buFont typeface="Arial" charset="0"/>
+              <a:buNone/>
+              <a:defRPr sz="2100" b="1" kern="1200">
+                <a:solidFill>
+                  <a:schemeClr val="tx1"/>
+                </a:solidFill>
+                <a:latin typeface="+mj-lt"/>
+                <a:ea typeface="ＭＳ Ｐゴシック" charset="0"/>
+                <a:cs typeface="MS PGothic" pitchFamily="34" charset="-128"/>
+              </a:defRPr>
+            </a:lvl1pPr>
+            <a:lvl2pPr marL="237600" indent="-212400" algn="l" defTabSz="457200" rtl="0" eaLnBrk="1" fontAlgn="base" hangingPunct="1">
+              <a:spcBef>
+                <a:spcPct val="20000"/>
+              </a:spcBef>
+              <a:spcAft>
+                <a:spcPct val="0"/>
+              </a:spcAft>
+              <a:buFont typeface="Arial"/>
+              <a:buChar char="•"/>
+              <a:defRPr sz="2000" kern="1200">
+                <a:solidFill>
+                  <a:schemeClr val="tx1"/>
+                </a:solidFill>
+                <a:latin typeface="Georgia"/>
+                <a:ea typeface="MS PGothic" pitchFamily="34" charset="-128"/>
+                <a:cs typeface="MS PGothic" charset="0"/>
+              </a:defRPr>
+            </a:lvl2pPr>
+            <a:lvl3pPr marL="460800" indent="-230400" algn="l" defTabSz="457200" rtl="0" eaLnBrk="1" fontAlgn="base" hangingPunct="1">
+              <a:spcBef>
+                <a:spcPct val="20000"/>
+              </a:spcBef>
+              <a:spcAft>
+                <a:spcPct val="0"/>
+              </a:spcAft>
+              <a:buFont typeface="Lucida Grande"/>
+              <a:buChar char="-"/>
+              <a:defRPr sz="1600" i="1" kern="1200">
+                <a:solidFill>
+                  <a:schemeClr val="tx1"/>
+                </a:solidFill>
+                <a:latin typeface="Georgia"/>
+                <a:ea typeface="ヒラギノ角ゴ Pro W3" charset="-128"/>
+                <a:cs typeface="Georgia"/>
+              </a:defRPr>
+            </a:lvl3pPr>
+            <a:lvl4pPr marL="792000" indent="-194400" algn="l" defTabSz="457200" rtl="0" eaLnBrk="1" fontAlgn="base" hangingPunct="1">
+              <a:spcBef>
+                <a:spcPct val="20000"/>
+              </a:spcBef>
+              <a:spcAft>
+                <a:spcPct val="0"/>
+              </a:spcAft>
+              <a:buFont typeface="Arial"/>
+              <a:buChar char="•"/>
+              <a:defRPr sz="1400" kern="1200" baseline="0">
+                <a:solidFill>
+                  <a:schemeClr val="tx1"/>
+                </a:solidFill>
+                <a:latin typeface="Georgia"/>
+                <a:ea typeface="ヒラギノ角ゴ Pro W3" charset="-128"/>
+                <a:cs typeface="ヒラギノ角ゴ Pro W3" charset="0"/>
+              </a:defRPr>
+            </a:lvl4pPr>
+            <a:lvl5pPr marL="1087200" indent="-228600" algn="l" defTabSz="457200" rtl="0" eaLnBrk="1" fontAlgn="base" hangingPunct="1">
+              <a:spcBef>
+                <a:spcPct val="20000"/>
+              </a:spcBef>
+              <a:spcAft>
+                <a:spcPct val="0"/>
+              </a:spcAft>
+              <a:buFont typeface="Courier New"/>
+              <a:buChar char="o"/>
+              <a:defRPr sz="1300" kern="1200" baseline="0">
+                <a:solidFill>
+                  <a:schemeClr val="tx1"/>
+                </a:solidFill>
+                <a:latin typeface="+mn-lt"/>
+                <a:ea typeface="ＭＳ Ｐゴシック" charset="0"/>
+                <a:cs typeface="MS PGothic" pitchFamily="34" charset="-128"/>
+              </a:defRPr>
+            </a:lvl5pPr>
+            <a:lvl6pPr marL="2514600" indent="-228600" algn="l" defTabSz="457200" rtl="0" eaLnBrk="1" latinLnBrk="0" hangingPunct="1">
+              <a:spcBef>
+                <a:spcPct val="20000"/>
+              </a:spcBef>
+              <a:buFont typeface="Arial"/>
+              <a:buChar char="•"/>
+              <a:defRPr sz="2000" kern="1200">
+                <a:solidFill>
+                  <a:schemeClr val="tx1"/>
+                </a:solidFill>
+                <a:latin typeface="+mn-lt"/>
+                <a:ea typeface="+mn-ea"/>
+                <a:cs typeface="+mn-cs"/>
+              </a:defRPr>
+            </a:lvl6pPr>
+            <a:lvl7pPr marL="2971800" indent="-228600" algn="l" defTabSz="457200" rtl="0" eaLnBrk="1" latinLnBrk="0" hangingPunct="1">
+              <a:spcBef>
+                <a:spcPct val="20000"/>
+              </a:spcBef>
+              <a:buFont typeface="Arial"/>
+              <a:buChar char="•"/>
+              <a:defRPr sz="2000" kern="1200">
+                <a:solidFill>
+                  <a:schemeClr val="tx1"/>
+                </a:solidFill>
+                <a:latin typeface="+mn-lt"/>
+                <a:ea typeface="+mn-ea"/>
+                <a:cs typeface="+mn-cs"/>
+              </a:defRPr>
+            </a:lvl7pPr>
+            <a:lvl8pPr marL="3429000" indent="-228600" algn="l" defTabSz="457200" rtl="0" eaLnBrk="1" latinLnBrk="0" hangingPunct="1">
+              <a:spcBef>
+                <a:spcPct val="20000"/>
+              </a:spcBef>
+              <a:buFont typeface="Arial"/>
+              <a:buChar char="•"/>
+              <a:defRPr sz="2000" kern="1200">
+                <a:solidFill>
+                  <a:schemeClr val="tx1"/>
+                </a:solidFill>
+                <a:latin typeface="+mn-lt"/>
+                <a:ea typeface="+mn-ea"/>
+                <a:cs typeface="+mn-cs"/>
+              </a:defRPr>
+            </a:lvl8pPr>
+            <a:lvl9pPr marL="3886200" indent="-228600" algn="l" defTabSz="457200" rtl="0" eaLnBrk="1" latinLnBrk="0" hangingPunct="1">
+              <a:spcBef>
+                <a:spcPct val="20000"/>
+              </a:spcBef>
+              <a:buFont typeface="Arial"/>
+              <a:buChar char="•"/>
+              <a:defRPr sz="2000" kern="1200">
+                <a:solidFill>
+                  <a:schemeClr val="tx1"/>
+                </a:solidFill>
+                <a:latin typeface="+mn-lt"/>
+                <a:ea typeface="+mn-ea"/>
+                <a:cs typeface="+mn-cs"/>
+              </a:defRPr>
+            </a:lvl9pPr>
+          </a:lstStyle>
+          <a:p>
+            <a:pPr lvl="1" indent="0" algn="ctr">
+              <a:buNone/>
+            </a:pPr>
+            <a:r>
+              <a:rPr lang="en-US" sz="2400" i="0" dirty="0"/>
+              <a:t>Any Question?</a:t>
+            </a:r>
+            <a:endParaRPr lang="en-US" sz="2000" i="0" dirty="0"/>
           </a:p>
         </p:txBody>
       </p:sp>
     </p:spTree>
     <p:extLst>
       <p:ext uri="{BB962C8B-B14F-4D97-AF65-F5344CB8AC3E}">
-        <p14:creationId xmlns:p14="http://schemas.microsoft.com/office/powerpoint/2010/main" val="1901455740"/>
+        <p14:creationId xmlns:p14="http://schemas.microsoft.com/office/powerpoint/2010/main" val="3015910969"/>
       </p:ext>
     </p:extLst>
   </p:cSld>
@@ -6889,11 +7979,14 @@
           <a:lstStyle/>
           <a:p>
             <a:r>
-              <a:rPr lang="en-US" dirty="0">
+              <a:rPr lang="en-US" sz="4400" dirty="0">
                 <a:ea typeface="ＭＳ Ｐゴシック"/>
               </a:rPr>
-              <a:t>Streaming Analytics using Apache Spark</a:t>
-            </a:r>
+              <a:t>Purpose</a:t>
+            </a:r>
+            <a:endParaRPr lang="en-US" dirty="0">
+              <a:ea typeface="ＭＳ Ｐゴシック"/>
+            </a:endParaRPr>
           </a:p>
         </p:txBody>
       </p:sp>
@@ -6913,7 +8006,12 @@
             <p:ph sz="quarter" idx="14"/>
           </p:nvPr>
         </p:nvSpPr>
-        <p:spPr/>
+        <p:spPr>
+          <a:xfrm>
+            <a:off x="468312" y="1194512"/>
+            <a:ext cx="8207374" cy="443761"/>
+          </a:xfrm>
+        </p:spPr>
         <p:txBody>
           <a:bodyPr vert="horz" lIns="0" tIns="0" rIns="0" bIns="0" anchor="t"/>
           <a:lstStyle/>
@@ -6924,142 +8022,69 @@
             </a:pPr>
             <a:r>
               <a:rPr lang="en-US" sz="2800" dirty="0">
-                <a:latin typeface="Arial"/>
+                <a:latin typeface="Georgia"/>
                 <a:ea typeface="ＭＳ Ｐゴシック"/>
               </a:rPr>
-              <a:t>About me </a:t>
-            </a:r>
-            <a:endParaRPr lang="en-US" dirty="0"/>
+              <a:t>First step experiencing with Apache Flink</a:t>
+            </a:r>
           </a:p>
           <a:p>
             <a:pPr marL="580390" lvl="1" indent="-342900">
+              <a:lnSpc>
+                <a:spcPct val="150000"/>
+              </a:lnSpc>
               <a:buFont typeface="Wingdings" panose="05000000000000000000" pitchFamily="2" charset="2"/>
               <a:buChar char="§"/>
             </a:pPr>
             <a:r>
-              <a:rPr lang="en-US" dirty="0">
-                <a:ea typeface="MS PGothic"/>
+              <a:rPr lang="en-US" sz="2400" dirty="0">
+                <a:latin typeface="Georgia" panose="02040502050405020303" pitchFamily="18" charset="0"/>
+                <a:ea typeface="ＭＳ Ｐゴシック"/>
               </a:rPr>
-              <a:t>1st year Masters student of SECCLO</a:t>
-            </a:r>
-            <a:endParaRPr lang="en-US" dirty="0"/>
+              <a:t>Building the first application processing Stream data</a:t>
+            </a:r>
           </a:p>
           <a:p>
             <a:pPr marL="580390" lvl="1" indent="-342900">
+              <a:lnSpc>
+                <a:spcPct val="150000"/>
+              </a:lnSpc>
               <a:buFont typeface="Wingdings" panose="05000000000000000000" pitchFamily="2" charset="2"/>
               <a:buChar char="§"/>
             </a:pPr>
             <a:r>
-              <a:rPr lang="en-US" dirty="0">
-                <a:ea typeface="MS PGothic"/>
+              <a:rPr lang="en-US" sz="2400" dirty="0">
+                <a:ea typeface="ＭＳ Ｐゴシック"/>
               </a:rPr>
-              <a:t>Currently also researching reliability in </a:t>
-            </a:r>
-            <a:r>
-              <a:rPr lang="en-US" dirty="0" err="1">
-                <a:ea typeface="MS PGothic"/>
-              </a:rPr>
-              <a:t>IIoT</a:t>
-            </a:r>
-            <a:r>
-              <a:rPr lang="en-US" dirty="0">
-                <a:ea typeface="MS PGothic"/>
-              </a:rPr>
-              <a:t> services</a:t>
-            </a:r>
-          </a:p>
-          <a:p>
-            <a:pPr marL="342900" indent="-342900">
+              <a:t>Running/managing Flink jobs locally/remotely</a:t>
+            </a:r>
+          </a:p>
+          <a:p>
+            <a:pPr marL="580390" lvl="1" indent="-342900">
+              <a:lnSpc>
+                <a:spcPct val="150000"/>
+              </a:lnSpc>
               <a:buFont typeface="Wingdings" panose="05000000000000000000" pitchFamily="2" charset="2"/>
               <a:buChar char="§"/>
             </a:pPr>
             <a:r>
-              <a:rPr lang="en-US" sz="2800" dirty="0">
+              <a:rPr lang="en-US" sz="2400" dirty="0">
                 <a:ea typeface="ＭＳ Ｐゴシック"/>
               </a:rPr>
-              <a:t>About the tutorial</a:t>
-            </a:r>
-          </a:p>
-          <a:p>
-            <a:pPr marL="580390" lvl="1" indent="-342900">
-              <a:buFont typeface="Wingdings" panose="05000000000000000000" pitchFamily="2" charset="2"/>
-              <a:buChar char="§"/>
+              <a:t>Exploring Flink features and work around with a simple BTS analysis </a:t>
+            </a:r>
+            <a:endParaRPr lang="en-US" sz="2400" dirty="0">
+              <a:latin typeface="Georgia" panose="02040502050405020303" pitchFamily="18" charset="0"/>
+              <a:ea typeface="ＭＳ Ｐゴシック"/>
+            </a:endParaRPr>
+          </a:p>
+          <a:p>
+            <a:pPr marL="237490" lvl="1" indent="0">
+              <a:buNone/>
             </a:pPr>
-            <a:r>
-              <a:rPr lang="en-US" dirty="0">
-                <a:ea typeface="MS PGothic"/>
-              </a:rPr>
-              <a:t>Performing</a:t>
-            </a:r>
-            <a:r>
-              <a:rPr lang="en-US" b="0" dirty="0">
-                <a:latin typeface="Georgia"/>
-                <a:ea typeface="MS PGothic"/>
-              </a:rPr>
-              <a:t> streaming analytics in Apache </a:t>
-            </a:r>
-            <a:r>
-              <a:rPr lang="en-US" dirty="0">
-                <a:ea typeface="MS PGothic"/>
-              </a:rPr>
-              <a:t>Flink</a:t>
-            </a:r>
-            <a:endParaRPr lang="en-US" b="0" dirty="0">
-              <a:latin typeface="Georgia"/>
-              <a:ea typeface="MS PGothic"/>
+            <a:endParaRPr lang="en-US" dirty="0">
+              <a:latin typeface="Georgia" panose="02040502050405020303" pitchFamily="18" charset="0"/>
             </a:endParaRPr>
-          </a:p>
-          <a:p>
-            <a:pPr marL="580390" lvl="1" indent="-342900">
-              <a:buFont typeface="Wingdings" panose="05000000000000000000" pitchFamily="2" charset="2"/>
-              <a:buChar char="§"/>
-            </a:pPr>
-            <a:r>
-              <a:rPr lang="en-US" dirty="0">
-                <a:ea typeface="MS PGothic"/>
-              </a:rPr>
-              <a:t>Intermediate learner about streaming services</a:t>
-            </a:r>
-            <a:endParaRPr lang="en-US" dirty="0"/>
-          </a:p>
-          <a:p>
-            <a:pPr marL="580390" lvl="1" indent="-342900">
-              <a:buFont typeface="Wingdings" panose="05000000000000000000" pitchFamily="2" charset="2"/>
-              <a:buChar char="§"/>
-            </a:pPr>
-            <a:r>
-              <a:rPr lang="en-US" dirty="0">
-                <a:ea typeface="MS PGothic"/>
-              </a:rPr>
-              <a:t>Prerequisite: </a:t>
-            </a:r>
-            <a:endParaRPr lang="en-US" dirty="0"/>
-          </a:p>
-          <a:p>
-            <a:pPr marL="803275" lvl="2" indent="-229870">
-              <a:buFont typeface="Wingdings" panose="05000000000000000000" pitchFamily="2" charset="2"/>
-              <a:buChar char="§"/>
-            </a:pPr>
-            <a:r>
-              <a:rPr lang="en-US" dirty="0">
-                <a:ea typeface="MS PGothic"/>
-              </a:rPr>
-              <a:t>usage of docker and docker-compose - (Optional)</a:t>
-            </a:r>
-            <a:endParaRPr lang="en-US" i="0" dirty="0"/>
-          </a:p>
-          <a:p>
-            <a:pPr marL="803275" lvl="2" indent="-229870">
-              <a:buFont typeface="Wingdings" panose="05000000000000000000" pitchFamily="2" charset="2"/>
-              <a:buChar char="§"/>
-            </a:pPr>
-            <a:r>
-              <a:rPr lang="en-US" dirty="0">
-                <a:ea typeface="MS PGothic"/>
-              </a:rPr>
-              <a:t>Basic idea of streaming analytics (Apache Flink), message brokers (RabbitMQ)</a:t>
-            </a:r>
-            <a:endParaRPr lang="en-US" i="0" dirty="0"/>
           </a:p>
         </p:txBody>
       </p:sp>
@@ -7089,7 +8114,7 @@
             </a:pPr>
             <a:fld id="{3C4C6E3F-5E3C-4FBD-BF9E-3C26CFB1E59A}" type="datetime1">
               <a:rPr lang="en-US" smtClean="0"/>
-              <a:t>7/27/2020</a:t>
+              <a:t>3/14/2021</a:t>
             </a:fld>
             <a:endParaRPr lang="fi-FI"/>
           </a:p>
@@ -7165,7 +8190,7 @@
     </p:spTree>
     <p:extLst>
       <p:ext uri="{BB962C8B-B14F-4D97-AF65-F5344CB8AC3E}">
-        <p14:creationId xmlns:p14="http://schemas.microsoft.com/office/powerpoint/2010/main" val="871089576"/>
+        <p14:creationId xmlns:p14="http://schemas.microsoft.com/office/powerpoint/2010/main" val="969449620"/>
       </p:ext>
     </p:extLst>
   </p:cSld>
@@ -7194,10 +8219,10 @@
       </p:grpSpPr>
       <p:sp>
         <p:nvSpPr>
-          <p:cNvPr id="2" name="Title 1">
+          <p:cNvPr id="5" name="Title 4">
             <a:extLst>
               <a:ext uri="{FF2B5EF4-FFF2-40B4-BE49-F238E27FC236}">
-                <a16:creationId xmlns:a16="http://schemas.microsoft.com/office/drawing/2014/main" id="{34166681-FBC6-47BC-A223-BE3F8899FE4E}"/>
+                <a16:creationId xmlns:a16="http://schemas.microsoft.com/office/drawing/2014/main" id="{D6C3EA07-F7CA-40AB-8D0A-FD1120628B70}"/>
               </a:ext>
             </a:extLst>
           </p:cNvPr>
@@ -7208,29 +8233,76 @@
             <p:ph type="ctrTitle"/>
           </p:nvPr>
         </p:nvSpPr>
+        <p:spPr/>
+        <p:txBody>
+          <a:bodyPr/>
+          <a:lstStyle/>
+          <a:p>
+            <a:r>
+              <a:rPr lang="en-US" dirty="0">
+                <a:ea typeface="ＭＳ Ｐゴシック"/>
+              </a:rPr>
+              <a:t>Streaming Analytics using Apache </a:t>
+            </a:r>
+            <a:r>
+              <a:rPr lang="en-US" dirty="0" err="1">
+                <a:ea typeface="ＭＳ Ｐゴシック"/>
+              </a:rPr>
+              <a:t>Flink</a:t>
+            </a:r>
+            <a:endParaRPr lang="en-US" dirty="0">
+              <a:ea typeface="ＭＳ Ｐゴシック"/>
+            </a:endParaRPr>
+          </a:p>
+        </p:txBody>
+      </p:sp>
+      <p:sp>
+        <p:nvSpPr>
+          <p:cNvPr id="6" name="Content Placeholder 5">
+            <a:extLst>
+              <a:ext uri="{FF2B5EF4-FFF2-40B4-BE49-F238E27FC236}">
+                <a16:creationId xmlns:a16="http://schemas.microsoft.com/office/drawing/2014/main" id="{374EC1ED-20F3-4F3E-8099-86F15B5766B0}"/>
+              </a:ext>
+            </a:extLst>
+          </p:cNvPr>
+          <p:cNvSpPr>
+            <a:spLocks noGrp="1"/>
+          </p:cNvSpPr>
+          <p:nvPr>
+            <p:ph sz="quarter" idx="14"/>
+          </p:nvPr>
+        </p:nvSpPr>
         <p:spPr>
           <a:xfrm>
-            <a:off x="395536" y="2641476"/>
-            <a:ext cx="8207375" cy="996498"/>
+            <a:off x="434250" y="769268"/>
+            <a:ext cx="8207374" cy="443761"/>
           </a:xfrm>
         </p:spPr>
         <p:txBody>
-          <a:bodyPr/>
+          <a:bodyPr vert="horz" lIns="0" tIns="0" rIns="0" bIns="0" anchor="t"/>
           <a:lstStyle/>
           <a:p>
-            <a:r>
-              <a:rPr lang="en-US" dirty="0"/>
-              <a:t>Let us start!</a:t>
-            </a:r>
-          </a:p>
-        </p:txBody>
-      </p:sp>
-      <p:sp>
-        <p:nvSpPr>
-          <p:cNvPr id="4" name="Date Placeholder 3">
+            <a:pPr marL="342900" indent="-342900">
+              <a:buFont typeface="Wingdings" panose="05000000000000000000" pitchFamily="2" charset="2"/>
+              <a:buChar char="§"/>
+            </a:pPr>
+            <a:r>
+              <a:rPr lang="en-US" sz="2800" dirty="0">
+                <a:latin typeface="Arial"/>
+                <a:ea typeface="ＭＳ Ｐゴシック"/>
+              </a:rPr>
+              <a:t>BTS Application</a:t>
+            </a:r>
+            <a:endParaRPr lang="en-US" dirty="0"/>
+          </a:p>
+        </p:txBody>
+      </p:sp>
+      <p:sp>
+        <p:nvSpPr>
+          <p:cNvPr id="2" name="Date Placeholder 1">
             <a:extLst>
               <a:ext uri="{FF2B5EF4-FFF2-40B4-BE49-F238E27FC236}">
-                <a16:creationId xmlns:a16="http://schemas.microsoft.com/office/drawing/2014/main" id="{447548E0-4D96-455D-BD93-AF609AF40BB0}"/>
+                <a16:creationId xmlns:a16="http://schemas.microsoft.com/office/drawing/2014/main" id="{113C3E73-B9A5-413B-B003-7B63281E0B27}"/>
               </a:ext>
             </a:extLst>
           </p:cNvPr>
@@ -7249,9 +8321,9 @@
             <a:pPr>
               <a:defRPr/>
             </a:pPr>
-            <a:fld id="{2AA94516-9B97-4DDB-9418-13D3C2BA0863}" type="datetime1">
+            <a:fld id="{3C4C6E3F-5E3C-4FBD-BF9E-3C26CFB1E59A}" type="datetime1">
               <a:rPr lang="en-US" smtClean="0"/>
-              <a:t>7/27/2020</a:t>
+              <a:t>3/14/2021</a:t>
             </a:fld>
             <a:endParaRPr lang="fi-FI"/>
           </a:p>
@@ -7259,10 +8331,10 @@
       </p:sp>
       <p:sp>
         <p:nvSpPr>
-          <p:cNvPr id="5" name="Footer Placeholder 4">
+          <p:cNvPr id="3" name="Footer Placeholder 2">
             <a:extLst>
               <a:ext uri="{FF2B5EF4-FFF2-40B4-BE49-F238E27FC236}">
-                <a16:creationId xmlns:a16="http://schemas.microsoft.com/office/drawing/2014/main" id="{DC5FC9CC-56B7-410E-803A-113891CC063A}"/>
+                <a16:creationId xmlns:a16="http://schemas.microsoft.com/office/drawing/2014/main" id="{C7CE5695-DD08-4B94-9ECE-BB5AE65A73FF}"/>
               </a:ext>
             </a:extLst>
           </p:cNvPr>
@@ -7291,10 +8363,10 @@
       </p:sp>
       <p:sp>
         <p:nvSpPr>
-          <p:cNvPr id="6" name="Slide Number Placeholder 5">
+          <p:cNvPr id="4" name="Slide Number Placeholder 3">
             <a:extLst>
               <a:ext uri="{FF2B5EF4-FFF2-40B4-BE49-F238E27FC236}">
-                <a16:creationId xmlns:a16="http://schemas.microsoft.com/office/drawing/2014/main" id="{7BD1DA29-BB22-4F74-8BEA-E432263CFA6B}"/>
+                <a16:creationId xmlns:a16="http://schemas.microsoft.com/office/drawing/2014/main" id="{176783F1-8274-4F18-B6C5-CDB369C14CD7}"/>
               </a:ext>
             </a:extLst>
           </p:cNvPr>
@@ -7324,10 +8396,861 @@
           </a:p>
         </p:txBody>
       </p:sp>
+      <p:sp>
+        <p:nvSpPr>
+          <p:cNvPr id="12" name="Rounded Rectangle 11">
+            <a:extLst>
+              <a:ext uri="{FF2B5EF4-FFF2-40B4-BE49-F238E27FC236}">
+                <a16:creationId xmlns:a16="http://schemas.microsoft.com/office/drawing/2014/main" id="{D1D9BFFF-CE0C-9744-BFD8-B916649FC85D}"/>
+              </a:ext>
+            </a:extLst>
+          </p:cNvPr>
+          <p:cNvSpPr/>
+          <p:nvPr/>
+        </p:nvSpPr>
+        <p:spPr>
+          <a:xfrm>
+            <a:off x="1475656" y="2667733"/>
+            <a:ext cx="1440160" cy="577679"/>
+          </a:xfrm>
+          <a:prstGeom prst="roundRect">
+            <a:avLst/>
+          </a:prstGeom>
+          <a:ln/>
+        </p:spPr>
+        <p:style>
+          <a:lnRef idx="1">
+            <a:schemeClr val="accent1"/>
+          </a:lnRef>
+          <a:fillRef idx="2">
+            <a:schemeClr val="accent1"/>
+          </a:fillRef>
+          <a:effectRef idx="1">
+            <a:schemeClr val="accent1"/>
+          </a:effectRef>
+          <a:fontRef idx="minor">
+            <a:schemeClr val="dk1"/>
+          </a:fontRef>
+        </p:style>
+        <p:txBody>
+          <a:bodyPr rtlCol="0" anchor="ctr"/>
+          <a:lstStyle/>
+          <a:p>
+            <a:pPr algn="ctr"/>
+            <a:r>
+              <a:rPr lang="en-VN" sz="1600" dirty="0">
+                <a:latin typeface="Georgia" panose="02040502050405020303" pitchFamily="18" charset="0"/>
+              </a:rPr>
+              <a:t>Source</a:t>
+            </a:r>
+          </a:p>
+        </p:txBody>
+      </p:sp>
+      <p:sp>
+        <p:nvSpPr>
+          <p:cNvPr id="24" name="Rounded Rectangle 23">
+            <a:extLst>
+              <a:ext uri="{FF2B5EF4-FFF2-40B4-BE49-F238E27FC236}">
+                <a16:creationId xmlns:a16="http://schemas.microsoft.com/office/drawing/2014/main" id="{71A4F2AF-7ED4-1249-BA02-548D22EA4B58}"/>
+              </a:ext>
+            </a:extLst>
+          </p:cNvPr>
+          <p:cNvSpPr/>
+          <p:nvPr/>
+        </p:nvSpPr>
+        <p:spPr>
+          <a:xfrm>
+            <a:off x="3489939" y="2663997"/>
+            <a:ext cx="1944216" cy="577679"/>
+          </a:xfrm>
+          <a:prstGeom prst="roundRect">
+            <a:avLst/>
+          </a:prstGeom>
+          <a:ln/>
+        </p:spPr>
+        <p:style>
+          <a:lnRef idx="1">
+            <a:schemeClr val="accent2"/>
+          </a:lnRef>
+          <a:fillRef idx="2">
+            <a:schemeClr val="accent2"/>
+          </a:fillRef>
+          <a:effectRef idx="1">
+            <a:schemeClr val="accent2"/>
+          </a:effectRef>
+          <a:fontRef idx="minor">
+            <a:schemeClr val="dk1"/>
+          </a:fontRef>
+        </p:style>
+        <p:txBody>
+          <a:bodyPr rtlCol="0" anchor="ctr"/>
+          <a:lstStyle/>
+          <a:p>
+            <a:pPr algn="ctr"/>
+            <a:r>
+              <a:rPr lang="en-VN" sz="1600" dirty="0">
+                <a:latin typeface="Georgia" panose="02040502050405020303" pitchFamily="18" charset="0"/>
+              </a:rPr>
+              <a:t>Transformations</a:t>
+            </a:r>
+            <a:endParaRPr lang="en-VN" sz="1400" dirty="0">
+              <a:latin typeface="Georgia" panose="02040502050405020303" pitchFamily="18" charset="0"/>
+            </a:endParaRPr>
+          </a:p>
+        </p:txBody>
+      </p:sp>
+      <p:sp>
+        <p:nvSpPr>
+          <p:cNvPr id="25" name="Rounded Rectangle 24">
+            <a:extLst>
+              <a:ext uri="{FF2B5EF4-FFF2-40B4-BE49-F238E27FC236}">
+                <a16:creationId xmlns:a16="http://schemas.microsoft.com/office/drawing/2014/main" id="{B31627E1-3180-BC41-8D6D-1D880F99FEC6}"/>
+              </a:ext>
+            </a:extLst>
+          </p:cNvPr>
+          <p:cNvSpPr/>
+          <p:nvPr/>
+        </p:nvSpPr>
+        <p:spPr>
+          <a:xfrm>
+            <a:off x="6008278" y="2663997"/>
+            <a:ext cx="1440160" cy="577679"/>
+          </a:xfrm>
+          <a:prstGeom prst="roundRect">
+            <a:avLst/>
+          </a:prstGeom>
+          <a:ln/>
+        </p:spPr>
+        <p:style>
+          <a:lnRef idx="1">
+            <a:schemeClr val="accent6"/>
+          </a:lnRef>
+          <a:fillRef idx="2">
+            <a:schemeClr val="accent6"/>
+          </a:fillRef>
+          <a:effectRef idx="1">
+            <a:schemeClr val="accent6"/>
+          </a:effectRef>
+          <a:fontRef idx="minor">
+            <a:schemeClr val="dk1"/>
+          </a:fontRef>
+        </p:style>
+        <p:txBody>
+          <a:bodyPr rtlCol="0" anchor="ctr"/>
+          <a:lstStyle/>
+          <a:p>
+            <a:pPr algn="ctr"/>
+            <a:r>
+              <a:rPr lang="en-VN" sz="1600" dirty="0">
+                <a:latin typeface="Georgia" panose="02040502050405020303" pitchFamily="18" charset="0"/>
+              </a:rPr>
+              <a:t>Sink</a:t>
+            </a:r>
+          </a:p>
+        </p:txBody>
+      </p:sp>
+      <p:sp>
+        <p:nvSpPr>
+          <p:cNvPr id="16" name="Rounded Rectangle 15">
+            <a:extLst>
+              <a:ext uri="{FF2B5EF4-FFF2-40B4-BE49-F238E27FC236}">
+                <a16:creationId xmlns:a16="http://schemas.microsoft.com/office/drawing/2014/main" id="{919115B7-3793-DE43-AA6A-A52E0118EBCD}"/>
+              </a:ext>
+            </a:extLst>
+          </p:cNvPr>
+          <p:cNvSpPr/>
+          <p:nvPr/>
+        </p:nvSpPr>
+        <p:spPr>
+          <a:xfrm>
+            <a:off x="1475546" y="2017540"/>
+            <a:ext cx="5972892" cy="419522"/>
+          </a:xfrm>
+          <a:prstGeom prst="roundRect">
+            <a:avLst/>
+          </a:prstGeom>
+          <a:ln/>
+        </p:spPr>
+        <p:style>
+          <a:lnRef idx="1">
+            <a:schemeClr val="accent4"/>
+          </a:lnRef>
+          <a:fillRef idx="2">
+            <a:schemeClr val="accent4"/>
+          </a:fillRef>
+          <a:effectRef idx="1">
+            <a:schemeClr val="accent4"/>
+          </a:effectRef>
+          <a:fontRef idx="minor">
+            <a:schemeClr val="dk1"/>
+          </a:fontRef>
+        </p:style>
+        <p:txBody>
+          <a:bodyPr rtlCol="0" anchor="ctr"/>
+          <a:lstStyle/>
+          <a:p>
+            <a:pPr algn="ctr"/>
+            <a:r>
+              <a:rPr lang="en-VN" dirty="0">
+                <a:latin typeface="Georgia" panose="02040502050405020303" pitchFamily="18" charset="0"/>
+              </a:rPr>
+              <a:t>Kafka</a:t>
+            </a:r>
+          </a:p>
+        </p:txBody>
+      </p:sp>
+      <p:cxnSp>
+        <p:nvCxnSpPr>
+          <p:cNvPr id="9" name="Straight Arrow Connector 8">
+            <a:extLst>
+              <a:ext uri="{FF2B5EF4-FFF2-40B4-BE49-F238E27FC236}">
+                <a16:creationId xmlns:a16="http://schemas.microsoft.com/office/drawing/2014/main" id="{3F8D8EF1-137D-0643-A0B6-5B2BE95867A2}"/>
+              </a:ext>
+            </a:extLst>
+          </p:cNvPr>
+          <p:cNvCxnSpPr/>
+          <p:nvPr/>
+        </p:nvCxnSpPr>
+        <p:spPr>
+          <a:xfrm>
+            <a:off x="3059832" y="2953644"/>
+            <a:ext cx="359930" cy="0"/>
+          </a:xfrm>
+          <a:prstGeom prst="straightConnector1">
+            <a:avLst/>
+          </a:prstGeom>
+          <a:ln>
+            <a:tailEnd type="triangle"/>
+          </a:ln>
+        </p:spPr>
+        <p:style>
+          <a:lnRef idx="2">
+            <a:schemeClr val="dk1"/>
+          </a:lnRef>
+          <a:fillRef idx="0">
+            <a:schemeClr val="dk1"/>
+          </a:fillRef>
+          <a:effectRef idx="1">
+            <a:schemeClr val="dk1"/>
+          </a:effectRef>
+          <a:fontRef idx="minor">
+            <a:schemeClr val="tx1"/>
+          </a:fontRef>
+        </p:style>
+      </p:cxnSp>
+      <p:cxnSp>
+        <p:nvCxnSpPr>
+          <p:cNvPr id="11" name="Straight Arrow Connector 10">
+            <a:extLst>
+              <a:ext uri="{FF2B5EF4-FFF2-40B4-BE49-F238E27FC236}">
+                <a16:creationId xmlns:a16="http://schemas.microsoft.com/office/drawing/2014/main" id="{818B1951-592E-2A4A-9A3D-D0A520951A37}"/>
+              </a:ext>
+            </a:extLst>
+          </p:cNvPr>
+          <p:cNvCxnSpPr/>
+          <p:nvPr/>
+        </p:nvCxnSpPr>
+        <p:spPr>
+          <a:xfrm>
+            <a:off x="5580112" y="2953644"/>
+            <a:ext cx="360040" cy="0"/>
+          </a:xfrm>
+          <a:prstGeom prst="straightConnector1">
+            <a:avLst/>
+          </a:prstGeom>
+          <a:ln>
+            <a:tailEnd type="triangle"/>
+          </a:ln>
+        </p:spPr>
+        <p:style>
+          <a:lnRef idx="2">
+            <a:schemeClr val="dk1"/>
+          </a:lnRef>
+          <a:fillRef idx="0">
+            <a:schemeClr val="dk1"/>
+          </a:fillRef>
+          <a:effectRef idx="1">
+            <a:schemeClr val="dk1"/>
+          </a:effectRef>
+          <a:fontRef idx="minor">
+            <a:schemeClr val="tx1"/>
+          </a:fontRef>
+        </p:style>
+      </p:cxnSp>
+      <p:cxnSp>
+        <p:nvCxnSpPr>
+          <p:cNvPr id="17" name="Straight Arrow Connector 16">
+            <a:extLst>
+              <a:ext uri="{FF2B5EF4-FFF2-40B4-BE49-F238E27FC236}">
+                <a16:creationId xmlns:a16="http://schemas.microsoft.com/office/drawing/2014/main" id="{2BDEAA45-6F28-464F-B4DB-9F5FAD1CEACF}"/>
+              </a:ext>
+            </a:extLst>
+          </p:cNvPr>
+          <p:cNvCxnSpPr>
+            <a:endCxn id="12" idx="0"/>
+          </p:cNvCxnSpPr>
+          <p:nvPr/>
+        </p:nvCxnSpPr>
+        <p:spPr>
+          <a:xfrm>
+            <a:off x="2195736" y="2437062"/>
+            <a:ext cx="0" cy="230671"/>
+          </a:xfrm>
+          <a:prstGeom prst="straightConnector1">
+            <a:avLst/>
+          </a:prstGeom>
+          <a:ln>
+            <a:tailEnd type="triangle"/>
+          </a:ln>
+        </p:spPr>
+        <p:style>
+          <a:lnRef idx="2">
+            <a:schemeClr val="dk1"/>
+          </a:lnRef>
+          <a:fillRef idx="0">
+            <a:schemeClr val="dk1"/>
+          </a:fillRef>
+          <a:effectRef idx="1">
+            <a:schemeClr val="dk1"/>
+          </a:effectRef>
+          <a:fontRef idx="minor">
+            <a:schemeClr val="tx1"/>
+          </a:fontRef>
+        </p:style>
+      </p:cxnSp>
+      <p:cxnSp>
+        <p:nvCxnSpPr>
+          <p:cNvPr id="19" name="Straight Arrow Connector 18">
+            <a:extLst>
+              <a:ext uri="{FF2B5EF4-FFF2-40B4-BE49-F238E27FC236}">
+                <a16:creationId xmlns:a16="http://schemas.microsoft.com/office/drawing/2014/main" id="{F2914703-B98F-E84D-824E-4F466FFE830E}"/>
+              </a:ext>
+            </a:extLst>
+          </p:cNvPr>
+          <p:cNvCxnSpPr>
+            <a:stCxn id="25" idx="0"/>
+          </p:cNvCxnSpPr>
+          <p:nvPr/>
+        </p:nvCxnSpPr>
+        <p:spPr>
+          <a:xfrm flipV="1">
+            <a:off x="6728358" y="2437062"/>
+            <a:ext cx="3882" cy="226935"/>
+          </a:xfrm>
+          <a:prstGeom prst="straightConnector1">
+            <a:avLst/>
+          </a:prstGeom>
+          <a:ln>
+            <a:tailEnd type="triangle"/>
+          </a:ln>
+        </p:spPr>
+        <p:style>
+          <a:lnRef idx="2">
+            <a:schemeClr val="dk1"/>
+          </a:lnRef>
+          <a:fillRef idx="0">
+            <a:schemeClr val="dk1"/>
+          </a:fillRef>
+          <a:effectRef idx="1">
+            <a:schemeClr val="dk1"/>
+          </a:effectRef>
+          <a:fontRef idx="minor">
+            <a:schemeClr val="tx1"/>
+          </a:fontRef>
+        </p:style>
+      </p:cxnSp>
+      <p:sp>
+        <p:nvSpPr>
+          <p:cNvPr id="26" name="Rounded Rectangle 25">
+            <a:extLst>
+              <a:ext uri="{FF2B5EF4-FFF2-40B4-BE49-F238E27FC236}">
+                <a16:creationId xmlns:a16="http://schemas.microsoft.com/office/drawing/2014/main" id="{5B3AF3CF-DD07-A94E-8943-21FF7432FE6E}"/>
+              </a:ext>
+            </a:extLst>
+          </p:cNvPr>
+          <p:cNvSpPr/>
+          <p:nvPr/>
+        </p:nvSpPr>
+        <p:spPr>
+          <a:xfrm>
+            <a:off x="1475656" y="1369468"/>
+            <a:ext cx="1944106" cy="419522"/>
+          </a:xfrm>
+          <a:prstGeom prst="roundRect">
+            <a:avLst/>
+          </a:prstGeom>
+          <a:ln/>
+        </p:spPr>
+        <p:style>
+          <a:lnRef idx="1">
+            <a:schemeClr val="dk1"/>
+          </a:lnRef>
+          <a:fillRef idx="2">
+            <a:schemeClr val="dk1"/>
+          </a:fillRef>
+          <a:effectRef idx="1">
+            <a:schemeClr val="dk1"/>
+          </a:effectRef>
+          <a:fontRef idx="minor">
+            <a:schemeClr val="dk1"/>
+          </a:fontRef>
+        </p:style>
+        <p:txBody>
+          <a:bodyPr rtlCol="0" anchor="ctr"/>
+          <a:lstStyle/>
+          <a:p>
+            <a:pPr algn="ctr"/>
+            <a:r>
+              <a:rPr lang="en-VN" sz="1600" dirty="0">
+                <a:latin typeface="Georgia" panose="02040502050405020303" pitchFamily="18" charset="0"/>
+              </a:rPr>
+              <a:t>Data Producer</a:t>
+            </a:r>
+          </a:p>
+        </p:txBody>
+      </p:sp>
+      <p:sp>
+        <p:nvSpPr>
+          <p:cNvPr id="27" name="Rounded Rectangle 26">
+            <a:extLst>
+              <a:ext uri="{FF2B5EF4-FFF2-40B4-BE49-F238E27FC236}">
+                <a16:creationId xmlns:a16="http://schemas.microsoft.com/office/drawing/2014/main" id="{E1C17CD7-ECD1-0A47-9A0D-B3D0DF194971}"/>
+              </a:ext>
+            </a:extLst>
+          </p:cNvPr>
+          <p:cNvSpPr/>
+          <p:nvPr/>
+        </p:nvSpPr>
+        <p:spPr>
+          <a:xfrm>
+            <a:off x="5504332" y="1351072"/>
+            <a:ext cx="1944106" cy="419522"/>
+          </a:xfrm>
+          <a:prstGeom prst="roundRect">
+            <a:avLst/>
+          </a:prstGeom>
+          <a:ln/>
+        </p:spPr>
+        <p:style>
+          <a:lnRef idx="1">
+            <a:schemeClr val="dk1"/>
+          </a:lnRef>
+          <a:fillRef idx="2">
+            <a:schemeClr val="dk1"/>
+          </a:fillRef>
+          <a:effectRef idx="1">
+            <a:schemeClr val="dk1"/>
+          </a:effectRef>
+          <a:fontRef idx="minor">
+            <a:schemeClr val="dk1"/>
+          </a:fontRef>
+        </p:style>
+        <p:txBody>
+          <a:bodyPr rtlCol="0" anchor="ctr"/>
+          <a:lstStyle/>
+          <a:p>
+            <a:pPr algn="ctr"/>
+            <a:r>
+              <a:rPr lang="en-VN" sz="1600" dirty="0">
+                <a:latin typeface="Georgia" panose="02040502050405020303" pitchFamily="18" charset="0"/>
+              </a:rPr>
+              <a:t>Data Consumer 1</a:t>
+            </a:r>
+          </a:p>
+        </p:txBody>
+      </p:sp>
+      <p:cxnSp>
+        <p:nvCxnSpPr>
+          <p:cNvPr id="30" name="Straight Arrow Connector 29">
+            <a:extLst>
+              <a:ext uri="{FF2B5EF4-FFF2-40B4-BE49-F238E27FC236}">
+                <a16:creationId xmlns:a16="http://schemas.microsoft.com/office/drawing/2014/main" id="{09D5C7E5-5A9E-0E4B-9124-F7A0338F2B35}"/>
+              </a:ext>
+            </a:extLst>
+          </p:cNvPr>
+          <p:cNvCxnSpPr/>
+          <p:nvPr/>
+        </p:nvCxnSpPr>
+        <p:spPr>
+          <a:xfrm>
+            <a:off x="2195736" y="1786869"/>
+            <a:ext cx="0" cy="230671"/>
+          </a:xfrm>
+          <a:prstGeom prst="straightConnector1">
+            <a:avLst/>
+          </a:prstGeom>
+          <a:ln>
+            <a:tailEnd type="triangle"/>
+          </a:ln>
+        </p:spPr>
+        <p:style>
+          <a:lnRef idx="2">
+            <a:schemeClr val="dk1"/>
+          </a:lnRef>
+          <a:fillRef idx="0">
+            <a:schemeClr val="dk1"/>
+          </a:fillRef>
+          <a:effectRef idx="1">
+            <a:schemeClr val="dk1"/>
+          </a:effectRef>
+          <a:fontRef idx="minor">
+            <a:schemeClr val="tx1"/>
+          </a:fontRef>
+        </p:style>
+      </p:cxnSp>
+      <p:cxnSp>
+        <p:nvCxnSpPr>
+          <p:cNvPr id="33" name="Straight Arrow Connector 32">
+            <a:extLst>
+              <a:ext uri="{FF2B5EF4-FFF2-40B4-BE49-F238E27FC236}">
+                <a16:creationId xmlns:a16="http://schemas.microsoft.com/office/drawing/2014/main" id="{FC74575D-961B-9247-A808-DB3184CF1B39}"/>
+              </a:ext>
+            </a:extLst>
+          </p:cNvPr>
+          <p:cNvCxnSpPr/>
+          <p:nvPr/>
+        </p:nvCxnSpPr>
+        <p:spPr>
+          <a:xfrm flipV="1">
+            <a:off x="6718957" y="1780005"/>
+            <a:ext cx="3882" cy="226935"/>
+          </a:xfrm>
+          <a:prstGeom prst="straightConnector1">
+            <a:avLst/>
+          </a:prstGeom>
+          <a:ln>
+            <a:tailEnd type="triangle"/>
+          </a:ln>
+        </p:spPr>
+        <p:style>
+          <a:lnRef idx="2">
+            <a:schemeClr val="dk1"/>
+          </a:lnRef>
+          <a:fillRef idx="0">
+            <a:schemeClr val="dk1"/>
+          </a:fillRef>
+          <a:effectRef idx="1">
+            <a:schemeClr val="dk1"/>
+          </a:effectRef>
+          <a:fontRef idx="minor">
+            <a:schemeClr val="tx1"/>
+          </a:fontRef>
+        </p:style>
+      </p:cxnSp>
+      <p:sp>
+        <p:nvSpPr>
+          <p:cNvPr id="20" name="Rounded Rectangle 19">
+            <a:extLst>
+              <a:ext uri="{FF2B5EF4-FFF2-40B4-BE49-F238E27FC236}">
+                <a16:creationId xmlns:a16="http://schemas.microsoft.com/office/drawing/2014/main" id="{3A608AEB-E44F-EC4A-8D79-B584BE6EC979}"/>
+              </a:ext>
+            </a:extLst>
+          </p:cNvPr>
+          <p:cNvSpPr/>
+          <p:nvPr/>
+        </p:nvSpPr>
+        <p:spPr>
+          <a:xfrm>
+            <a:off x="434250" y="2550529"/>
+            <a:ext cx="8241438" cy="835163"/>
+          </a:xfrm>
+          <a:prstGeom prst="roundRect">
+            <a:avLst/>
+          </a:prstGeom>
+          <a:noFill/>
+          <a:ln w="9525">
+            <a:prstDash val="dash"/>
+          </a:ln>
+        </p:spPr>
+        <p:style>
+          <a:lnRef idx="2">
+            <a:schemeClr val="dk1"/>
+          </a:lnRef>
+          <a:fillRef idx="1">
+            <a:schemeClr val="lt1"/>
+          </a:fillRef>
+          <a:effectRef idx="0">
+            <a:schemeClr val="dk1"/>
+          </a:effectRef>
+          <a:fontRef idx="minor">
+            <a:schemeClr val="dk1"/>
+          </a:fontRef>
+        </p:style>
+        <p:txBody>
+          <a:bodyPr rtlCol="0" anchor="ctr"/>
+          <a:lstStyle/>
+          <a:p>
+            <a:pPr algn="ctr"/>
+            <a:endParaRPr lang="en-VN"/>
+          </a:p>
+        </p:txBody>
+      </p:sp>
+      <p:sp>
+        <p:nvSpPr>
+          <p:cNvPr id="21" name="TextBox 20">
+            <a:extLst>
+              <a:ext uri="{FF2B5EF4-FFF2-40B4-BE49-F238E27FC236}">
+                <a16:creationId xmlns:a16="http://schemas.microsoft.com/office/drawing/2014/main" id="{35249EA0-7238-0349-ADD8-A05E415130B8}"/>
+              </a:ext>
+            </a:extLst>
+          </p:cNvPr>
+          <p:cNvSpPr txBox="1"/>
+          <p:nvPr/>
+        </p:nvSpPr>
+        <p:spPr>
+          <a:xfrm>
+            <a:off x="668757" y="2814221"/>
+            <a:ext cx="689291" cy="307777"/>
+          </a:xfrm>
+          <a:prstGeom prst="rect">
+            <a:avLst/>
+          </a:prstGeom>
+          <a:noFill/>
+        </p:spPr>
+        <p:txBody>
+          <a:bodyPr wrap="none" lIns="0" tIns="0" rIns="0" bIns="0" rtlCol="0">
+            <a:spAutoFit/>
+          </a:bodyPr>
+          <a:lstStyle/>
+          <a:p>
+            <a:r>
+              <a:rPr lang="en-VN" sz="2000" b="1" dirty="0">
+                <a:latin typeface="Georgia" panose="02040502050405020303" pitchFamily="18" charset="0"/>
+              </a:rPr>
+              <a:t>Flink</a:t>
+            </a:r>
+          </a:p>
+        </p:txBody>
+      </p:sp>
+      <p:sp>
+        <p:nvSpPr>
+          <p:cNvPr id="34" name="Rounded Rectangle 33">
+            <a:extLst>
+              <a:ext uri="{FF2B5EF4-FFF2-40B4-BE49-F238E27FC236}">
+                <a16:creationId xmlns:a16="http://schemas.microsoft.com/office/drawing/2014/main" id="{FC620880-D439-5645-AB65-7611CC32B3F8}"/>
+              </a:ext>
+            </a:extLst>
+          </p:cNvPr>
+          <p:cNvSpPr/>
+          <p:nvPr/>
+        </p:nvSpPr>
+        <p:spPr>
+          <a:xfrm>
+            <a:off x="1475546" y="3494362"/>
+            <a:ext cx="5972892" cy="419522"/>
+          </a:xfrm>
+          <a:prstGeom prst="roundRect">
+            <a:avLst/>
+          </a:prstGeom>
+          <a:ln/>
+        </p:spPr>
+        <p:style>
+          <a:lnRef idx="1">
+            <a:schemeClr val="accent3"/>
+          </a:lnRef>
+          <a:fillRef idx="2">
+            <a:schemeClr val="accent3"/>
+          </a:fillRef>
+          <a:effectRef idx="1">
+            <a:schemeClr val="accent3"/>
+          </a:effectRef>
+          <a:fontRef idx="minor">
+            <a:schemeClr val="dk1"/>
+          </a:fontRef>
+        </p:style>
+        <p:txBody>
+          <a:bodyPr rtlCol="0" anchor="ctr"/>
+          <a:lstStyle/>
+          <a:p>
+            <a:pPr algn="ctr"/>
+            <a:r>
+              <a:rPr lang="en-VN" dirty="0">
+                <a:latin typeface="Georgia" panose="02040502050405020303" pitchFamily="18" charset="0"/>
+              </a:rPr>
+              <a:t>Rabbit MQ</a:t>
+            </a:r>
+          </a:p>
+        </p:txBody>
+      </p:sp>
+      <p:sp>
+        <p:nvSpPr>
+          <p:cNvPr id="35" name="Rounded Rectangle 34">
+            <a:extLst>
+              <a:ext uri="{FF2B5EF4-FFF2-40B4-BE49-F238E27FC236}">
+                <a16:creationId xmlns:a16="http://schemas.microsoft.com/office/drawing/2014/main" id="{3AB7A812-A143-EB42-A414-00D336342364}"/>
+              </a:ext>
+            </a:extLst>
+          </p:cNvPr>
+          <p:cNvSpPr/>
+          <p:nvPr/>
+        </p:nvSpPr>
+        <p:spPr>
+          <a:xfrm>
+            <a:off x="5504332" y="4166170"/>
+            <a:ext cx="1944106" cy="419522"/>
+          </a:xfrm>
+          <a:prstGeom prst="roundRect">
+            <a:avLst/>
+          </a:prstGeom>
+          <a:ln/>
+        </p:spPr>
+        <p:style>
+          <a:lnRef idx="1">
+            <a:schemeClr val="dk1"/>
+          </a:lnRef>
+          <a:fillRef idx="2">
+            <a:schemeClr val="dk1"/>
+          </a:fillRef>
+          <a:effectRef idx="1">
+            <a:schemeClr val="dk1"/>
+          </a:effectRef>
+          <a:fontRef idx="minor">
+            <a:schemeClr val="dk1"/>
+          </a:fontRef>
+        </p:style>
+        <p:txBody>
+          <a:bodyPr rtlCol="0" anchor="ctr"/>
+          <a:lstStyle/>
+          <a:p>
+            <a:pPr algn="ctr"/>
+            <a:r>
+              <a:rPr lang="en-VN" sz="1600" dirty="0">
+                <a:latin typeface="Georgia" panose="02040502050405020303" pitchFamily="18" charset="0"/>
+              </a:rPr>
+              <a:t>Data Consumer 2</a:t>
+            </a:r>
+          </a:p>
+        </p:txBody>
+      </p:sp>
+      <p:cxnSp>
+        <p:nvCxnSpPr>
+          <p:cNvPr id="37" name="Straight Arrow Connector 36">
+            <a:extLst>
+              <a:ext uri="{FF2B5EF4-FFF2-40B4-BE49-F238E27FC236}">
+                <a16:creationId xmlns:a16="http://schemas.microsoft.com/office/drawing/2014/main" id="{758F1BCE-7252-3B4E-98EE-8C6A0F7FC6B3}"/>
+              </a:ext>
+            </a:extLst>
+          </p:cNvPr>
+          <p:cNvCxnSpPr/>
+          <p:nvPr/>
+        </p:nvCxnSpPr>
+        <p:spPr>
+          <a:xfrm>
+            <a:off x="6718957" y="3241676"/>
+            <a:ext cx="0" cy="230671"/>
+          </a:xfrm>
+          <a:prstGeom prst="straightConnector1">
+            <a:avLst/>
+          </a:prstGeom>
+          <a:ln>
+            <a:tailEnd type="triangle"/>
+          </a:ln>
+        </p:spPr>
+        <p:style>
+          <a:lnRef idx="2">
+            <a:schemeClr val="dk1"/>
+          </a:lnRef>
+          <a:fillRef idx="0">
+            <a:schemeClr val="dk1"/>
+          </a:fillRef>
+          <a:effectRef idx="1">
+            <a:schemeClr val="dk1"/>
+          </a:effectRef>
+          <a:fontRef idx="minor">
+            <a:schemeClr val="tx1"/>
+          </a:fontRef>
+        </p:style>
+      </p:cxnSp>
+      <p:cxnSp>
+        <p:nvCxnSpPr>
+          <p:cNvPr id="38" name="Straight Arrow Connector 37">
+            <a:extLst>
+              <a:ext uri="{FF2B5EF4-FFF2-40B4-BE49-F238E27FC236}">
+                <a16:creationId xmlns:a16="http://schemas.microsoft.com/office/drawing/2014/main" id="{B9F41645-81BB-5E4D-A0E2-D5187CB042B4}"/>
+              </a:ext>
+            </a:extLst>
+          </p:cNvPr>
+          <p:cNvCxnSpPr/>
+          <p:nvPr/>
+        </p:nvCxnSpPr>
+        <p:spPr>
+          <a:xfrm>
+            <a:off x="6730698" y="3913884"/>
+            <a:ext cx="0" cy="230671"/>
+          </a:xfrm>
+          <a:prstGeom prst="straightConnector1">
+            <a:avLst/>
+          </a:prstGeom>
+          <a:ln>
+            <a:tailEnd type="triangle"/>
+          </a:ln>
+        </p:spPr>
+        <p:style>
+          <a:lnRef idx="2">
+            <a:schemeClr val="dk1"/>
+          </a:lnRef>
+          <a:fillRef idx="0">
+            <a:schemeClr val="dk1"/>
+          </a:fillRef>
+          <a:effectRef idx="1">
+            <a:schemeClr val="dk1"/>
+          </a:effectRef>
+          <a:fontRef idx="minor">
+            <a:schemeClr val="tx1"/>
+          </a:fontRef>
+        </p:style>
+      </p:cxnSp>
+      <p:sp>
+        <p:nvSpPr>
+          <p:cNvPr id="22" name="TextBox 21">
+            <a:extLst>
+              <a:ext uri="{FF2B5EF4-FFF2-40B4-BE49-F238E27FC236}">
+                <a16:creationId xmlns:a16="http://schemas.microsoft.com/office/drawing/2014/main" id="{A2203821-9D12-1F4D-BDC1-47534EE359F6}"/>
+              </a:ext>
+            </a:extLst>
+          </p:cNvPr>
+          <p:cNvSpPr txBox="1"/>
+          <p:nvPr/>
+        </p:nvSpPr>
+        <p:spPr>
+          <a:xfrm>
+            <a:off x="7660817" y="2783443"/>
+            <a:ext cx="876842" cy="369332"/>
+          </a:xfrm>
+          <a:prstGeom prst="rect">
+            <a:avLst/>
+          </a:prstGeom>
+          <a:noFill/>
+        </p:spPr>
+        <p:txBody>
+          <a:bodyPr wrap="none" lIns="0" tIns="0" rIns="0" bIns="0" rtlCol="0">
+            <a:spAutoFit/>
+          </a:bodyPr>
+          <a:lstStyle/>
+          <a:p>
+            <a:pPr algn="ctr"/>
+            <a:r>
+              <a:rPr lang="en-VN" sz="1200" dirty="0">
+                <a:latin typeface="Georgia" panose="02040502050405020303" pitchFamily="18" charset="0"/>
+              </a:rPr>
+              <a:t>Streamming </a:t>
+            </a:r>
+          </a:p>
+          <a:p>
+            <a:pPr algn="ctr"/>
+            <a:r>
+              <a:rPr lang="en-VN" sz="1200" dirty="0">
+                <a:latin typeface="Georgia" panose="02040502050405020303" pitchFamily="18" charset="0"/>
+              </a:rPr>
+              <a:t>Processing</a:t>
+            </a:r>
+          </a:p>
+        </p:txBody>
+      </p:sp>
     </p:spTree>
     <p:extLst>
       <p:ext uri="{BB962C8B-B14F-4D97-AF65-F5344CB8AC3E}">
-        <p14:creationId xmlns:p14="http://schemas.microsoft.com/office/powerpoint/2010/main" val="3169066356"/>
+        <p14:creationId xmlns:p14="http://schemas.microsoft.com/office/powerpoint/2010/main" val="3031777777"/>
       </p:ext>
     </p:extLst>
   </p:cSld>
@@ -7356,10 +9279,10 @@
       </p:grpSpPr>
       <p:sp>
         <p:nvSpPr>
-          <p:cNvPr id="2" name="Title 1">
+          <p:cNvPr id="5" name="Title 4">
             <a:extLst>
               <a:ext uri="{FF2B5EF4-FFF2-40B4-BE49-F238E27FC236}">
-                <a16:creationId xmlns:a16="http://schemas.microsoft.com/office/drawing/2014/main" id="{501AF764-D297-4EDC-BF5B-A90CF7432A2A}"/>
+                <a16:creationId xmlns:a16="http://schemas.microsoft.com/office/drawing/2014/main" id="{D6C3EA07-F7CA-40AB-8D0A-FD1120628B70}"/>
               </a:ext>
             </a:extLst>
           </p:cNvPr>
@@ -7376,18 +9299,29 @@
           <a:lstStyle/>
           <a:p>
             <a:r>
-              <a:rPr lang="en-US" dirty="0"/>
-              <a:t>Sum up</a:t>
-            </a:r>
-          </a:p>
-        </p:txBody>
-      </p:sp>
-      <p:sp>
-        <p:nvSpPr>
-          <p:cNvPr id="3" name="Content Placeholder 2">
+              <a:rPr lang="en-US" dirty="0">
+                <a:ea typeface="ＭＳ Ｐゴシック"/>
+              </a:rPr>
+              <a:t>Streaming Analytics using Apache </a:t>
+            </a:r>
+            <a:r>
+              <a:rPr lang="en-US" dirty="0" err="1">
+                <a:ea typeface="ＭＳ Ｐゴシック"/>
+              </a:rPr>
+              <a:t>Flink</a:t>
+            </a:r>
+            <a:endParaRPr lang="en-US" dirty="0">
+              <a:ea typeface="ＭＳ Ｐゴシック"/>
+            </a:endParaRPr>
+          </a:p>
+        </p:txBody>
+      </p:sp>
+      <p:sp>
+        <p:nvSpPr>
+          <p:cNvPr id="6" name="Content Placeholder 5">
             <a:extLst>
               <a:ext uri="{FF2B5EF4-FFF2-40B4-BE49-F238E27FC236}">
-                <a16:creationId xmlns:a16="http://schemas.microsoft.com/office/drawing/2014/main" id="{9E16E92B-F173-4F06-8766-AE5156FEB7CC}"/>
+                <a16:creationId xmlns:a16="http://schemas.microsoft.com/office/drawing/2014/main" id="{374EC1ED-20F3-4F3E-8099-86F15B5766B0}"/>
               </a:ext>
             </a:extLst>
           </p:cNvPr>
@@ -7398,7 +9332,12 @@
             <p:ph sz="quarter" idx="14"/>
           </p:nvPr>
         </p:nvSpPr>
-        <p:spPr/>
+        <p:spPr>
+          <a:xfrm>
+            <a:off x="434250" y="769268"/>
+            <a:ext cx="8207374" cy="443761"/>
+          </a:xfrm>
+        </p:spPr>
         <p:txBody>
           <a:bodyPr vert="horz" lIns="0" tIns="0" rIns="0" bIns="0" anchor="t"/>
           <a:lstStyle/>
@@ -7408,100 +9347,26 @@
               <a:buChar char="§"/>
             </a:pPr>
             <a:r>
-              <a:rPr lang="en-US" dirty="0">
-                <a:ea typeface="ＭＳ Ｐゴシック"/>
-                <a:cs typeface="Arial"/>
-              </a:rPr>
-              <a:t>Design scenarios:</a:t>
-            </a:r>
-            <a:endParaRPr lang="en-US">
-              <a:cs typeface="Arial"/>
-            </a:endParaRPr>
-          </a:p>
-          <a:p>
-            <a:pPr marL="580390" lvl="1" indent="-342900">
-              <a:buFont typeface="Wingdings" panose="05000000000000000000" pitchFamily="2" charset="2"/>
-              <a:buChar char="§"/>
-            </a:pPr>
-            <a:r>
-              <a:rPr lang="en-US" dirty="0">
-                <a:ea typeface="ＭＳ Ｐゴシック"/>
-                <a:cs typeface="Arial"/>
-              </a:rPr>
-              <a:t>Window Size </a:t>
-            </a:r>
-            <a:endParaRPr lang="en-US">
-              <a:cs typeface="Arial"/>
-            </a:endParaRPr>
-          </a:p>
-          <a:p>
-            <a:pPr marL="580390" lvl="1" indent="-342900">
-              <a:buFont typeface="Wingdings" panose="05000000000000000000" pitchFamily="2" charset="2"/>
-              <a:buChar char="§"/>
-            </a:pPr>
-            <a:r>
-              <a:rPr lang="en-US" dirty="0">
-                <a:ea typeface="ＭＳ Ｐゴシック"/>
-                <a:cs typeface="Arial"/>
-              </a:rPr>
-              <a:t>Message delivery semantics</a:t>
-            </a:r>
-          </a:p>
-          <a:p>
-            <a:pPr marL="342900" indent="-342900">
-              <a:buFont typeface="Wingdings" panose="05000000000000000000" pitchFamily="2" charset="2"/>
-              <a:buChar char="§"/>
-            </a:pPr>
-            <a:r>
-              <a:rPr lang="en-US" dirty="0">
-                <a:ea typeface="ＭＳ Ｐゴシック"/>
-                <a:cs typeface="Arial"/>
-              </a:rPr>
-              <a:t>Reporting services form important component</a:t>
-            </a:r>
-            <a:endParaRPr lang="en-US"/>
-          </a:p>
-          <a:p>
-            <a:pPr marL="342900" indent="-342900">
-              <a:buFont typeface="Wingdings" panose="05000000000000000000" pitchFamily="2" charset="2"/>
-              <a:buChar char="§"/>
-            </a:pPr>
-            <a:r>
-              <a:rPr lang="en-US" dirty="0">
-                <a:ea typeface="ＭＳ Ｐゴシック"/>
-              </a:rPr>
-              <a:t>Choice of streaming analytics software</a:t>
-            </a:r>
-            <a:endParaRPr lang="en-US" dirty="0"/>
-          </a:p>
-          <a:p>
-            <a:pPr marL="580390" lvl="1" indent="-342900">
-              <a:buFont typeface="Wingdings" panose="05000000000000000000" pitchFamily="2" charset="2"/>
-              <a:buChar char="§"/>
-            </a:pPr>
-            <a:r>
-              <a:rPr lang="en-US" dirty="0">
-                <a:ea typeface="MS PGothic"/>
-              </a:rPr>
-              <a:t>Flink, Spark etc.</a:t>
-            </a:r>
-            <a:endParaRPr lang="en-US" dirty="0"/>
-          </a:p>
-          <a:p>
-            <a:pPr marL="342900" indent="-342900">
-              <a:buFont typeface="Wingdings" panose="05000000000000000000" pitchFamily="2" charset="2"/>
-              <a:buChar char="§"/>
-            </a:pPr>
-            <a:endParaRPr lang="en-US" dirty="0"/>
-          </a:p>
-        </p:txBody>
-      </p:sp>
-      <p:sp>
-        <p:nvSpPr>
-          <p:cNvPr id="4" name="Date Placeholder 3">
+              <a:rPr lang="en-US" dirty="0"/>
+              <a:t>Running </a:t>
+            </a:r>
+            <a:r>
+              <a:rPr lang="en-US" dirty="0" err="1"/>
+              <a:t>Flink</a:t>
+            </a:r>
+            <a:r>
+              <a:rPr lang="en-US" dirty="0"/>
+              <a:t> app on local</a:t>
+            </a:r>
+          </a:p>
+        </p:txBody>
+      </p:sp>
+      <p:sp>
+        <p:nvSpPr>
+          <p:cNvPr id="2" name="Date Placeholder 1">
             <a:extLst>
               <a:ext uri="{FF2B5EF4-FFF2-40B4-BE49-F238E27FC236}">
-                <a16:creationId xmlns:a16="http://schemas.microsoft.com/office/drawing/2014/main" id="{03643B39-467E-4D30-9D57-951E6E3BA9C5}"/>
+                <a16:creationId xmlns:a16="http://schemas.microsoft.com/office/drawing/2014/main" id="{113C3E73-B9A5-413B-B003-7B63281E0B27}"/>
               </a:ext>
             </a:extLst>
           </p:cNvPr>
@@ -7520,9 +9385,9 @@
             <a:pPr>
               <a:defRPr/>
             </a:pPr>
-            <a:fld id="{2AA94516-9B97-4DDB-9418-13D3C2BA0863}" type="datetime1">
+            <a:fld id="{3C4C6E3F-5E3C-4FBD-BF9E-3C26CFB1E59A}" type="datetime1">
               <a:rPr lang="en-US" smtClean="0"/>
-              <a:t>7/27/2020</a:t>
+              <a:t>3/14/2021</a:t>
             </a:fld>
             <a:endParaRPr lang="fi-FI"/>
           </a:p>
@@ -7530,10 +9395,10 @@
       </p:sp>
       <p:sp>
         <p:nvSpPr>
-          <p:cNvPr id="5" name="Footer Placeholder 4">
+          <p:cNvPr id="3" name="Footer Placeholder 2">
             <a:extLst>
               <a:ext uri="{FF2B5EF4-FFF2-40B4-BE49-F238E27FC236}">
-                <a16:creationId xmlns:a16="http://schemas.microsoft.com/office/drawing/2014/main" id="{FC66D380-DB99-4817-AE63-B0D829BB378F}"/>
+                <a16:creationId xmlns:a16="http://schemas.microsoft.com/office/drawing/2014/main" id="{C7CE5695-DD08-4B94-9ECE-BB5AE65A73FF}"/>
               </a:ext>
             </a:extLst>
           </p:cNvPr>
@@ -7562,10 +9427,10 @@
       </p:sp>
       <p:sp>
         <p:nvSpPr>
-          <p:cNvPr id="6" name="Slide Number Placeholder 5">
+          <p:cNvPr id="4" name="Slide Number Placeholder 3">
             <a:extLst>
               <a:ext uri="{FF2B5EF4-FFF2-40B4-BE49-F238E27FC236}">
-                <a16:creationId xmlns:a16="http://schemas.microsoft.com/office/drawing/2014/main" id="{CC4E0D67-F97F-440D-B672-D1DCB77CF009}"/>
+                <a16:creationId xmlns:a16="http://schemas.microsoft.com/office/drawing/2014/main" id="{176783F1-8274-4F18-B6C5-CDB369C14CD7}"/>
               </a:ext>
             </a:extLst>
           </p:cNvPr>
@@ -7595,10 +9460,304 @@
           </a:p>
         </p:txBody>
       </p:sp>
+      <p:sp>
+        <p:nvSpPr>
+          <p:cNvPr id="35" name="TextBox 34">
+            <a:extLst>
+              <a:ext uri="{FF2B5EF4-FFF2-40B4-BE49-F238E27FC236}">
+                <a16:creationId xmlns:a16="http://schemas.microsoft.com/office/drawing/2014/main" id="{1FB66CC6-C4FD-4147-8B6B-BAE6E2C7BFC4}"/>
+              </a:ext>
+            </a:extLst>
+          </p:cNvPr>
+          <p:cNvSpPr txBox="1"/>
+          <p:nvPr/>
+        </p:nvSpPr>
+        <p:spPr>
+          <a:xfrm>
+            <a:off x="738273" y="1194980"/>
+            <a:ext cx="7971477" cy="3689023"/>
+          </a:xfrm>
+          <a:prstGeom prst="rect">
+            <a:avLst/>
+          </a:prstGeom>
+          <a:noFill/>
+        </p:spPr>
+        <p:txBody>
+          <a:bodyPr wrap="square" lIns="0" tIns="0" rIns="0" bIns="0" rtlCol="0">
+            <a:spAutoFit/>
+          </a:bodyPr>
+          <a:lstStyle/>
+          <a:p>
+            <a:pPr>
+              <a:lnSpc>
+                <a:spcPct val="150000"/>
+              </a:lnSpc>
+            </a:pPr>
+            <a:r>
+              <a:rPr lang="en-VN" dirty="0">
+                <a:latin typeface="Georgia" panose="02040502050405020303" pitchFamily="18" charset="0"/>
+              </a:rPr>
+              <a:t>Compile and run as a Java application (using Maven)</a:t>
+            </a:r>
+          </a:p>
+          <a:p>
+            <a:pPr>
+              <a:lnSpc>
+                <a:spcPct val="150000"/>
+              </a:lnSpc>
+            </a:pPr>
+            <a:r>
+              <a:rPr lang="en-VN" dirty="0">
+                <a:latin typeface="Georgia" panose="02040502050405020303" pitchFamily="18" charset="0"/>
+              </a:rPr>
+              <a:t>	For example:</a:t>
+            </a:r>
+          </a:p>
+          <a:p>
+            <a:pPr>
+              <a:lnSpc>
+                <a:spcPct val="150000"/>
+              </a:lnSpc>
+            </a:pPr>
+            <a:r>
+              <a:rPr lang="en-VN" dirty="0">
+                <a:latin typeface="Georgia" panose="02040502050405020303" pitchFamily="18" charset="0"/>
+              </a:rPr>
+              <a:t>	$ mvn compile</a:t>
+            </a:r>
+          </a:p>
+          <a:p>
+            <a:pPr>
+              <a:lnSpc>
+                <a:spcPct val="150000"/>
+              </a:lnSpc>
+            </a:pPr>
+            <a:r>
+              <a:rPr lang="en-VN" dirty="0">
+                <a:latin typeface="Georgia" panose="02040502050405020303" pitchFamily="18" charset="0"/>
+              </a:rPr>
+              <a:t>	$ </a:t>
+            </a:r>
+            <a:r>
+              <a:rPr lang="en-US" dirty="0" err="1">
+                <a:latin typeface="Georgia" panose="02040502050405020303" pitchFamily="18" charset="0"/>
+              </a:rPr>
+              <a:t>mvn</a:t>
+            </a:r>
+            <a:r>
+              <a:rPr lang="en-US" dirty="0">
+                <a:latin typeface="Georgia" panose="02040502050405020303" pitchFamily="18" charset="0"/>
+              </a:rPr>
+              <a:t> clean package</a:t>
+            </a:r>
+          </a:p>
+          <a:p>
+            <a:pPr marL="452438" indent="-388938">
+              <a:lnSpc>
+                <a:spcPct val="150000"/>
+              </a:lnSpc>
+            </a:pPr>
+            <a:r>
+              <a:rPr lang="en-US" dirty="0">
+                <a:latin typeface="Georgia" panose="02040502050405020303" pitchFamily="18" charset="0"/>
+              </a:rPr>
+              <a:t>	$ java -cp &lt;</a:t>
+            </a:r>
+            <a:r>
+              <a:rPr lang="en-US" dirty="0" err="1">
+                <a:latin typeface="Georgia" panose="02040502050405020303" pitchFamily="18" charset="0"/>
+              </a:rPr>
+              <a:t>your_app</a:t>
+            </a:r>
+            <a:r>
+              <a:rPr lang="en-US" dirty="0">
+                <a:latin typeface="Georgia" panose="02040502050405020303" pitchFamily="18" charset="0"/>
+              </a:rPr>
+              <a:t>&gt;.jar &lt;</a:t>
+            </a:r>
+            <a:r>
+              <a:rPr lang="en-US" dirty="0" err="1">
+                <a:latin typeface="Georgia" panose="02040502050405020303" pitchFamily="18" charset="0"/>
+              </a:rPr>
+              <a:t>your_main_class</a:t>
+            </a:r>
+            <a:r>
+              <a:rPr lang="en-US" dirty="0">
+                <a:latin typeface="Georgia" panose="02040502050405020303" pitchFamily="18" charset="0"/>
+              </a:rPr>
+              <a:t>&gt;</a:t>
+            </a:r>
+          </a:p>
+          <a:p>
+            <a:pPr marL="452438" indent="-388938">
+              <a:lnSpc>
+                <a:spcPct val="150000"/>
+              </a:lnSpc>
+            </a:pPr>
+            <a:r>
+              <a:rPr lang="en-US" dirty="0">
+                <a:latin typeface="Georgia" panose="02040502050405020303" pitchFamily="18" charset="0"/>
+              </a:rPr>
+              <a:t>Submit job using </a:t>
+            </a:r>
+            <a:r>
+              <a:rPr lang="en-US" dirty="0" err="1">
+                <a:latin typeface="Georgia" panose="02040502050405020303" pitchFamily="18" charset="0"/>
+              </a:rPr>
+              <a:t>Flink</a:t>
+            </a:r>
+            <a:r>
+              <a:rPr lang="en-US" dirty="0">
+                <a:latin typeface="Georgia" panose="02040502050405020303" pitchFamily="18" charset="0"/>
+              </a:rPr>
+              <a:t> CLI*:</a:t>
+            </a:r>
+          </a:p>
+          <a:p>
+            <a:pPr marL="452438" indent="-388938">
+              <a:lnSpc>
+                <a:spcPct val="150000"/>
+              </a:lnSpc>
+            </a:pPr>
+            <a:r>
+              <a:rPr lang="en-US" dirty="0">
+                <a:latin typeface="Georgia" panose="02040502050405020303" pitchFamily="18" charset="0"/>
+              </a:rPr>
+              <a:t>	For example:</a:t>
+            </a:r>
+          </a:p>
+          <a:p>
+            <a:pPr marL="452438" indent="-388938">
+              <a:lnSpc>
+                <a:spcPct val="150000"/>
+              </a:lnSpc>
+            </a:pPr>
+            <a:r>
+              <a:rPr lang="en-US" dirty="0">
+                <a:latin typeface="Georgia" panose="02040502050405020303" pitchFamily="18" charset="0"/>
+              </a:rPr>
+              <a:t>	$ </a:t>
+            </a:r>
+            <a:r>
+              <a:rPr lang="en-US" dirty="0" err="1">
+                <a:latin typeface="Georgia" panose="02040502050405020303" pitchFamily="18" charset="0"/>
+              </a:rPr>
+              <a:t>flink</a:t>
+            </a:r>
+            <a:r>
+              <a:rPr lang="en-US" dirty="0">
+                <a:latin typeface="Georgia" panose="02040502050405020303" pitchFamily="18" charset="0"/>
+              </a:rPr>
+              <a:t> run &lt;your .jar file&gt;</a:t>
+            </a:r>
+            <a:endParaRPr lang="en-VN" dirty="0">
+              <a:latin typeface="Georgia" panose="02040502050405020303" pitchFamily="18" charset="0"/>
+            </a:endParaRPr>
+          </a:p>
+          <a:p>
+            <a:pPr>
+              <a:lnSpc>
+                <a:spcPct val="150000"/>
+              </a:lnSpc>
+            </a:pPr>
+            <a:endParaRPr lang="en-VN" dirty="0">
+              <a:latin typeface="Georgia" panose="02040502050405020303" pitchFamily="18" charset="0"/>
+            </a:endParaRPr>
+          </a:p>
+        </p:txBody>
+      </p:sp>
+      <p:sp>
+        <p:nvSpPr>
+          <p:cNvPr id="36" name="TextBox 35">
+            <a:extLst>
+              <a:ext uri="{FF2B5EF4-FFF2-40B4-BE49-F238E27FC236}">
+                <a16:creationId xmlns:a16="http://schemas.microsoft.com/office/drawing/2014/main" id="{918EF5AB-2727-7F4E-A6BE-3832B79458ED}"/>
+              </a:ext>
+            </a:extLst>
+          </p:cNvPr>
+          <p:cNvSpPr txBox="1"/>
+          <p:nvPr/>
+        </p:nvSpPr>
+        <p:spPr>
+          <a:xfrm>
+            <a:off x="642733" y="4638461"/>
+            <a:ext cx="5310749" cy="184666"/>
+          </a:xfrm>
+          <a:prstGeom prst="rect">
+            <a:avLst/>
+          </a:prstGeom>
+          <a:noFill/>
+        </p:spPr>
+        <p:txBody>
+          <a:bodyPr wrap="none" lIns="0" tIns="0" rIns="0" bIns="0" rtlCol="0">
+            <a:spAutoFit/>
+          </a:bodyPr>
+          <a:lstStyle/>
+          <a:p>
+            <a:r>
+              <a:rPr lang="en-VN" sz="1200" dirty="0">
+                <a:latin typeface="Georgia" panose="02040502050405020303" pitchFamily="18" charset="0"/>
+              </a:rPr>
+              <a:t>* : </a:t>
+            </a:r>
+            <a:r>
+              <a:rPr lang="en-US" sz="1200" dirty="0">
+                <a:latin typeface="Georgia" panose="02040502050405020303" pitchFamily="18" charset="0"/>
+              </a:rPr>
+              <a:t>https://</a:t>
+            </a:r>
+            <a:r>
+              <a:rPr lang="en-US" sz="1200" dirty="0" err="1">
+                <a:latin typeface="Georgia" panose="02040502050405020303" pitchFamily="18" charset="0"/>
+              </a:rPr>
+              <a:t>ci.apache.org</a:t>
+            </a:r>
+            <a:r>
+              <a:rPr lang="en-US" sz="1200" dirty="0">
+                <a:latin typeface="Georgia" panose="02040502050405020303" pitchFamily="18" charset="0"/>
+              </a:rPr>
+              <a:t>/projects/</a:t>
+            </a:r>
+            <a:r>
+              <a:rPr lang="en-US" sz="1200" dirty="0" err="1">
+                <a:latin typeface="Georgia" panose="02040502050405020303" pitchFamily="18" charset="0"/>
+              </a:rPr>
+              <a:t>flink</a:t>
+            </a:r>
+            <a:r>
+              <a:rPr lang="en-US" sz="1200" dirty="0">
+                <a:latin typeface="Georgia" panose="02040502050405020303" pitchFamily="18" charset="0"/>
+              </a:rPr>
+              <a:t>/</a:t>
+            </a:r>
+            <a:r>
+              <a:rPr lang="en-US" sz="1200" dirty="0" err="1">
+                <a:latin typeface="Georgia" panose="02040502050405020303" pitchFamily="18" charset="0"/>
+              </a:rPr>
+              <a:t>flink</a:t>
+            </a:r>
+            <a:r>
+              <a:rPr lang="en-US" sz="1200" dirty="0">
+                <a:latin typeface="Georgia" panose="02040502050405020303" pitchFamily="18" charset="0"/>
+              </a:rPr>
+              <a:t>-docs-stable/deployment/</a:t>
+            </a:r>
+            <a:r>
+              <a:rPr lang="en-US" sz="1200" dirty="0" err="1">
+                <a:latin typeface="Georgia" panose="02040502050405020303" pitchFamily="18" charset="0"/>
+              </a:rPr>
+              <a:t>cli.html</a:t>
+            </a:r>
+            <a:endParaRPr lang="en-VN" sz="1200" dirty="0">
+              <a:latin typeface="Georgia" panose="02040502050405020303" pitchFamily="18" charset="0"/>
+            </a:endParaRPr>
+          </a:p>
+        </p:txBody>
+      </p:sp>
     </p:spTree>
     <p:extLst>
       <p:ext uri="{BB962C8B-B14F-4D97-AF65-F5344CB8AC3E}">
-        <p14:creationId xmlns:p14="http://schemas.microsoft.com/office/powerpoint/2010/main" val="3612171086"/>
+        <p14:creationId xmlns:p14="http://schemas.microsoft.com/office/powerpoint/2010/main" val="2964614646"/>
       </p:ext>
     </p:extLst>
   </p:cSld>
@@ -7609,6 +9768,3672 @@
 </file>
 
 <file path=ppt/slides/slide5.xml><?xml version="1.0" encoding="utf-8"?>
+<p:sld xmlns:a="http://schemas.openxmlformats.org/drawingml/2006/main" xmlns:r="http://schemas.openxmlformats.org/officeDocument/2006/relationships" xmlns:p="http://schemas.openxmlformats.org/presentationml/2006/main">
+  <p:cSld>
+    <p:spTree>
+      <p:nvGrpSpPr>
+        <p:cNvPr id="1" name=""/>
+        <p:cNvGrpSpPr/>
+        <p:nvPr/>
+      </p:nvGrpSpPr>
+      <p:grpSpPr>
+        <a:xfrm>
+          <a:off x="0" y="0"/>
+          <a:ext cx="0" cy="0"/>
+          <a:chOff x="0" y="0"/>
+          <a:chExt cx="0" cy="0"/>
+        </a:xfrm>
+      </p:grpSpPr>
+      <p:sp>
+        <p:nvSpPr>
+          <p:cNvPr id="5" name="Title 4">
+            <a:extLst>
+              <a:ext uri="{FF2B5EF4-FFF2-40B4-BE49-F238E27FC236}">
+                <a16:creationId xmlns:a16="http://schemas.microsoft.com/office/drawing/2014/main" id="{D6C3EA07-F7CA-40AB-8D0A-FD1120628B70}"/>
+              </a:ext>
+            </a:extLst>
+          </p:cNvPr>
+          <p:cNvSpPr>
+            <a:spLocks noGrp="1"/>
+          </p:cNvSpPr>
+          <p:nvPr>
+            <p:ph type="ctrTitle"/>
+          </p:nvPr>
+        </p:nvSpPr>
+        <p:spPr/>
+        <p:txBody>
+          <a:bodyPr/>
+          <a:lstStyle/>
+          <a:p>
+            <a:r>
+              <a:rPr lang="en-US" dirty="0">
+                <a:ea typeface="ＭＳ Ｐゴシック"/>
+              </a:rPr>
+              <a:t>Streaming Analytics using Apache </a:t>
+            </a:r>
+            <a:r>
+              <a:rPr lang="en-US" dirty="0" err="1">
+                <a:ea typeface="ＭＳ Ｐゴシック"/>
+              </a:rPr>
+              <a:t>Flink</a:t>
+            </a:r>
+            <a:endParaRPr lang="en-US" dirty="0">
+              <a:ea typeface="ＭＳ Ｐゴシック"/>
+            </a:endParaRPr>
+          </a:p>
+        </p:txBody>
+      </p:sp>
+      <p:sp>
+        <p:nvSpPr>
+          <p:cNvPr id="6" name="Content Placeholder 5">
+            <a:extLst>
+              <a:ext uri="{FF2B5EF4-FFF2-40B4-BE49-F238E27FC236}">
+                <a16:creationId xmlns:a16="http://schemas.microsoft.com/office/drawing/2014/main" id="{374EC1ED-20F3-4F3E-8099-86F15B5766B0}"/>
+              </a:ext>
+            </a:extLst>
+          </p:cNvPr>
+          <p:cNvSpPr>
+            <a:spLocks noGrp="1"/>
+          </p:cNvSpPr>
+          <p:nvPr>
+            <p:ph sz="quarter" idx="14"/>
+          </p:nvPr>
+        </p:nvSpPr>
+        <p:spPr>
+          <a:xfrm>
+            <a:off x="434250" y="697260"/>
+            <a:ext cx="8207374" cy="443761"/>
+          </a:xfrm>
+        </p:spPr>
+        <p:txBody>
+          <a:bodyPr vert="horz" lIns="0" tIns="0" rIns="0" bIns="0" anchor="t"/>
+          <a:lstStyle/>
+          <a:p>
+            <a:pPr marL="342900" indent="-342900">
+              <a:buFont typeface="Wingdings" panose="05000000000000000000" pitchFamily="2" charset="2"/>
+              <a:buChar char="§"/>
+            </a:pPr>
+            <a:r>
+              <a:rPr lang="en-US" dirty="0"/>
+              <a:t>Running </a:t>
+            </a:r>
+            <a:r>
+              <a:rPr lang="en-US" dirty="0" err="1"/>
+              <a:t>Flink</a:t>
+            </a:r>
+            <a:r>
+              <a:rPr lang="en-US" dirty="0"/>
+              <a:t> app on remote server</a:t>
+            </a:r>
+          </a:p>
+        </p:txBody>
+      </p:sp>
+      <p:sp>
+        <p:nvSpPr>
+          <p:cNvPr id="2" name="Date Placeholder 1">
+            <a:extLst>
+              <a:ext uri="{FF2B5EF4-FFF2-40B4-BE49-F238E27FC236}">
+                <a16:creationId xmlns:a16="http://schemas.microsoft.com/office/drawing/2014/main" id="{113C3E73-B9A5-413B-B003-7B63281E0B27}"/>
+              </a:ext>
+            </a:extLst>
+          </p:cNvPr>
+          <p:cNvSpPr>
+            <a:spLocks noGrp="1"/>
+          </p:cNvSpPr>
+          <p:nvPr>
+            <p:ph type="dt" sz="half" idx="15"/>
+          </p:nvPr>
+        </p:nvSpPr>
+        <p:spPr/>
+        <p:txBody>
+          <a:bodyPr/>
+          <a:lstStyle/>
+          <a:p>
+            <a:pPr>
+              <a:defRPr/>
+            </a:pPr>
+            <a:fld id="{3C4C6E3F-5E3C-4FBD-BF9E-3C26CFB1E59A}" type="datetime1">
+              <a:rPr lang="en-US" smtClean="0"/>
+              <a:t>3/14/2021</a:t>
+            </a:fld>
+            <a:endParaRPr lang="fi-FI"/>
+          </a:p>
+        </p:txBody>
+      </p:sp>
+      <p:sp>
+        <p:nvSpPr>
+          <p:cNvPr id="3" name="Footer Placeholder 2">
+            <a:extLst>
+              <a:ext uri="{FF2B5EF4-FFF2-40B4-BE49-F238E27FC236}">
+                <a16:creationId xmlns:a16="http://schemas.microsoft.com/office/drawing/2014/main" id="{C7CE5695-DD08-4B94-9ECE-BB5AE65A73FF}"/>
+              </a:ext>
+            </a:extLst>
+          </p:cNvPr>
+          <p:cNvSpPr>
+            <a:spLocks noGrp="1"/>
+          </p:cNvSpPr>
+          <p:nvPr>
+            <p:ph type="ftr" sz="quarter" idx="16"/>
+          </p:nvPr>
+        </p:nvSpPr>
+        <p:spPr/>
+        <p:txBody>
+          <a:bodyPr/>
+          <a:lstStyle/>
+          <a:p>
+            <a:pPr>
+              <a:defRPr/>
+            </a:pPr>
+            <a:r>
+              <a:rPr lang="en-US"/>
+              <a:t>CS-E4640 Big Data Platforms, @CSAalto</a:t>
+            </a:r>
+            <a:endParaRPr lang="fi-FI"/>
+          </a:p>
+        </p:txBody>
+      </p:sp>
+      <p:sp>
+        <p:nvSpPr>
+          <p:cNvPr id="4" name="Slide Number Placeholder 3">
+            <a:extLst>
+              <a:ext uri="{FF2B5EF4-FFF2-40B4-BE49-F238E27FC236}">
+                <a16:creationId xmlns:a16="http://schemas.microsoft.com/office/drawing/2014/main" id="{176783F1-8274-4F18-B6C5-CDB369C14CD7}"/>
+              </a:ext>
+            </a:extLst>
+          </p:cNvPr>
+          <p:cNvSpPr>
+            <a:spLocks noGrp="1"/>
+          </p:cNvSpPr>
+          <p:nvPr>
+            <p:ph type="sldNum" sz="quarter" idx="17"/>
+          </p:nvPr>
+        </p:nvSpPr>
+        <p:spPr/>
+        <p:txBody>
+          <a:bodyPr/>
+          <a:lstStyle/>
+          <a:p>
+            <a:pPr>
+              <a:defRPr/>
+            </a:pPr>
+            <a:fld id="{49EFD4B7-1CC6-864B-A72A-C978B70BBA9B}" type="slidenum">
+              <a:rPr lang="fi-FI" smtClean="0"/>
+              <a:pPr>
+                <a:defRPr/>
+              </a:pPr>
+              <a:t>5</a:t>
+            </a:fld>
+            <a:endParaRPr lang="fi-FI"/>
+          </a:p>
+        </p:txBody>
+      </p:sp>
+      <p:grpSp>
+        <p:nvGrpSpPr>
+          <p:cNvPr id="13" name="Group 12">
+            <a:extLst>
+              <a:ext uri="{FF2B5EF4-FFF2-40B4-BE49-F238E27FC236}">
+                <a16:creationId xmlns:a16="http://schemas.microsoft.com/office/drawing/2014/main" id="{3A120E8C-36FD-014E-8129-5BAE2A69335E}"/>
+              </a:ext>
+            </a:extLst>
+          </p:cNvPr>
+          <p:cNvGrpSpPr/>
+          <p:nvPr/>
+        </p:nvGrpSpPr>
+        <p:grpSpPr>
+          <a:xfrm>
+            <a:off x="3347864" y="2137420"/>
+            <a:ext cx="5400600" cy="2650015"/>
+            <a:chOff x="683568" y="1147679"/>
+            <a:chExt cx="7200800" cy="2638367"/>
+          </a:xfrm>
+        </p:grpSpPr>
+        <p:sp>
+          <p:nvSpPr>
+            <p:cNvPr id="67" name="Rounded Rectangle 66">
+              <a:extLst>
+                <a:ext uri="{FF2B5EF4-FFF2-40B4-BE49-F238E27FC236}">
+                  <a16:creationId xmlns:a16="http://schemas.microsoft.com/office/drawing/2014/main" id="{A878645B-FB61-CA4D-B915-94F0213E8D9A}"/>
+                </a:ext>
+              </a:extLst>
+            </p:cNvPr>
+            <p:cNvSpPr/>
+            <p:nvPr/>
+          </p:nvSpPr>
+          <p:spPr>
+            <a:xfrm>
+              <a:off x="3131839" y="1201316"/>
+              <a:ext cx="3619499" cy="2584730"/>
+            </a:xfrm>
+            <a:prstGeom prst="roundRect">
+              <a:avLst/>
+            </a:prstGeom>
+            <a:noFill/>
+            <a:ln w="9525">
+              <a:prstDash val="dash"/>
+            </a:ln>
+          </p:spPr>
+          <p:style>
+            <a:lnRef idx="2">
+              <a:schemeClr val="dk1"/>
+            </a:lnRef>
+            <a:fillRef idx="1">
+              <a:schemeClr val="lt1"/>
+            </a:fillRef>
+            <a:effectRef idx="0">
+              <a:schemeClr val="dk1"/>
+            </a:effectRef>
+            <a:fontRef idx="minor">
+              <a:schemeClr val="dk1"/>
+            </a:fontRef>
+          </p:style>
+          <p:txBody>
+            <a:bodyPr rtlCol="0" anchor="ctr"/>
+            <a:lstStyle/>
+            <a:p>
+              <a:pPr algn="r"/>
+              <a:endParaRPr lang="en-VN" dirty="0"/>
+            </a:p>
+          </p:txBody>
+        </p:sp>
+        <p:grpSp>
+          <p:nvGrpSpPr>
+            <p:cNvPr id="7" name="Group 6">
+              <a:extLst>
+                <a:ext uri="{FF2B5EF4-FFF2-40B4-BE49-F238E27FC236}">
+                  <a16:creationId xmlns:a16="http://schemas.microsoft.com/office/drawing/2014/main" id="{E48F5B11-C56A-A049-90FD-E1CD3FB0E530}"/>
+                </a:ext>
+              </a:extLst>
+            </p:cNvPr>
+            <p:cNvGrpSpPr/>
+            <p:nvPr/>
+          </p:nvGrpSpPr>
+          <p:grpSpPr>
+            <a:xfrm>
+              <a:off x="683568" y="1147679"/>
+              <a:ext cx="7200800" cy="2566359"/>
+              <a:chOff x="683568" y="1422016"/>
+              <a:chExt cx="7814804" cy="3079141"/>
+            </a:xfrm>
+          </p:grpSpPr>
+          <p:sp>
+            <p:nvSpPr>
+              <p:cNvPr id="29" name="Rounded Rectangle 28">
+                <a:extLst>
+                  <a:ext uri="{FF2B5EF4-FFF2-40B4-BE49-F238E27FC236}">
+                    <a16:creationId xmlns:a16="http://schemas.microsoft.com/office/drawing/2014/main" id="{BA51B2FF-7174-5543-8B93-F9839294C7BA}"/>
+                  </a:ext>
+                </a:extLst>
+              </p:cNvPr>
+              <p:cNvSpPr/>
+              <p:nvPr/>
+            </p:nvSpPr>
+            <p:spPr>
+              <a:xfrm>
+                <a:off x="684462" y="1422016"/>
+                <a:ext cx="1944106" cy="757822"/>
+              </a:xfrm>
+              <a:prstGeom prst="roundRect">
+                <a:avLst/>
+              </a:prstGeom>
+              <a:ln/>
+            </p:spPr>
+            <p:style>
+              <a:lnRef idx="1">
+                <a:schemeClr val="dk1"/>
+              </a:lnRef>
+              <a:fillRef idx="2">
+                <a:schemeClr val="dk1"/>
+              </a:fillRef>
+              <a:effectRef idx="1">
+                <a:schemeClr val="dk1"/>
+              </a:effectRef>
+              <a:fontRef idx="minor">
+                <a:schemeClr val="dk1"/>
+              </a:fontRef>
+            </p:style>
+            <p:txBody>
+              <a:bodyPr rtlCol="0" anchor="ctr"/>
+              <a:lstStyle/>
+              <a:p>
+                <a:pPr algn="ctr"/>
+                <a:r>
+                  <a:rPr lang="en-VN" sz="1600" dirty="0">
+                    <a:latin typeface="Georgia" panose="02040502050405020303" pitchFamily="18" charset="0"/>
+                  </a:rPr>
+                  <a:t>Data Producer</a:t>
+                </a:r>
+              </a:p>
+            </p:txBody>
+          </p:sp>
+          <p:sp>
+            <p:nvSpPr>
+              <p:cNvPr id="30" name="Rounded Rectangle 29">
+                <a:extLst>
+                  <a:ext uri="{FF2B5EF4-FFF2-40B4-BE49-F238E27FC236}">
+                    <a16:creationId xmlns:a16="http://schemas.microsoft.com/office/drawing/2014/main" id="{BF733CCE-BE19-E248-B340-29685A102C5D}"/>
+                  </a:ext>
+                </a:extLst>
+              </p:cNvPr>
+              <p:cNvSpPr/>
+              <p:nvPr/>
+            </p:nvSpPr>
+            <p:spPr>
+              <a:xfrm>
+                <a:off x="683568" y="2531726"/>
+                <a:ext cx="1944106" cy="757822"/>
+              </a:xfrm>
+              <a:prstGeom prst="roundRect">
+                <a:avLst/>
+              </a:prstGeom>
+              <a:ln/>
+            </p:spPr>
+            <p:style>
+              <a:lnRef idx="1">
+                <a:schemeClr val="dk1"/>
+              </a:lnRef>
+              <a:fillRef idx="2">
+                <a:schemeClr val="dk1"/>
+              </a:fillRef>
+              <a:effectRef idx="1">
+                <a:schemeClr val="dk1"/>
+              </a:effectRef>
+              <a:fontRef idx="minor">
+                <a:schemeClr val="dk1"/>
+              </a:fontRef>
+            </p:style>
+            <p:txBody>
+              <a:bodyPr rtlCol="0" anchor="ctr"/>
+              <a:lstStyle/>
+              <a:p>
+                <a:pPr algn="ctr"/>
+                <a:r>
+                  <a:rPr lang="en-VN" sz="1600" dirty="0">
+                    <a:latin typeface="Georgia" panose="02040502050405020303" pitchFamily="18" charset="0"/>
+                  </a:rPr>
+                  <a:t>Data Consumer 1</a:t>
+                </a:r>
+              </a:p>
+            </p:txBody>
+          </p:sp>
+          <p:sp>
+            <p:nvSpPr>
+              <p:cNvPr id="31" name="Rounded Rectangle 30">
+                <a:extLst>
+                  <a:ext uri="{FF2B5EF4-FFF2-40B4-BE49-F238E27FC236}">
+                    <a16:creationId xmlns:a16="http://schemas.microsoft.com/office/drawing/2014/main" id="{DD354C2E-3987-A742-9FEA-B2E73BE7DD72}"/>
+                  </a:ext>
+                </a:extLst>
+              </p:cNvPr>
+              <p:cNvSpPr/>
+              <p:nvPr/>
+            </p:nvSpPr>
+            <p:spPr>
+              <a:xfrm>
+                <a:off x="3484410" y="2125806"/>
+                <a:ext cx="1495550" cy="862882"/>
+              </a:xfrm>
+              <a:prstGeom prst="roundRect">
+                <a:avLst/>
+              </a:prstGeom>
+              <a:ln/>
+            </p:spPr>
+            <p:style>
+              <a:lnRef idx="1">
+                <a:schemeClr val="accent4"/>
+              </a:lnRef>
+              <a:fillRef idx="2">
+                <a:schemeClr val="accent4"/>
+              </a:fillRef>
+              <a:effectRef idx="1">
+                <a:schemeClr val="accent4"/>
+              </a:effectRef>
+              <a:fontRef idx="minor">
+                <a:schemeClr val="dk1"/>
+              </a:fontRef>
+            </p:style>
+            <p:txBody>
+              <a:bodyPr rtlCol="0" anchor="ctr"/>
+              <a:lstStyle/>
+              <a:p>
+                <a:pPr algn="ctr"/>
+                <a:r>
+                  <a:rPr lang="en-VN" dirty="0">
+                    <a:latin typeface="Georgia" panose="02040502050405020303" pitchFamily="18" charset="0"/>
+                  </a:rPr>
+                  <a:t>Kafka</a:t>
+                </a:r>
+              </a:p>
+            </p:txBody>
+          </p:sp>
+          <p:sp>
+            <p:nvSpPr>
+              <p:cNvPr id="32" name="Rounded Rectangle 31">
+                <a:extLst>
+                  <a:ext uri="{FF2B5EF4-FFF2-40B4-BE49-F238E27FC236}">
+                    <a16:creationId xmlns:a16="http://schemas.microsoft.com/office/drawing/2014/main" id="{0718DDCB-A140-E040-BD75-61D46D762C86}"/>
+                  </a:ext>
+                </a:extLst>
+              </p:cNvPr>
+              <p:cNvSpPr/>
+              <p:nvPr/>
+            </p:nvSpPr>
+            <p:spPr>
+              <a:xfrm>
+                <a:off x="3476046" y="3525625"/>
+                <a:ext cx="1512278" cy="875306"/>
+              </a:xfrm>
+              <a:prstGeom prst="roundRect">
+                <a:avLst/>
+              </a:prstGeom>
+              <a:ln/>
+            </p:spPr>
+            <p:style>
+              <a:lnRef idx="1">
+                <a:schemeClr val="accent3"/>
+              </a:lnRef>
+              <a:fillRef idx="2">
+                <a:schemeClr val="accent3"/>
+              </a:fillRef>
+              <a:effectRef idx="1">
+                <a:schemeClr val="accent3"/>
+              </a:effectRef>
+              <a:fontRef idx="minor">
+                <a:schemeClr val="dk1"/>
+              </a:fontRef>
+            </p:style>
+            <p:txBody>
+              <a:bodyPr rtlCol="0" anchor="ctr"/>
+              <a:lstStyle/>
+              <a:p>
+                <a:pPr algn="ctr"/>
+                <a:r>
+                  <a:rPr lang="en-VN" dirty="0">
+                    <a:latin typeface="Georgia" panose="02040502050405020303" pitchFamily="18" charset="0"/>
+                  </a:rPr>
+                  <a:t>Rabbit MQ</a:t>
+                </a:r>
+              </a:p>
+            </p:txBody>
+          </p:sp>
+          <p:sp>
+            <p:nvSpPr>
+              <p:cNvPr id="33" name="Rounded Rectangle 32">
+                <a:extLst>
+                  <a:ext uri="{FF2B5EF4-FFF2-40B4-BE49-F238E27FC236}">
+                    <a16:creationId xmlns:a16="http://schemas.microsoft.com/office/drawing/2014/main" id="{7F1CF510-A6A1-BA48-AD2F-4304C658AF5E}"/>
+                  </a:ext>
+                </a:extLst>
+              </p:cNvPr>
+              <p:cNvSpPr/>
+              <p:nvPr/>
+            </p:nvSpPr>
+            <p:spPr>
+              <a:xfrm>
+                <a:off x="683568" y="3743335"/>
+                <a:ext cx="1944106" cy="757822"/>
+              </a:xfrm>
+              <a:prstGeom prst="roundRect">
+                <a:avLst/>
+              </a:prstGeom>
+              <a:ln/>
+            </p:spPr>
+            <p:style>
+              <a:lnRef idx="1">
+                <a:schemeClr val="dk1"/>
+              </a:lnRef>
+              <a:fillRef idx="2">
+                <a:schemeClr val="dk1"/>
+              </a:fillRef>
+              <a:effectRef idx="1">
+                <a:schemeClr val="dk1"/>
+              </a:effectRef>
+              <a:fontRef idx="minor">
+                <a:schemeClr val="dk1"/>
+              </a:fontRef>
+            </p:style>
+            <p:txBody>
+              <a:bodyPr rtlCol="0" anchor="ctr"/>
+              <a:lstStyle/>
+              <a:p>
+                <a:pPr algn="ctr"/>
+                <a:r>
+                  <a:rPr lang="en-VN" sz="1600" dirty="0">
+                    <a:latin typeface="Georgia" panose="02040502050405020303" pitchFamily="18" charset="0"/>
+                  </a:rPr>
+                  <a:t>Data Consumer 2</a:t>
+                </a:r>
+              </a:p>
+            </p:txBody>
+          </p:sp>
+          <p:sp>
+            <p:nvSpPr>
+              <p:cNvPr id="34" name="Rounded Rectangle 33">
+                <a:extLst>
+                  <a:ext uri="{FF2B5EF4-FFF2-40B4-BE49-F238E27FC236}">
+                    <a16:creationId xmlns:a16="http://schemas.microsoft.com/office/drawing/2014/main" id="{1553E77E-129F-4D4D-9521-6AE8627CCAD6}"/>
+                  </a:ext>
+                </a:extLst>
+              </p:cNvPr>
+              <p:cNvSpPr/>
+              <p:nvPr/>
+            </p:nvSpPr>
+            <p:spPr>
+              <a:xfrm>
+                <a:off x="5725022" y="2928700"/>
+                <a:ext cx="1440160" cy="577679"/>
+              </a:xfrm>
+              <a:prstGeom prst="roundRect">
+                <a:avLst/>
+              </a:prstGeom>
+              <a:ln/>
+            </p:spPr>
+            <p:style>
+              <a:lnRef idx="1">
+                <a:schemeClr val="accent1"/>
+              </a:lnRef>
+              <a:fillRef idx="2">
+                <a:schemeClr val="accent1"/>
+              </a:fillRef>
+              <a:effectRef idx="1">
+                <a:schemeClr val="accent1"/>
+              </a:effectRef>
+              <a:fontRef idx="minor">
+                <a:schemeClr val="dk1"/>
+              </a:fontRef>
+            </p:style>
+            <p:txBody>
+              <a:bodyPr rtlCol="0" anchor="ctr"/>
+              <a:lstStyle/>
+              <a:p>
+                <a:pPr algn="ctr"/>
+                <a:r>
+                  <a:rPr lang="en-VN" sz="1600" dirty="0">
+                    <a:latin typeface="Georgia" panose="02040502050405020303" pitchFamily="18" charset="0"/>
+                  </a:rPr>
+                  <a:t>Flink</a:t>
+                </a:r>
+              </a:p>
+            </p:txBody>
+          </p:sp>
+          <p:cxnSp>
+            <p:nvCxnSpPr>
+              <p:cNvPr id="8" name="Straight Arrow Connector 7">
+                <a:extLst>
+                  <a:ext uri="{FF2B5EF4-FFF2-40B4-BE49-F238E27FC236}">
+                    <a16:creationId xmlns:a16="http://schemas.microsoft.com/office/drawing/2014/main" id="{77B6F83B-75DC-3344-8648-517892AF904A}"/>
+                  </a:ext>
+                </a:extLst>
+              </p:cNvPr>
+              <p:cNvCxnSpPr/>
+              <p:nvPr/>
+            </p:nvCxnSpPr>
+            <p:spPr>
+              <a:xfrm>
+                <a:off x="2700686" y="2179838"/>
+                <a:ext cx="648072" cy="280810"/>
+              </a:xfrm>
+              <a:prstGeom prst="straightConnector1">
+                <a:avLst/>
+              </a:prstGeom>
+              <a:ln>
+                <a:tailEnd type="triangle"/>
+              </a:ln>
+            </p:spPr>
+            <p:style>
+              <a:lnRef idx="2">
+                <a:schemeClr val="dk1"/>
+              </a:lnRef>
+              <a:fillRef idx="0">
+                <a:schemeClr val="dk1"/>
+              </a:fillRef>
+              <a:effectRef idx="1">
+                <a:schemeClr val="dk1"/>
+              </a:effectRef>
+              <a:fontRef idx="minor">
+                <a:schemeClr val="tx1"/>
+              </a:fontRef>
+            </p:style>
+          </p:cxnSp>
+          <p:cxnSp>
+            <p:nvCxnSpPr>
+              <p:cNvPr id="10" name="Straight Arrow Connector 9">
+                <a:extLst>
+                  <a:ext uri="{FF2B5EF4-FFF2-40B4-BE49-F238E27FC236}">
+                    <a16:creationId xmlns:a16="http://schemas.microsoft.com/office/drawing/2014/main" id="{70637B40-331D-904A-B931-BB59A09C5240}"/>
+                  </a:ext>
+                </a:extLst>
+              </p:cNvPr>
+              <p:cNvCxnSpPr/>
+              <p:nvPr/>
+            </p:nvCxnSpPr>
+            <p:spPr>
+              <a:xfrm flipH="1">
+                <a:off x="2739348" y="2713484"/>
+                <a:ext cx="609410" cy="363651"/>
+              </a:xfrm>
+              <a:prstGeom prst="straightConnector1">
+                <a:avLst/>
+              </a:prstGeom>
+              <a:ln>
+                <a:tailEnd type="triangle"/>
+              </a:ln>
+            </p:spPr>
+            <p:style>
+              <a:lnRef idx="2">
+                <a:schemeClr val="dk1"/>
+              </a:lnRef>
+              <a:fillRef idx="0">
+                <a:schemeClr val="dk1"/>
+              </a:fillRef>
+              <a:effectRef idx="1">
+                <a:schemeClr val="dk1"/>
+              </a:effectRef>
+              <a:fontRef idx="minor">
+                <a:schemeClr val="tx1"/>
+              </a:fontRef>
+            </p:style>
+          </p:cxnSp>
+          <p:cxnSp>
+            <p:nvCxnSpPr>
+              <p:cNvPr id="12" name="Straight Arrow Connector 11">
+                <a:extLst>
+                  <a:ext uri="{FF2B5EF4-FFF2-40B4-BE49-F238E27FC236}">
+                    <a16:creationId xmlns:a16="http://schemas.microsoft.com/office/drawing/2014/main" id="{6DB2635D-7995-BC42-919F-53C7E3F406A1}"/>
+                  </a:ext>
+                </a:extLst>
+              </p:cNvPr>
+              <p:cNvCxnSpPr/>
+              <p:nvPr/>
+            </p:nvCxnSpPr>
+            <p:spPr>
+              <a:xfrm>
+                <a:off x="5047786" y="2557247"/>
+                <a:ext cx="677236" cy="371453"/>
+              </a:xfrm>
+              <a:prstGeom prst="straightConnector1">
+                <a:avLst/>
+              </a:prstGeom>
+              <a:ln>
+                <a:tailEnd type="triangle"/>
+              </a:ln>
+            </p:spPr>
+            <p:style>
+              <a:lnRef idx="2">
+                <a:schemeClr val="dk1"/>
+              </a:lnRef>
+              <a:fillRef idx="0">
+                <a:schemeClr val="dk1"/>
+              </a:fillRef>
+              <a:effectRef idx="1">
+                <a:schemeClr val="dk1"/>
+              </a:effectRef>
+              <a:fontRef idx="minor">
+                <a:schemeClr val="tx1"/>
+              </a:fontRef>
+            </p:style>
+          </p:cxnSp>
+          <p:cxnSp>
+            <p:nvCxnSpPr>
+              <p:cNvPr id="14" name="Straight Arrow Connector 13">
+                <a:extLst>
+                  <a:ext uri="{FF2B5EF4-FFF2-40B4-BE49-F238E27FC236}">
+                    <a16:creationId xmlns:a16="http://schemas.microsoft.com/office/drawing/2014/main" id="{C132E2DA-4F75-4C4B-AD53-1110BE4659B5}"/>
+                  </a:ext>
+                </a:extLst>
+              </p:cNvPr>
+              <p:cNvCxnSpPr>
+                <a:cxnSpLocks/>
+              </p:cNvCxnSpPr>
+              <p:nvPr/>
+            </p:nvCxnSpPr>
+            <p:spPr>
+              <a:xfrm flipH="1" flipV="1">
+                <a:off x="5013874" y="2713485"/>
+                <a:ext cx="639140" cy="347507"/>
+              </a:xfrm>
+              <a:prstGeom prst="straightConnector1">
+                <a:avLst/>
+              </a:prstGeom>
+              <a:ln>
+                <a:tailEnd type="triangle"/>
+              </a:ln>
+            </p:spPr>
+            <p:style>
+              <a:lnRef idx="2">
+                <a:schemeClr val="dk1"/>
+              </a:lnRef>
+              <a:fillRef idx="0">
+                <a:schemeClr val="dk1"/>
+              </a:fillRef>
+              <a:effectRef idx="1">
+                <a:schemeClr val="dk1"/>
+              </a:effectRef>
+              <a:fontRef idx="minor">
+                <a:schemeClr val="tx1"/>
+              </a:fontRef>
+            </p:style>
+          </p:cxnSp>
+          <p:cxnSp>
+            <p:nvCxnSpPr>
+              <p:cNvPr id="16" name="Straight Arrow Connector 15">
+                <a:extLst>
+                  <a:ext uri="{FF2B5EF4-FFF2-40B4-BE49-F238E27FC236}">
+                    <a16:creationId xmlns:a16="http://schemas.microsoft.com/office/drawing/2014/main" id="{7AFA8778-FBD5-1C46-BDF4-09960B3A3AB1}"/>
+                  </a:ext>
+                </a:extLst>
+              </p:cNvPr>
+              <p:cNvCxnSpPr/>
+              <p:nvPr/>
+            </p:nvCxnSpPr>
+            <p:spPr>
+              <a:xfrm flipH="1">
+                <a:off x="5047786" y="3506379"/>
+                <a:ext cx="677236" cy="456899"/>
+              </a:xfrm>
+              <a:prstGeom prst="straightConnector1">
+                <a:avLst/>
+              </a:prstGeom>
+              <a:ln>
+                <a:tailEnd type="triangle"/>
+              </a:ln>
+            </p:spPr>
+            <p:style>
+              <a:lnRef idx="2">
+                <a:schemeClr val="dk1"/>
+              </a:lnRef>
+              <a:fillRef idx="0">
+                <a:schemeClr val="dk1"/>
+              </a:fillRef>
+              <a:effectRef idx="1">
+                <a:schemeClr val="dk1"/>
+              </a:effectRef>
+              <a:fontRef idx="minor">
+                <a:schemeClr val="tx1"/>
+              </a:fontRef>
+            </p:style>
+          </p:cxnSp>
+          <p:cxnSp>
+            <p:nvCxnSpPr>
+              <p:cNvPr id="19" name="Straight Arrow Connector 18">
+                <a:extLst>
+                  <a:ext uri="{FF2B5EF4-FFF2-40B4-BE49-F238E27FC236}">
+                    <a16:creationId xmlns:a16="http://schemas.microsoft.com/office/drawing/2014/main" id="{2CE00BB5-69D2-9F46-90BC-DC0506604630}"/>
+                  </a:ext>
+                </a:extLst>
+              </p:cNvPr>
+              <p:cNvCxnSpPr/>
+              <p:nvPr/>
+            </p:nvCxnSpPr>
+            <p:spPr>
+              <a:xfrm flipH="1">
+                <a:off x="2700686" y="4123188"/>
+                <a:ext cx="736698" cy="168209"/>
+              </a:xfrm>
+              <a:prstGeom prst="straightConnector1">
+                <a:avLst/>
+              </a:prstGeom>
+              <a:ln>
+                <a:tailEnd type="triangle"/>
+              </a:ln>
+            </p:spPr>
+            <p:style>
+              <a:lnRef idx="2">
+                <a:schemeClr val="dk1"/>
+              </a:lnRef>
+              <a:fillRef idx="0">
+                <a:schemeClr val="dk1"/>
+              </a:fillRef>
+              <a:effectRef idx="1">
+                <a:schemeClr val="dk1"/>
+              </a:effectRef>
+              <a:fontRef idx="minor">
+                <a:schemeClr val="tx1"/>
+              </a:fontRef>
+            </p:style>
+          </p:cxnSp>
+          <p:sp>
+            <p:nvSpPr>
+              <p:cNvPr id="23" name="TextBox 22">
+                <a:extLst>
+                  <a:ext uri="{FF2B5EF4-FFF2-40B4-BE49-F238E27FC236}">
+                    <a16:creationId xmlns:a16="http://schemas.microsoft.com/office/drawing/2014/main" id="{FA054A54-DD0A-8148-B066-BF518C6E6303}"/>
+                  </a:ext>
+                </a:extLst>
+              </p:cNvPr>
+              <p:cNvSpPr txBox="1"/>
+              <p:nvPr/>
+            </p:nvSpPr>
+            <p:spPr>
+              <a:xfrm>
+                <a:off x="4122082" y="1572123"/>
+                <a:ext cx="1758494" cy="307777"/>
+              </a:xfrm>
+              <a:prstGeom prst="rect">
+                <a:avLst/>
+              </a:prstGeom>
+              <a:noFill/>
+            </p:spPr>
+            <p:txBody>
+              <a:bodyPr wrap="none" lIns="0" tIns="0" rIns="0" bIns="0" rtlCol="0">
+                <a:spAutoFit/>
+              </a:bodyPr>
+              <a:lstStyle/>
+              <a:p>
+                <a:r>
+                  <a:rPr lang="en-VN" sz="2000" b="1" dirty="0">
+                    <a:latin typeface="Georgia" panose="02040502050405020303" pitchFamily="18" charset="0"/>
+                  </a:rPr>
+                  <a:t>Google Cloud</a:t>
+                </a:r>
+              </a:p>
+            </p:txBody>
+          </p:sp>
+          <p:sp>
+            <p:nvSpPr>
+              <p:cNvPr id="69" name="Rounded Rectangle 68">
+                <a:extLst>
+                  <a:ext uri="{FF2B5EF4-FFF2-40B4-BE49-F238E27FC236}">
+                    <a16:creationId xmlns:a16="http://schemas.microsoft.com/office/drawing/2014/main" id="{AF999485-D465-C04D-8AF8-5BC0C05FF6B7}"/>
+                  </a:ext>
+                </a:extLst>
+              </p:cNvPr>
+              <p:cNvSpPr/>
+              <p:nvPr/>
+            </p:nvSpPr>
+            <p:spPr>
+              <a:xfrm>
+                <a:off x="7426139" y="1549632"/>
+                <a:ext cx="1072233" cy="650007"/>
+              </a:xfrm>
+              <a:prstGeom prst="roundRect">
+                <a:avLst/>
+              </a:prstGeom>
+              <a:ln/>
+            </p:spPr>
+            <p:style>
+              <a:lnRef idx="1">
+                <a:schemeClr val="accent6"/>
+              </a:lnRef>
+              <a:fillRef idx="2">
+                <a:schemeClr val="accent6"/>
+              </a:fillRef>
+              <a:effectRef idx="1">
+                <a:schemeClr val="accent6"/>
+              </a:effectRef>
+              <a:fontRef idx="minor">
+                <a:schemeClr val="dk1"/>
+              </a:fontRef>
+            </p:style>
+            <p:txBody>
+              <a:bodyPr rtlCol="0" anchor="ctr"/>
+              <a:lstStyle/>
+              <a:p>
+                <a:pPr algn="ctr"/>
+                <a:r>
+                  <a:rPr lang="en-VN" sz="1600" dirty="0">
+                    <a:latin typeface="Georgia" panose="02040502050405020303" pitchFamily="18" charset="0"/>
+                  </a:rPr>
+                  <a:t>Local</a:t>
+                </a:r>
+              </a:p>
+            </p:txBody>
+          </p:sp>
+          <p:cxnSp>
+            <p:nvCxnSpPr>
+              <p:cNvPr id="25" name="Straight Arrow Connector 24">
+                <a:extLst>
+                  <a:ext uri="{FF2B5EF4-FFF2-40B4-BE49-F238E27FC236}">
+                    <a16:creationId xmlns:a16="http://schemas.microsoft.com/office/drawing/2014/main" id="{932756F6-C211-AA4B-819E-DB9FC30F9D66}"/>
+                  </a:ext>
+                </a:extLst>
+              </p:cNvPr>
+              <p:cNvCxnSpPr/>
+              <p:nvPr/>
+            </p:nvCxnSpPr>
+            <p:spPr>
+              <a:xfrm flipH="1">
+                <a:off x="7165182" y="2281436"/>
+                <a:ext cx="431918" cy="647264"/>
+              </a:xfrm>
+              <a:prstGeom prst="straightConnector1">
+                <a:avLst/>
+              </a:prstGeom>
+              <a:ln>
+                <a:tailEnd type="triangle"/>
+              </a:ln>
+            </p:spPr>
+            <p:style>
+              <a:lnRef idx="2">
+                <a:schemeClr val="dk1"/>
+              </a:lnRef>
+              <a:fillRef idx="0">
+                <a:schemeClr val="dk1"/>
+              </a:fillRef>
+              <a:effectRef idx="1">
+                <a:schemeClr val="dk1"/>
+              </a:effectRef>
+              <a:fontRef idx="minor">
+                <a:schemeClr val="tx1"/>
+              </a:fontRef>
+            </p:style>
+          </p:cxnSp>
+        </p:grpSp>
+      </p:grpSp>
+      <p:pic>
+        <p:nvPicPr>
+          <p:cNvPr id="15" name="Picture 14">
+            <a:extLst>
+              <a:ext uri="{FF2B5EF4-FFF2-40B4-BE49-F238E27FC236}">
+                <a16:creationId xmlns:a16="http://schemas.microsoft.com/office/drawing/2014/main" id="{07FD4D8A-081E-1D41-9F67-648F71A27208}"/>
+              </a:ext>
+            </a:extLst>
+          </p:cNvPr>
+          <p:cNvPicPr>
+            <a:picLocks noChangeAspect="1"/>
+          </p:cNvPicPr>
+          <p:nvPr/>
+        </p:nvPicPr>
+        <p:blipFill>
+          <a:blip r:embed="rId3"/>
+          <a:stretch>
+            <a:fillRect/>
+          </a:stretch>
+        </p:blipFill>
+        <p:spPr>
+          <a:xfrm>
+            <a:off x="645021" y="1057300"/>
+            <a:ext cx="8030666" cy="963680"/>
+          </a:xfrm>
+          <a:prstGeom prst="rect">
+            <a:avLst/>
+          </a:prstGeom>
+        </p:spPr>
+      </p:pic>
+      <p:sp>
+        <p:nvSpPr>
+          <p:cNvPr id="26" name="TextBox 25">
+            <a:extLst>
+              <a:ext uri="{FF2B5EF4-FFF2-40B4-BE49-F238E27FC236}">
+                <a16:creationId xmlns:a16="http://schemas.microsoft.com/office/drawing/2014/main" id="{7EA9E1D0-5958-B54D-AEF0-C60214F31825}"/>
+              </a:ext>
+            </a:extLst>
+          </p:cNvPr>
+          <p:cNvSpPr txBox="1"/>
+          <p:nvPr/>
+        </p:nvSpPr>
+        <p:spPr>
+          <a:xfrm>
+            <a:off x="633273" y="2516328"/>
+            <a:ext cx="2594061" cy="2027030"/>
+          </a:xfrm>
+          <a:prstGeom prst="rect">
+            <a:avLst/>
+          </a:prstGeom>
+          <a:noFill/>
+        </p:spPr>
+        <p:txBody>
+          <a:bodyPr wrap="square" lIns="0" tIns="0" rIns="0" bIns="0" rtlCol="0">
+            <a:spAutoFit/>
+          </a:bodyPr>
+          <a:lstStyle/>
+          <a:p>
+            <a:pPr marL="285750" indent="-285750">
+              <a:lnSpc>
+                <a:spcPct val="150000"/>
+              </a:lnSpc>
+              <a:buFont typeface="Arial" panose="020B0604020202020204" pitchFamily="34" charset="0"/>
+              <a:buChar char="•"/>
+            </a:pPr>
+            <a:r>
+              <a:rPr lang="en-VN" dirty="0">
+                <a:latin typeface="Georgia" panose="02040502050405020303" pitchFamily="18" charset="0"/>
+              </a:rPr>
+              <a:t>Change the Execution Envirionment</a:t>
+            </a:r>
+          </a:p>
+          <a:p>
+            <a:pPr marL="285750" indent="-285750">
+              <a:lnSpc>
+                <a:spcPct val="150000"/>
+              </a:lnSpc>
+              <a:buFont typeface="Arial" panose="020B0604020202020204" pitchFamily="34" charset="0"/>
+              <a:buChar char="•"/>
+            </a:pPr>
+            <a:r>
+              <a:rPr lang="en-VN" dirty="0">
+                <a:latin typeface="Georgia" panose="02040502050405020303" pitchFamily="18" charset="0"/>
+              </a:rPr>
+              <a:t>Compile and run as a Java application</a:t>
+            </a:r>
+          </a:p>
+          <a:p>
+            <a:pPr marL="452438" indent="-388938">
+              <a:lnSpc>
+                <a:spcPct val="150000"/>
+              </a:lnSpc>
+            </a:pPr>
+            <a:endParaRPr lang="en-US" dirty="0">
+              <a:latin typeface="Georgia" panose="02040502050405020303" pitchFamily="18" charset="0"/>
+            </a:endParaRPr>
+          </a:p>
+        </p:txBody>
+      </p:sp>
+    </p:spTree>
+    <p:extLst>
+      <p:ext uri="{BB962C8B-B14F-4D97-AF65-F5344CB8AC3E}">
+        <p14:creationId xmlns:p14="http://schemas.microsoft.com/office/powerpoint/2010/main" val="1486181184"/>
+      </p:ext>
+    </p:extLst>
+  </p:cSld>
+  <p:clrMapOvr>
+    <a:masterClrMapping/>
+  </p:clrMapOvr>
+</p:sld>
+</file>
+
+<file path=ppt/slides/slide6.xml><?xml version="1.0" encoding="utf-8"?>
+<p:sld xmlns:a="http://schemas.openxmlformats.org/drawingml/2006/main" xmlns:r="http://schemas.openxmlformats.org/officeDocument/2006/relationships" xmlns:p="http://schemas.openxmlformats.org/presentationml/2006/main">
+  <p:cSld>
+    <p:spTree>
+      <p:nvGrpSpPr>
+        <p:cNvPr id="1" name=""/>
+        <p:cNvGrpSpPr/>
+        <p:nvPr/>
+      </p:nvGrpSpPr>
+      <p:grpSpPr>
+        <a:xfrm>
+          <a:off x="0" y="0"/>
+          <a:ext cx="0" cy="0"/>
+          <a:chOff x="0" y="0"/>
+          <a:chExt cx="0" cy="0"/>
+        </a:xfrm>
+      </p:grpSpPr>
+      <p:sp>
+        <p:nvSpPr>
+          <p:cNvPr id="5" name="Title 4">
+            <a:extLst>
+              <a:ext uri="{FF2B5EF4-FFF2-40B4-BE49-F238E27FC236}">
+                <a16:creationId xmlns:a16="http://schemas.microsoft.com/office/drawing/2014/main" id="{D6C3EA07-F7CA-40AB-8D0A-FD1120628B70}"/>
+              </a:ext>
+            </a:extLst>
+          </p:cNvPr>
+          <p:cNvSpPr>
+            <a:spLocks noGrp="1"/>
+          </p:cNvSpPr>
+          <p:nvPr>
+            <p:ph type="ctrTitle"/>
+          </p:nvPr>
+        </p:nvSpPr>
+        <p:spPr/>
+        <p:txBody>
+          <a:bodyPr/>
+          <a:lstStyle/>
+          <a:p>
+            <a:r>
+              <a:rPr lang="en-US" dirty="0">
+                <a:ea typeface="ＭＳ Ｐゴシック"/>
+              </a:rPr>
+              <a:t>Streaming Analytics using Apache </a:t>
+            </a:r>
+            <a:r>
+              <a:rPr lang="en-US" dirty="0" err="1">
+                <a:ea typeface="ＭＳ Ｐゴシック"/>
+              </a:rPr>
+              <a:t>Flink</a:t>
+            </a:r>
+            <a:endParaRPr lang="en-US" dirty="0">
+              <a:ea typeface="ＭＳ Ｐゴシック"/>
+            </a:endParaRPr>
+          </a:p>
+        </p:txBody>
+      </p:sp>
+      <p:sp>
+        <p:nvSpPr>
+          <p:cNvPr id="6" name="Content Placeholder 5">
+            <a:extLst>
+              <a:ext uri="{FF2B5EF4-FFF2-40B4-BE49-F238E27FC236}">
+                <a16:creationId xmlns:a16="http://schemas.microsoft.com/office/drawing/2014/main" id="{374EC1ED-20F3-4F3E-8099-86F15B5766B0}"/>
+              </a:ext>
+            </a:extLst>
+          </p:cNvPr>
+          <p:cNvSpPr>
+            <a:spLocks noGrp="1"/>
+          </p:cNvSpPr>
+          <p:nvPr>
+            <p:ph sz="quarter" idx="14"/>
+          </p:nvPr>
+        </p:nvSpPr>
+        <p:spPr>
+          <a:xfrm>
+            <a:off x="434250" y="841276"/>
+            <a:ext cx="8207374" cy="443761"/>
+          </a:xfrm>
+        </p:spPr>
+        <p:txBody>
+          <a:bodyPr vert="horz" lIns="0" tIns="0" rIns="0" bIns="0" anchor="t"/>
+          <a:lstStyle/>
+          <a:p>
+            <a:pPr marL="342900" indent="-342900">
+              <a:buFont typeface="Wingdings" panose="05000000000000000000" pitchFamily="2" charset="2"/>
+              <a:buChar char="§"/>
+            </a:pPr>
+            <a:r>
+              <a:rPr lang="en-US" dirty="0"/>
+              <a:t>Processing in </a:t>
+            </a:r>
+            <a:r>
+              <a:rPr lang="en-US" dirty="0" err="1"/>
+              <a:t>Flink</a:t>
+            </a:r>
+            <a:endParaRPr lang="en-US" dirty="0"/>
+          </a:p>
+        </p:txBody>
+      </p:sp>
+      <p:sp>
+        <p:nvSpPr>
+          <p:cNvPr id="2" name="Date Placeholder 1">
+            <a:extLst>
+              <a:ext uri="{FF2B5EF4-FFF2-40B4-BE49-F238E27FC236}">
+                <a16:creationId xmlns:a16="http://schemas.microsoft.com/office/drawing/2014/main" id="{113C3E73-B9A5-413B-B003-7B63281E0B27}"/>
+              </a:ext>
+            </a:extLst>
+          </p:cNvPr>
+          <p:cNvSpPr>
+            <a:spLocks noGrp="1"/>
+          </p:cNvSpPr>
+          <p:nvPr>
+            <p:ph type="dt" sz="half" idx="15"/>
+          </p:nvPr>
+        </p:nvSpPr>
+        <p:spPr/>
+        <p:txBody>
+          <a:bodyPr/>
+          <a:lstStyle/>
+          <a:p>
+            <a:pPr>
+              <a:defRPr/>
+            </a:pPr>
+            <a:fld id="{3C4C6E3F-5E3C-4FBD-BF9E-3C26CFB1E59A}" type="datetime1">
+              <a:rPr lang="en-US" smtClean="0"/>
+              <a:t>3/14/2021</a:t>
+            </a:fld>
+            <a:endParaRPr lang="fi-FI"/>
+          </a:p>
+        </p:txBody>
+      </p:sp>
+      <p:sp>
+        <p:nvSpPr>
+          <p:cNvPr id="3" name="Footer Placeholder 2">
+            <a:extLst>
+              <a:ext uri="{FF2B5EF4-FFF2-40B4-BE49-F238E27FC236}">
+                <a16:creationId xmlns:a16="http://schemas.microsoft.com/office/drawing/2014/main" id="{C7CE5695-DD08-4B94-9ECE-BB5AE65A73FF}"/>
+              </a:ext>
+            </a:extLst>
+          </p:cNvPr>
+          <p:cNvSpPr>
+            <a:spLocks noGrp="1"/>
+          </p:cNvSpPr>
+          <p:nvPr>
+            <p:ph type="ftr" sz="quarter" idx="16"/>
+          </p:nvPr>
+        </p:nvSpPr>
+        <p:spPr/>
+        <p:txBody>
+          <a:bodyPr/>
+          <a:lstStyle/>
+          <a:p>
+            <a:pPr>
+              <a:defRPr/>
+            </a:pPr>
+            <a:r>
+              <a:rPr lang="en-US"/>
+              <a:t>CS-E4640 Big Data Platforms, @CSAalto</a:t>
+            </a:r>
+            <a:endParaRPr lang="fi-FI"/>
+          </a:p>
+        </p:txBody>
+      </p:sp>
+      <p:sp>
+        <p:nvSpPr>
+          <p:cNvPr id="4" name="Slide Number Placeholder 3">
+            <a:extLst>
+              <a:ext uri="{FF2B5EF4-FFF2-40B4-BE49-F238E27FC236}">
+                <a16:creationId xmlns:a16="http://schemas.microsoft.com/office/drawing/2014/main" id="{176783F1-8274-4F18-B6C5-CDB369C14CD7}"/>
+              </a:ext>
+            </a:extLst>
+          </p:cNvPr>
+          <p:cNvSpPr>
+            <a:spLocks noGrp="1"/>
+          </p:cNvSpPr>
+          <p:nvPr>
+            <p:ph type="sldNum" sz="quarter" idx="17"/>
+          </p:nvPr>
+        </p:nvSpPr>
+        <p:spPr/>
+        <p:txBody>
+          <a:bodyPr/>
+          <a:lstStyle/>
+          <a:p>
+            <a:pPr>
+              <a:defRPr/>
+            </a:pPr>
+            <a:fld id="{49EFD4B7-1CC6-864B-A72A-C978B70BBA9B}" type="slidenum">
+              <a:rPr lang="fi-FI" smtClean="0"/>
+              <a:pPr>
+                <a:defRPr/>
+              </a:pPr>
+              <a:t>6</a:t>
+            </a:fld>
+            <a:endParaRPr lang="fi-FI"/>
+          </a:p>
+        </p:txBody>
+      </p:sp>
+      <p:sp>
+        <p:nvSpPr>
+          <p:cNvPr id="46" name="Rounded Rectangle 45">
+            <a:extLst>
+              <a:ext uri="{FF2B5EF4-FFF2-40B4-BE49-F238E27FC236}">
+                <a16:creationId xmlns:a16="http://schemas.microsoft.com/office/drawing/2014/main" id="{46CB0D55-01B3-6543-A44A-2D957BD126BA}"/>
+              </a:ext>
+            </a:extLst>
+          </p:cNvPr>
+          <p:cNvSpPr/>
+          <p:nvPr/>
+        </p:nvSpPr>
+        <p:spPr>
+          <a:xfrm>
+            <a:off x="2291819" y="1226653"/>
+            <a:ext cx="2808312" cy="648072"/>
+          </a:xfrm>
+          <a:prstGeom prst="roundRect">
+            <a:avLst/>
+          </a:prstGeom>
+          <a:ln/>
+        </p:spPr>
+        <p:style>
+          <a:lnRef idx="2">
+            <a:schemeClr val="accent5"/>
+          </a:lnRef>
+          <a:fillRef idx="1">
+            <a:schemeClr val="lt1"/>
+          </a:fillRef>
+          <a:effectRef idx="0">
+            <a:schemeClr val="accent5"/>
+          </a:effectRef>
+          <a:fontRef idx="minor">
+            <a:schemeClr val="dk1"/>
+          </a:fontRef>
+        </p:style>
+        <p:txBody>
+          <a:bodyPr rtlCol="0" anchor="ctr"/>
+          <a:lstStyle/>
+          <a:p>
+            <a:pPr algn="ctr"/>
+            <a:endParaRPr lang="en-VN"/>
+          </a:p>
+        </p:txBody>
+      </p:sp>
+      <p:sp>
+        <p:nvSpPr>
+          <p:cNvPr id="47" name="Oval 46">
+            <a:extLst>
+              <a:ext uri="{FF2B5EF4-FFF2-40B4-BE49-F238E27FC236}">
+                <a16:creationId xmlns:a16="http://schemas.microsoft.com/office/drawing/2014/main" id="{F986992D-2D01-534A-A236-615A33A05CCA}"/>
+              </a:ext>
+            </a:extLst>
+          </p:cNvPr>
+          <p:cNvSpPr/>
+          <p:nvPr/>
+        </p:nvSpPr>
+        <p:spPr>
+          <a:xfrm>
+            <a:off x="2867883" y="1370669"/>
+            <a:ext cx="360040" cy="360040"/>
+          </a:xfrm>
+          <a:prstGeom prst="ellipse">
+            <a:avLst/>
+          </a:prstGeom>
+          <a:ln/>
+        </p:spPr>
+        <p:style>
+          <a:lnRef idx="1">
+            <a:schemeClr val="accent1"/>
+          </a:lnRef>
+          <a:fillRef idx="2">
+            <a:schemeClr val="accent1"/>
+          </a:fillRef>
+          <a:effectRef idx="1">
+            <a:schemeClr val="accent1"/>
+          </a:effectRef>
+          <a:fontRef idx="minor">
+            <a:schemeClr val="dk1"/>
+          </a:fontRef>
+        </p:style>
+        <p:txBody>
+          <a:bodyPr rtlCol="0" anchor="ctr"/>
+          <a:lstStyle/>
+          <a:p>
+            <a:pPr algn="ctr"/>
+            <a:r>
+              <a:rPr lang="en-VN" dirty="0"/>
+              <a:t>5</a:t>
+            </a:r>
+          </a:p>
+        </p:txBody>
+      </p:sp>
+      <p:sp>
+        <p:nvSpPr>
+          <p:cNvPr id="48" name="Oval 47">
+            <a:extLst>
+              <a:ext uri="{FF2B5EF4-FFF2-40B4-BE49-F238E27FC236}">
+                <a16:creationId xmlns:a16="http://schemas.microsoft.com/office/drawing/2014/main" id="{33E03385-EE5F-1648-B9BE-D9CBED33937A}"/>
+              </a:ext>
+            </a:extLst>
+          </p:cNvPr>
+          <p:cNvSpPr/>
+          <p:nvPr/>
+        </p:nvSpPr>
+        <p:spPr>
+          <a:xfrm>
+            <a:off x="3299931" y="1370669"/>
+            <a:ext cx="360040" cy="360040"/>
+          </a:xfrm>
+          <a:prstGeom prst="ellipse">
+            <a:avLst/>
+          </a:prstGeom>
+          <a:ln/>
+        </p:spPr>
+        <p:style>
+          <a:lnRef idx="1">
+            <a:schemeClr val="accent1"/>
+          </a:lnRef>
+          <a:fillRef idx="2">
+            <a:schemeClr val="accent1"/>
+          </a:fillRef>
+          <a:effectRef idx="1">
+            <a:schemeClr val="accent1"/>
+          </a:effectRef>
+          <a:fontRef idx="minor">
+            <a:schemeClr val="dk1"/>
+          </a:fontRef>
+        </p:style>
+        <p:txBody>
+          <a:bodyPr rtlCol="0" anchor="ctr"/>
+          <a:lstStyle/>
+          <a:p>
+            <a:pPr algn="ctr"/>
+            <a:r>
+              <a:rPr lang="en-VN" dirty="0"/>
+              <a:t>4</a:t>
+            </a:r>
+          </a:p>
+        </p:txBody>
+      </p:sp>
+      <p:sp>
+        <p:nvSpPr>
+          <p:cNvPr id="49" name="Oval 48">
+            <a:extLst>
+              <a:ext uri="{FF2B5EF4-FFF2-40B4-BE49-F238E27FC236}">
+                <a16:creationId xmlns:a16="http://schemas.microsoft.com/office/drawing/2014/main" id="{E71DFC55-9D8B-3C41-BCF8-2F5CCD6EEF4D}"/>
+              </a:ext>
+            </a:extLst>
+          </p:cNvPr>
+          <p:cNvSpPr/>
+          <p:nvPr/>
+        </p:nvSpPr>
+        <p:spPr>
+          <a:xfrm>
+            <a:off x="3731979" y="1370669"/>
+            <a:ext cx="360040" cy="360040"/>
+          </a:xfrm>
+          <a:prstGeom prst="ellipse">
+            <a:avLst/>
+          </a:prstGeom>
+          <a:ln/>
+        </p:spPr>
+        <p:style>
+          <a:lnRef idx="1">
+            <a:schemeClr val="accent1"/>
+          </a:lnRef>
+          <a:fillRef idx="2">
+            <a:schemeClr val="accent1"/>
+          </a:fillRef>
+          <a:effectRef idx="1">
+            <a:schemeClr val="accent1"/>
+          </a:effectRef>
+          <a:fontRef idx="minor">
+            <a:schemeClr val="dk1"/>
+          </a:fontRef>
+        </p:style>
+        <p:txBody>
+          <a:bodyPr rtlCol="0" anchor="ctr"/>
+          <a:lstStyle/>
+          <a:p>
+            <a:pPr algn="ctr"/>
+            <a:r>
+              <a:rPr lang="en-VN" dirty="0"/>
+              <a:t>3</a:t>
+            </a:r>
+          </a:p>
+        </p:txBody>
+      </p:sp>
+      <p:sp>
+        <p:nvSpPr>
+          <p:cNvPr id="50" name="Oval 49">
+            <a:extLst>
+              <a:ext uri="{FF2B5EF4-FFF2-40B4-BE49-F238E27FC236}">
+                <a16:creationId xmlns:a16="http://schemas.microsoft.com/office/drawing/2014/main" id="{5627A6B2-1813-5740-AC8C-99CE115761F5}"/>
+              </a:ext>
+            </a:extLst>
+          </p:cNvPr>
+          <p:cNvSpPr/>
+          <p:nvPr/>
+        </p:nvSpPr>
+        <p:spPr>
+          <a:xfrm>
+            <a:off x="4164027" y="1370669"/>
+            <a:ext cx="360040" cy="360040"/>
+          </a:xfrm>
+          <a:prstGeom prst="ellipse">
+            <a:avLst/>
+          </a:prstGeom>
+          <a:ln/>
+        </p:spPr>
+        <p:style>
+          <a:lnRef idx="1">
+            <a:schemeClr val="accent1"/>
+          </a:lnRef>
+          <a:fillRef idx="2">
+            <a:schemeClr val="accent1"/>
+          </a:fillRef>
+          <a:effectRef idx="1">
+            <a:schemeClr val="accent1"/>
+          </a:effectRef>
+          <a:fontRef idx="minor">
+            <a:schemeClr val="dk1"/>
+          </a:fontRef>
+        </p:style>
+        <p:txBody>
+          <a:bodyPr rtlCol="0" anchor="ctr"/>
+          <a:lstStyle/>
+          <a:p>
+            <a:pPr algn="ctr"/>
+            <a:r>
+              <a:rPr lang="en-VN" dirty="0"/>
+              <a:t>2</a:t>
+            </a:r>
+          </a:p>
+        </p:txBody>
+      </p:sp>
+      <p:sp>
+        <p:nvSpPr>
+          <p:cNvPr id="51" name="Oval 50">
+            <a:extLst>
+              <a:ext uri="{FF2B5EF4-FFF2-40B4-BE49-F238E27FC236}">
+                <a16:creationId xmlns:a16="http://schemas.microsoft.com/office/drawing/2014/main" id="{94E93FCD-9646-5A47-9AE2-D5EEC2ACA01A}"/>
+              </a:ext>
+            </a:extLst>
+          </p:cNvPr>
+          <p:cNvSpPr/>
+          <p:nvPr/>
+        </p:nvSpPr>
+        <p:spPr>
+          <a:xfrm>
+            <a:off x="4596075" y="1370669"/>
+            <a:ext cx="360040" cy="360040"/>
+          </a:xfrm>
+          <a:prstGeom prst="ellipse">
+            <a:avLst/>
+          </a:prstGeom>
+          <a:ln/>
+        </p:spPr>
+        <p:style>
+          <a:lnRef idx="1">
+            <a:schemeClr val="accent1"/>
+          </a:lnRef>
+          <a:fillRef idx="2">
+            <a:schemeClr val="accent1"/>
+          </a:fillRef>
+          <a:effectRef idx="1">
+            <a:schemeClr val="accent1"/>
+          </a:effectRef>
+          <a:fontRef idx="minor">
+            <a:schemeClr val="dk1"/>
+          </a:fontRef>
+        </p:style>
+        <p:txBody>
+          <a:bodyPr rtlCol="0" anchor="ctr"/>
+          <a:lstStyle/>
+          <a:p>
+            <a:pPr algn="ctr"/>
+            <a:r>
+              <a:rPr lang="en-VN" dirty="0"/>
+              <a:t>1</a:t>
+            </a:r>
+          </a:p>
+        </p:txBody>
+      </p:sp>
+      <p:sp>
+        <p:nvSpPr>
+          <p:cNvPr id="52" name="TextBox 51">
+            <a:extLst>
+              <a:ext uri="{FF2B5EF4-FFF2-40B4-BE49-F238E27FC236}">
+                <a16:creationId xmlns:a16="http://schemas.microsoft.com/office/drawing/2014/main" id="{71605A69-D34E-F94D-931C-0E11CA7D6C70}"/>
+              </a:ext>
+            </a:extLst>
+          </p:cNvPr>
+          <p:cNvSpPr txBox="1"/>
+          <p:nvPr/>
+        </p:nvSpPr>
+        <p:spPr>
+          <a:xfrm>
+            <a:off x="468313" y="1335245"/>
+            <a:ext cx="1706078" cy="246221"/>
+          </a:xfrm>
+          <a:prstGeom prst="rect">
+            <a:avLst/>
+          </a:prstGeom>
+          <a:noFill/>
+        </p:spPr>
+        <p:txBody>
+          <a:bodyPr wrap="square" lIns="0" tIns="0" rIns="0" bIns="0" rtlCol="0">
+            <a:spAutoFit/>
+          </a:bodyPr>
+          <a:lstStyle/>
+          <a:p>
+            <a:r>
+              <a:rPr lang="en-VN" sz="1600" dirty="0">
+                <a:latin typeface="Georgia" panose="02040502050405020303" pitchFamily="18" charset="0"/>
+              </a:rPr>
+              <a:t>Stream Processing</a:t>
+            </a:r>
+          </a:p>
+        </p:txBody>
+      </p:sp>
+      <p:sp>
+        <p:nvSpPr>
+          <p:cNvPr id="53" name="Rectangle 52">
+            <a:extLst>
+              <a:ext uri="{FF2B5EF4-FFF2-40B4-BE49-F238E27FC236}">
+                <a16:creationId xmlns:a16="http://schemas.microsoft.com/office/drawing/2014/main" id="{4107FF2F-94D1-A342-BE72-B2A9B2EE644B}"/>
+              </a:ext>
+            </a:extLst>
+          </p:cNvPr>
+          <p:cNvSpPr/>
+          <p:nvPr/>
+        </p:nvSpPr>
+        <p:spPr>
+          <a:xfrm>
+            <a:off x="3694034" y="1129308"/>
+            <a:ext cx="1334089" cy="828000"/>
+          </a:xfrm>
+          <a:prstGeom prst="rect">
+            <a:avLst/>
+          </a:prstGeom>
+          <a:noFill/>
+          <a:ln w="3175">
+            <a:prstDash val="sysDot"/>
+          </a:ln>
+        </p:spPr>
+        <p:style>
+          <a:lnRef idx="2">
+            <a:schemeClr val="dk1"/>
+          </a:lnRef>
+          <a:fillRef idx="1">
+            <a:schemeClr val="lt1"/>
+          </a:fillRef>
+          <a:effectRef idx="0">
+            <a:schemeClr val="dk1"/>
+          </a:effectRef>
+          <a:fontRef idx="minor">
+            <a:schemeClr val="dk1"/>
+          </a:fontRef>
+        </p:style>
+        <p:txBody>
+          <a:bodyPr rtlCol="0" anchor="ctr"/>
+          <a:lstStyle/>
+          <a:p>
+            <a:pPr algn="ctr"/>
+            <a:endParaRPr lang="en-VN"/>
+          </a:p>
+        </p:txBody>
+      </p:sp>
+      <p:sp>
+        <p:nvSpPr>
+          <p:cNvPr id="54" name="Oval 53">
+            <a:extLst>
+              <a:ext uri="{FF2B5EF4-FFF2-40B4-BE49-F238E27FC236}">
+                <a16:creationId xmlns:a16="http://schemas.microsoft.com/office/drawing/2014/main" id="{C329CDFD-7355-7E47-B9DB-C6D3D0754F00}"/>
+              </a:ext>
+            </a:extLst>
+          </p:cNvPr>
+          <p:cNvSpPr/>
+          <p:nvPr/>
+        </p:nvSpPr>
+        <p:spPr>
+          <a:xfrm>
+            <a:off x="2418364" y="1363288"/>
+            <a:ext cx="360040" cy="360040"/>
+          </a:xfrm>
+          <a:prstGeom prst="ellipse">
+            <a:avLst/>
+          </a:prstGeom>
+          <a:ln/>
+        </p:spPr>
+        <p:style>
+          <a:lnRef idx="1">
+            <a:schemeClr val="accent1"/>
+          </a:lnRef>
+          <a:fillRef idx="2">
+            <a:schemeClr val="accent1"/>
+          </a:fillRef>
+          <a:effectRef idx="1">
+            <a:schemeClr val="accent1"/>
+          </a:effectRef>
+          <a:fontRef idx="minor">
+            <a:schemeClr val="dk1"/>
+          </a:fontRef>
+        </p:style>
+        <p:txBody>
+          <a:bodyPr rtlCol="0" anchor="ctr"/>
+          <a:lstStyle/>
+          <a:p>
+            <a:pPr algn="ctr"/>
+            <a:r>
+              <a:rPr lang="en-VN" dirty="0"/>
+              <a:t>6</a:t>
+            </a:r>
+          </a:p>
+        </p:txBody>
+      </p:sp>
+      <p:sp>
+        <p:nvSpPr>
+          <p:cNvPr id="55" name="Oval 54">
+            <a:extLst>
+              <a:ext uri="{FF2B5EF4-FFF2-40B4-BE49-F238E27FC236}">
+                <a16:creationId xmlns:a16="http://schemas.microsoft.com/office/drawing/2014/main" id="{B9A7D805-F698-994D-B9AE-2BDFA7C0732A}"/>
+              </a:ext>
+            </a:extLst>
+          </p:cNvPr>
+          <p:cNvSpPr/>
+          <p:nvPr/>
+        </p:nvSpPr>
+        <p:spPr>
+          <a:xfrm>
+            <a:off x="6362212" y="1226653"/>
+            <a:ext cx="360040" cy="360040"/>
+          </a:xfrm>
+          <a:prstGeom prst="ellipse">
+            <a:avLst/>
+          </a:prstGeom>
+          <a:ln/>
+        </p:spPr>
+        <p:style>
+          <a:lnRef idx="1">
+            <a:schemeClr val="accent1"/>
+          </a:lnRef>
+          <a:fillRef idx="2">
+            <a:schemeClr val="accent1"/>
+          </a:fillRef>
+          <a:effectRef idx="1">
+            <a:schemeClr val="accent1"/>
+          </a:effectRef>
+          <a:fontRef idx="minor">
+            <a:schemeClr val="dk1"/>
+          </a:fontRef>
+        </p:style>
+        <p:txBody>
+          <a:bodyPr rtlCol="0" anchor="ctr"/>
+          <a:lstStyle/>
+          <a:p>
+            <a:pPr algn="ctr"/>
+            <a:r>
+              <a:rPr lang="en-VN" dirty="0"/>
+              <a:t>3</a:t>
+            </a:r>
+          </a:p>
+        </p:txBody>
+      </p:sp>
+      <p:sp>
+        <p:nvSpPr>
+          <p:cNvPr id="56" name="Oval 55">
+            <a:extLst>
+              <a:ext uri="{FF2B5EF4-FFF2-40B4-BE49-F238E27FC236}">
+                <a16:creationId xmlns:a16="http://schemas.microsoft.com/office/drawing/2014/main" id="{933C990E-51F4-654C-84DD-346896C3F8A1}"/>
+              </a:ext>
+            </a:extLst>
+          </p:cNvPr>
+          <p:cNvSpPr/>
+          <p:nvPr/>
+        </p:nvSpPr>
+        <p:spPr>
+          <a:xfrm>
+            <a:off x="6794260" y="1226653"/>
+            <a:ext cx="360040" cy="360040"/>
+          </a:xfrm>
+          <a:prstGeom prst="ellipse">
+            <a:avLst/>
+          </a:prstGeom>
+          <a:ln/>
+        </p:spPr>
+        <p:style>
+          <a:lnRef idx="1">
+            <a:schemeClr val="accent1"/>
+          </a:lnRef>
+          <a:fillRef idx="2">
+            <a:schemeClr val="accent1"/>
+          </a:fillRef>
+          <a:effectRef idx="1">
+            <a:schemeClr val="accent1"/>
+          </a:effectRef>
+          <a:fontRef idx="minor">
+            <a:schemeClr val="dk1"/>
+          </a:fontRef>
+        </p:style>
+        <p:txBody>
+          <a:bodyPr rtlCol="0" anchor="ctr"/>
+          <a:lstStyle/>
+          <a:p>
+            <a:pPr algn="ctr"/>
+            <a:r>
+              <a:rPr lang="en-VN" dirty="0"/>
+              <a:t>2</a:t>
+            </a:r>
+          </a:p>
+        </p:txBody>
+      </p:sp>
+      <p:sp>
+        <p:nvSpPr>
+          <p:cNvPr id="57" name="Oval 56">
+            <a:extLst>
+              <a:ext uri="{FF2B5EF4-FFF2-40B4-BE49-F238E27FC236}">
+                <a16:creationId xmlns:a16="http://schemas.microsoft.com/office/drawing/2014/main" id="{AA9767A0-596E-A54B-9D0A-67CFE883DFB4}"/>
+              </a:ext>
+            </a:extLst>
+          </p:cNvPr>
+          <p:cNvSpPr/>
+          <p:nvPr/>
+        </p:nvSpPr>
+        <p:spPr>
+          <a:xfrm>
+            <a:off x="7226308" y="1226653"/>
+            <a:ext cx="360040" cy="360040"/>
+          </a:xfrm>
+          <a:prstGeom prst="ellipse">
+            <a:avLst/>
+          </a:prstGeom>
+          <a:ln/>
+        </p:spPr>
+        <p:style>
+          <a:lnRef idx="1">
+            <a:schemeClr val="accent1"/>
+          </a:lnRef>
+          <a:fillRef idx="2">
+            <a:schemeClr val="accent1"/>
+          </a:fillRef>
+          <a:effectRef idx="1">
+            <a:schemeClr val="accent1"/>
+          </a:effectRef>
+          <a:fontRef idx="minor">
+            <a:schemeClr val="dk1"/>
+          </a:fontRef>
+        </p:style>
+        <p:txBody>
+          <a:bodyPr rtlCol="0" anchor="ctr"/>
+          <a:lstStyle/>
+          <a:p>
+            <a:pPr algn="ctr"/>
+            <a:r>
+              <a:rPr lang="en-VN" dirty="0"/>
+              <a:t>1</a:t>
+            </a:r>
+          </a:p>
+        </p:txBody>
+      </p:sp>
+      <p:sp>
+        <p:nvSpPr>
+          <p:cNvPr id="58" name="Rectangle 57">
+            <a:extLst>
+              <a:ext uri="{FF2B5EF4-FFF2-40B4-BE49-F238E27FC236}">
+                <a16:creationId xmlns:a16="http://schemas.microsoft.com/office/drawing/2014/main" id="{7131EDBF-7B5C-794C-A843-10533771B3DE}"/>
+              </a:ext>
+            </a:extLst>
+          </p:cNvPr>
+          <p:cNvSpPr/>
+          <p:nvPr/>
+        </p:nvSpPr>
+        <p:spPr>
+          <a:xfrm>
+            <a:off x="6324267" y="985292"/>
+            <a:ext cx="1334089" cy="828000"/>
+          </a:xfrm>
+          <a:prstGeom prst="rect">
+            <a:avLst/>
+          </a:prstGeom>
+          <a:noFill/>
+          <a:ln w="3175">
+            <a:prstDash val="sysDot"/>
+          </a:ln>
+        </p:spPr>
+        <p:style>
+          <a:lnRef idx="2">
+            <a:schemeClr val="dk1"/>
+          </a:lnRef>
+          <a:fillRef idx="1">
+            <a:schemeClr val="lt1"/>
+          </a:fillRef>
+          <a:effectRef idx="0">
+            <a:schemeClr val="dk1"/>
+          </a:effectRef>
+          <a:fontRef idx="minor">
+            <a:schemeClr val="dk1"/>
+          </a:fontRef>
+        </p:style>
+        <p:txBody>
+          <a:bodyPr rtlCol="0" anchor="ctr"/>
+          <a:lstStyle/>
+          <a:p>
+            <a:pPr algn="ctr"/>
+            <a:endParaRPr lang="en-VN"/>
+          </a:p>
+        </p:txBody>
+      </p:sp>
+      <p:sp>
+        <p:nvSpPr>
+          <p:cNvPr id="59" name="Oval 58">
+            <a:extLst>
+              <a:ext uri="{FF2B5EF4-FFF2-40B4-BE49-F238E27FC236}">
+                <a16:creationId xmlns:a16="http://schemas.microsoft.com/office/drawing/2014/main" id="{47754FA8-832C-0F41-87AC-5F9BD6E7A13E}"/>
+              </a:ext>
+            </a:extLst>
+          </p:cNvPr>
+          <p:cNvSpPr/>
+          <p:nvPr/>
+        </p:nvSpPr>
+        <p:spPr>
+          <a:xfrm>
+            <a:off x="6362212" y="2103235"/>
+            <a:ext cx="360040" cy="360040"/>
+          </a:xfrm>
+          <a:prstGeom prst="ellipse">
+            <a:avLst/>
+          </a:prstGeom>
+          <a:ln/>
+        </p:spPr>
+        <p:style>
+          <a:lnRef idx="1">
+            <a:schemeClr val="accent1"/>
+          </a:lnRef>
+          <a:fillRef idx="2">
+            <a:schemeClr val="accent1"/>
+          </a:fillRef>
+          <a:effectRef idx="1">
+            <a:schemeClr val="accent1"/>
+          </a:effectRef>
+          <a:fontRef idx="minor">
+            <a:schemeClr val="dk1"/>
+          </a:fontRef>
+        </p:style>
+        <p:txBody>
+          <a:bodyPr rtlCol="0" anchor="ctr"/>
+          <a:lstStyle/>
+          <a:p>
+            <a:pPr algn="ctr"/>
+            <a:r>
+              <a:rPr lang="en-VN" dirty="0"/>
+              <a:t>4</a:t>
+            </a:r>
+          </a:p>
+        </p:txBody>
+      </p:sp>
+      <p:sp>
+        <p:nvSpPr>
+          <p:cNvPr id="60" name="Oval 59">
+            <a:extLst>
+              <a:ext uri="{FF2B5EF4-FFF2-40B4-BE49-F238E27FC236}">
+                <a16:creationId xmlns:a16="http://schemas.microsoft.com/office/drawing/2014/main" id="{A8285C61-525A-A944-B566-074F03C1DA21}"/>
+              </a:ext>
+            </a:extLst>
+          </p:cNvPr>
+          <p:cNvSpPr/>
+          <p:nvPr/>
+        </p:nvSpPr>
+        <p:spPr>
+          <a:xfrm>
+            <a:off x="6794260" y="2103235"/>
+            <a:ext cx="360040" cy="360040"/>
+          </a:xfrm>
+          <a:prstGeom prst="ellipse">
+            <a:avLst/>
+          </a:prstGeom>
+          <a:ln/>
+        </p:spPr>
+        <p:style>
+          <a:lnRef idx="1">
+            <a:schemeClr val="accent1"/>
+          </a:lnRef>
+          <a:fillRef idx="2">
+            <a:schemeClr val="accent1"/>
+          </a:fillRef>
+          <a:effectRef idx="1">
+            <a:schemeClr val="accent1"/>
+          </a:effectRef>
+          <a:fontRef idx="minor">
+            <a:schemeClr val="dk1"/>
+          </a:fontRef>
+        </p:style>
+        <p:txBody>
+          <a:bodyPr rtlCol="0" anchor="ctr"/>
+          <a:lstStyle/>
+          <a:p>
+            <a:pPr algn="ctr"/>
+            <a:r>
+              <a:rPr lang="en-VN" dirty="0"/>
+              <a:t>3</a:t>
+            </a:r>
+          </a:p>
+        </p:txBody>
+      </p:sp>
+      <p:sp>
+        <p:nvSpPr>
+          <p:cNvPr id="61" name="Oval 60">
+            <a:extLst>
+              <a:ext uri="{FF2B5EF4-FFF2-40B4-BE49-F238E27FC236}">
+                <a16:creationId xmlns:a16="http://schemas.microsoft.com/office/drawing/2014/main" id="{314F80F5-B2A8-AF4E-B007-02A9C26A1BD2}"/>
+              </a:ext>
+            </a:extLst>
+          </p:cNvPr>
+          <p:cNvSpPr/>
+          <p:nvPr/>
+        </p:nvSpPr>
+        <p:spPr>
+          <a:xfrm>
+            <a:off x="7226308" y="2103235"/>
+            <a:ext cx="360040" cy="360040"/>
+          </a:xfrm>
+          <a:prstGeom prst="ellipse">
+            <a:avLst/>
+          </a:prstGeom>
+          <a:ln/>
+        </p:spPr>
+        <p:style>
+          <a:lnRef idx="1">
+            <a:schemeClr val="accent1"/>
+          </a:lnRef>
+          <a:fillRef idx="2">
+            <a:schemeClr val="accent1"/>
+          </a:fillRef>
+          <a:effectRef idx="1">
+            <a:schemeClr val="accent1"/>
+          </a:effectRef>
+          <a:fontRef idx="minor">
+            <a:schemeClr val="dk1"/>
+          </a:fontRef>
+        </p:style>
+        <p:txBody>
+          <a:bodyPr rtlCol="0" anchor="ctr"/>
+          <a:lstStyle/>
+          <a:p>
+            <a:pPr algn="ctr"/>
+            <a:r>
+              <a:rPr lang="en-VN" dirty="0"/>
+              <a:t>2</a:t>
+            </a:r>
+          </a:p>
+        </p:txBody>
+      </p:sp>
+      <p:sp>
+        <p:nvSpPr>
+          <p:cNvPr id="62" name="Rectangle 61">
+            <a:extLst>
+              <a:ext uri="{FF2B5EF4-FFF2-40B4-BE49-F238E27FC236}">
+                <a16:creationId xmlns:a16="http://schemas.microsoft.com/office/drawing/2014/main" id="{85CC1802-2D86-974C-A9A8-8AAC592128EF}"/>
+              </a:ext>
+            </a:extLst>
+          </p:cNvPr>
+          <p:cNvSpPr/>
+          <p:nvPr/>
+        </p:nvSpPr>
+        <p:spPr>
+          <a:xfrm>
+            <a:off x="6324267" y="1861874"/>
+            <a:ext cx="1334089" cy="828000"/>
+          </a:xfrm>
+          <a:prstGeom prst="rect">
+            <a:avLst/>
+          </a:prstGeom>
+          <a:noFill/>
+          <a:ln w="3175">
+            <a:prstDash val="sysDot"/>
+          </a:ln>
+        </p:spPr>
+        <p:style>
+          <a:lnRef idx="2">
+            <a:schemeClr val="dk1"/>
+          </a:lnRef>
+          <a:fillRef idx="1">
+            <a:schemeClr val="lt1"/>
+          </a:fillRef>
+          <a:effectRef idx="0">
+            <a:schemeClr val="dk1"/>
+          </a:effectRef>
+          <a:fontRef idx="minor">
+            <a:schemeClr val="dk1"/>
+          </a:fontRef>
+        </p:style>
+        <p:txBody>
+          <a:bodyPr rtlCol="0" anchor="ctr"/>
+          <a:lstStyle/>
+          <a:p>
+            <a:pPr algn="ctr"/>
+            <a:endParaRPr lang="en-VN"/>
+          </a:p>
+        </p:txBody>
+      </p:sp>
+      <p:sp>
+        <p:nvSpPr>
+          <p:cNvPr id="63" name="TextBox 62">
+            <a:extLst>
+              <a:ext uri="{FF2B5EF4-FFF2-40B4-BE49-F238E27FC236}">
+                <a16:creationId xmlns:a16="http://schemas.microsoft.com/office/drawing/2014/main" id="{379C3003-2F68-374A-AF92-81FAA80DF0B5}"/>
+              </a:ext>
+            </a:extLst>
+          </p:cNvPr>
+          <p:cNvSpPr txBox="1"/>
+          <p:nvPr/>
+        </p:nvSpPr>
+        <p:spPr>
+          <a:xfrm>
+            <a:off x="3696839" y="2043303"/>
+            <a:ext cx="1266372" cy="646331"/>
+          </a:xfrm>
+          <a:prstGeom prst="rect">
+            <a:avLst/>
+          </a:prstGeom>
+          <a:noFill/>
+        </p:spPr>
+        <p:txBody>
+          <a:bodyPr wrap="square" lIns="0" tIns="0" rIns="0" bIns="0" rtlCol="0">
+            <a:spAutoFit/>
+          </a:bodyPr>
+          <a:lstStyle/>
+          <a:p>
+            <a:pPr algn="ctr"/>
+            <a:r>
+              <a:rPr lang="en-VN" sz="1400" dirty="0">
+                <a:latin typeface="Georgia" panose="02040502050405020303" pitchFamily="18" charset="0"/>
+              </a:rPr>
+              <a:t>Sliding Window</a:t>
+            </a:r>
+          </a:p>
+          <a:p>
+            <a:pPr algn="ctr"/>
+            <a:r>
+              <a:rPr lang="en-VN" sz="1400" dirty="0">
+                <a:latin typeface="Georgia" panose="02040502050405020303" pitchFamily="18" charset="0"/>
+              </a:rPr>
+              <a:t>E.g, size = 3, slide = 1</a:t>
+            </a:r>
+          </a:p>
+        </p:txBody>
+      </p:sp>
+      <p:cxnSp>
+        <p:nvCxnSpPr>
+          <p:cNvPr id="64" name="Straight Arrow Connector 63">
+            <a:extLst>
+              <a:ext uri="{FF2B5EF4-FFF2-40B4-BE49-F238E27FC236}">
+                <a16:creationId xmlns:a16="http://schemas.microsoft.com/office/drawing/2014/main" id="{03577252-9EA9-E54E-B87F-A6B81D41EF33}"/>
+              </a:ext>
+            </a:extLst>
+          </p:cNvPr>
+          <p:cNvCxnSpPr>
+            <a:cxnSpLocks/>
+          </p:cNvCxnSpPr>
+          <p:nvPr/>
+        </p:nvCxnSpPr>
+        <p:spPr>
+          <a:xfrm>
+            <a:off x="5316155" y="1586693"/>
+            <a:ext cx="864096" cy="0"/>
+          </a:xfrm>
+          <a:prstGeom prst="straightConnector1">
+            <a:avLst/>
+          </a:prstGeom>
+          <a:ln>
+            <a:tailEnd type="triangle"/>
+          </a:ln>
+        </p:spPr>
+        <p:style>
+          <a:lnRef idx="2">
+            <a:schemeClr val="dk1"/>
+          </a:lnRef>
+          <a:fillRef idx="0">
+            <a:schemeClr val="dk1"/>
+          </a:fillRef>
+          <a:effectRef idx="1">
+            <a:schemeClr val="dk1"/>
+          </a:effectRef>
+          <a:fontRef idx="minor">
+            <a:schemeClr val="tx1"/>
+          </a:fontRef>
+        </p:style>
+      </p:cxnSp>
+      <p:sp>
+        <p:nvSpPr>
+          <p:cNvPr id="65" name="TextBox 64">
+            <a:extLst>
+              <a:ext uri="{FF2B5EF4-FFF2-40B4-BE49-F238E27FC236}">
+                <a16:creationId xmlns:a16="http://schemas.microsoft.com/office/drawing/2014/main" id="{E97AFE6B-6820-3D4A-BDD8-521622F189B0}"/>
+              </a:ext>
+            </a:extLst>
+          </p:cNvPr>
+          <p:cNvSpPr txBox="1"/>
+          <p:nvPr/>
+        </p:nvSpPr>
+        <p:spPr>
+          <a:xfrm>
+            <a:off x="6300192" y="985292"/>
+            <a:ext cx="1338508" cy="215444"/>
+          </a:xfrm>
+          <a:prstGeom prst="rect">
+            <a:avLst/>
+          </a:prstGeom>
+          <a:noFill/>
+        </p:spPr>
+        <p:txBody>
+          <a:bodyPr wrap="square" lIns="0" tIns="0" rIns="0" bIns="0" rtlCol="0">
+            <a:spAutoFit/>
+          </a:bodyPr>
+          <a:lstStyle/>
+          <a:p>
+            <a:r>
+              <a:rPr lang="en-VN" sz="1400" dirty="0">
+                <a:latin typeface="Georgia" panose="02040502050405020303" pitchFamily="18" charset="0"/>
+              </a:rPr>
+              <a:t>Process by Event</a:t>
+            </a:r>
+          </a:p>
+        </p:txBody>
+      </p:sp>
+      <p:sp>
+        <p:nvSpPr>
+          <p:cNvPr id="66" name="TextBox 65">
+            <a:extLst>
+              <a:ext uri="{FF2B5EF4-FFF2-40B4-BE49-F238E27FC236}">
+                <a16:creationId xmlns:a16="http://schemas.microsoft.com/office/drawing/2014/main" id="{91CCE51E-034B-974C-A748-B6AA1BAF5F4E}"/>
+              </a:ext>
+            </a:extLst>
+          </p:cNvPr>
+          <p:cNvSpPr txBox="1"/>
+          <p:nvPr/>
+        </p:nvSpPr>
+        <p:spPr>
+          <a:xfrm>
+            <a:off x="6919176" y="2649621"/>
+            <a:ext cx="144270" cy="215444"/>
+          </a:xfrm>
+          <a:prstGeom prst="rect">
+            <a:avLst/>
+          </a:prstGeom>
+          <a:noFill/>
+        </p:spPr>
+        <p:txBody>
+          <a:bodyPr wrap="none" lIns="0" tIns="0" rIns="0" bIns="0" rtlCol="0">
+            <a:spAutoFit/>
+          </a:bodyPr>
+          <a:lstStyle/>
+          <a:p>
+            <a:r>
+              <a:rPr lang="en-VN" sz="1400" dirty="0">
+                <a:latin typeface="Georgia" panose="02040502050405020303" pitchFamily="18" charset="0"/>
+              </a:rPr>
+              <a:t>…</a:t>
+            </a:r>
+          </a:p>
+        </p:txBody>
+      </p:sp>
+      <p:sp>
+        <p:nvSpPr>
+          <p:cNvPr id="68" name="TextBox 67">
+            <a:extLst>
+              <a:ext uri="{FF2B5EF4-FFF2-40B4-BE49-F238E27FC236}">
+                <a16:creationId xmlns:a16="http://schemas.microsoft.com/office/drawing/2014/main" id="{D08689F3-B8EE-1348-961B-64CE4B00102E}"/>
+              </a:ext>
+            </a:extLst>
+          </p:cNvPr>
+          <p:cNvSpPr txBox="1"/>
+          <p:nvPr/>
+        </p:nvSpPr>
+        <p:spPr>
+          <a:xfrm>
+            <a:off x="5834001" y="2043303"/>
+            <a:ext cx="346250" cy="215444"/>
+          </a:xfrm>
+          <a:prstGeom prst="rect">
+            <a:avLst/>
+          </a:prstGeom>
+          <a:noFill/>
+        </p:spPr>
+        <p:txBody>
+          <a:bodyPr wrap="square" lIns="0" tIns="0" rIns="0" bIns="0" rtlCol="0">
+            <a:spAutoFit/>
+          </a:bodyPr>
+          <a:lstStyle/>
+          <a:p>
+            <a:pPr algn="ctr"/>
+            <a:r>
+              <a:rPr lang="en-VN" sz="1400" dirty="0">
+                <a:latin typeface="Georgia" panose="02040502050405020303" pitchFamily="18" charset="0"/>
+              </a:rPr>
+              <a:t>next</a:t>
+            </a:r>
+          </a:p>
+        </p:txBody>
+      </p:sp>
+      <p:sp>
+        <p:nvSpPr>
+          <p:cNvPr id="32" name="TextBox 31">
+            <a:extLst>
+              <a:ext uri="{FF2B5EF4-FFF2-40B4-BE49-F238E27FC236}">
+                <a16:creationId xmlns:a16="http://schemas.microsoft.com/office/drawing/2014/main" id="{0F9BCFBF-2D5D-E34E-A26D-8EF4FCDD4816}"/>
+              </a:ext>
+            </a:extLst>
+          </p:cNvPr>
+          <p:cNvSpPr txBox="1"/>
+          <p:nvPr/>
+        </p:nvSpPr>
+        <p:spPr>
+          <a:xfrm>
+            <a:off x="694222" y="2375738"/>
+            <a:ext cx="7803706" cy="2858026"/>
+          </a:xfrm>
+          <a:prstGeom prst="rect">
+            <a:avLst/>
+          </a:prstGeom>
+          <a:noFill/>
+        </p:spPr>
+        <p:txBody>
+          <a:bodyPr wrap="square" lIns="0" tIns="0" rIns="0" bIns="0" rtlCol="0">
+            <a:spAutoFit/>
+          </a:bodyPr>
+          <a:lstStyle/>
+          <a:p>
+            <a:pPr>
+              <a:lnSpc>
+                <a:spcPct val="150000"/>
+              </a:lnSpc>
+            </a:pPr>
+            <a:r>
+              <a:rPr lang="en-VN" dirty="0">
+                <a:latin typeface="Georgia" panose="02040502050405020303" pitchFamily="18" charset="0"/>
+              </a:rPr>
+              <a:t>BTS application:</a:t>
+            </a:r>
+          </a:p>
+          <a:p>
+            <a:pPr marL="285750" indent="-285750">
+              <a:lnSpc>
+                <a:spcPct val="150000"/>
+              </a:lnSpc>
+              <a:buFont typeface="Arial" panose="020B0604020202020204" pitchFamily="34" charset="0"/>
+              <a:buChar char="•"/>
+            </a:pPr>
+            <a:r>
+              <a:rPr lang="en-VN" dirty="0">
+                <a:latin typeface="Georgia" panose="02040502050405020303" pitchFamily="18" charset="0"/>
+              </a:rPr>
+              <a:t>Window size: 1 minute – Window slide 5s</a:t>
+            </a:r>
+          </a:p>
+          <a:p>
+            <a:pPr marL="285750" indent="-285750">
+              <a:lnSpc>
+                <a:spcPct val="150000"/>
+              </a:lnSpc>
+              <a:buFont typeface="Arial" panose="020B0604020202020204" pitchFamily="34" charset="0"/>
+              <a:buChar char="•"/>
+            </a:pPr>
+            <a:r>
+              <a:rPr lang="en-VN" dirty="0">
+                <a:latin typeface="Georgia" panose="02040502050405020303" pitchFamily="18" charset="0"/>
+              </a:rPr>
+              <a:t>Alert by </a:t>
+            </a:r>
+            <a:r>
+              <a:rPr lang="en-VN" i="1" dirty="0">
+                <a:latin typeface="Georgia" panose="02040502050405020303" pitchFamily="18" charset="0"/>
+              </a:rPr>
+              <a:t>station_id</a:t>
+            </a:r>
+          </a:p>
+          <a:p>
+            <a:pPr marL="285750" indent="-285750">
+              <a:lnSpc>
+                <a:spcPct val="150000"/>
+              </a:lnSpc>
+              <a:buFont typeface="Wingdings" pitchFamily="2" charset="2"/>
+              <a:buChar char="Ø"/>
+            </a:pPr>
+            <a:r>
+              <a:rPr lang="en-VN" dirty="0">
+                <a:latin typeface="Georgia" panose="02040502050405020303" pitchFamily="18" charset="0"/>
+              </a:rPr>
+              <a:t>Change the window slide to 1s</a:t>
+            </a:r>
+          </a:p>
+          <a:p>
+            <a:pPr marL="285750" indent="-285750">
+              <a:lnSpc>
+                <a:spcPct val="150000"/>
+              </a:lnSpc>
+              <a:buFont typeface="Wingdings" pitchFamily="2" charset="2"/>
+              <a:buChar char="Ø"/>
+            </a:pPr>
+            <a:r>
+              <a:rPr lang="en-VN" dirty="0">
+                <a:latin typeface="Georgia" panose="02040502050405020303" pitchFamily="18" charset="0"/>
+              </a:rPr>
+              <a:t>Change the window size to 5 minutes</a:t>
+            </a:r>
+          </a:p>
+          <a:p>
+            <a:pPr marL="285750" indent="-285750">
+              <a:lnSpc>
+                <a:spcPct val="150000"/>
+              </a:lnSpc>
+              <a:buFont typeface="Wingdings" pitchFamily="2" charset="2"/>
+              <a:buChar char="Ø"/>
+            </a:pPr>
+            <a:r>
+              <a:rPr lang="en-VN" dirty="0">
+                <a:latin typeface="Georgia" panose="02040502050405020303" pitchFamily="18" charset="0"/>
+              </a:rPr>
+              <a:t>Change other papameters, perform futher analysis</a:t>
+            </a:r>
+          </a:p>
+          <a:p>
+            <a:pPr>
+              <a:lnSpc>
+                <a:spcPct val="150000"/>
+              </a:lnSpc>
+            </a:pPr>
+            <a:endParaRPr lang="en-VN" dirty="0">
+              <a:latin typeface="Georgia" panose="02040502050405020303" pitchFamily="18" charset="0"/>
+            </a:endParaRPr>
+          </a:p>
+        </p:txBody>
+      </p:sp>
+    </p:spTree>
+    <p:extLst>
+      <p:ext uri="{BB962C8B-B14F-4D97-AF65-F5344CB8AC3E}">
+        <p14:creationId xmlns:p14="http://schemas.microsoft.com/office/powerpoint/2010/main" val="2360392947"/>
+      </p:ext>
+    </p:extLst>
+  </p:cSld>
+  <p:clrMapOvr>
+    <a:masterClrMapping/>
+  </p:clrMapOvr>
+</p:sld>
+</file>
+
+<file path=ppt/slides/slide7.xml><?xml version="1.0" encoding="utf-8"?>
+<p:sld xmlns:a="http://schemas.openxmlformats.org/drawingml/2006/main" xmlns:r="http://schemas.openxmlformats.org/officeDocument/2006/relationships" xmlns:p="http://schemas.openxmlformats.org/presentationml/2006/main">
+  <p:cSld>
+    <p:spTree>
+      <p:nvGrpSpPr>
+        <p:cNvPr id="1" name=""/>
+        <p:cNvGrpSpPr/>
+        <p:nvPr/>
+      </p:nvGrpSpPr>
+      <p:grpSpPr>
+        <a:xfrm>
+          <a:off x="0" y="0"/>
+          <a:ext cx="0" cy="0"/>
+          <a:chOff x="0" y="0"/>
+          <a:chExt cx="0" cy="0"/>
+        </a:xfrm>
+      </p:grpSpPr>
+      <p:sp>
+        <p:nvSpPr>
+          <p:cNvPr id="5" name="Title 4">
+            <a:extLst>
+              <a:ext uri="{FF2B5EF4-FFF2-40B4-BE49-F238E27FC236}">
+                <a16:creationId xmlns:a16="http://schemas.microsoft.com/office/drawing/2014/main" id="{D6C3EA07-F7CA-40AB-8D0A-FD1120628B70}"/>
+              </a:ext>
+            </a:extLst>
+          </p:cNvPr>
+          <p:cNvSpPr>
+            <a:spLocks noGrp="1"/>
+          </p:cNvSpPr>
+          <p:nvPr>
+            <p:ph type="ctrTitle"/>
+          </p:nvPr>
+        </p:nvSpPr>
+        <p:spPr/>
+        <p:txBody>
+          <a:bodyPr/>
+          <a:lstStyle/>
+          <a:p>
+            <a:r>
+              <a:rPr lang="en-US" dirty="0">
+                <a:ea typeface="ＭＳ Ｐゴシック"/>
+              </a:rPr>
+              <a:t>Streaming Analytics using Apache </a:t>
+            </a:r>
+            <a:r>
+              <a:rPr lang="en-US" dirty="0" err="1">
+                <a:ea typeface="ＭＳ Ｐゴシック"/>
+              </a:rPr>
+              <a:t>Flink</a:t>
+            </a:r>
+            <a:endParaRPr lang="en-US" dirty="0">
+              <a:ea typeface="ＭＳ Ｐゴシック"/>
+            </a:endParaRPr>
+          </a:p>
+        </p:txBody>
+      </p:sp>
+      <p:sp>
+        <p:nvSpPr>
+          <p:cNvPr id="6" name="Content Placeholder 5">
+            <a:extLst>
+              <a:ext uri="{FF2B5EF4-FFF2-40B4-BE49-F238E27FC236}">
+                <a16:creationId xmlns:a16="http://schemas.microsoft.com/office/drawing/2014/main" id="{374EC1ED-20F3-4F3E-8099-86F15B5766B0}"/>
+              </a:ext>
+            </a:extLst>
+          </p:cNvPr>
+          <p:cNvSpPr>
+            <a:spLocks noGrp="1"/>
+          </p:cNvSpPr>
+          <p:nvPr>
+            <p:ph sz="quarter" idx="14"/>
+          </p:nvPr>
+        </p:nvSpPr>
+        <p:spPr>
+          <a:xfrm>
+            <a:off x="434250" y="769268"/>
+            <a:ext cx="8207374" cy="443761"/>
+          </a:xfrm>
+        </p:spPr>
+        <p:txBody>
+          <a:bodyPr vert="horz" lIns="0" tIns="0" rIns="0" bIns="0" anchor="t"/>
+          <a:lstStyle/>
+          <a:p>
+            <a:pPr marL="342900" indent="-342900">
+              <a:buFont typeface="Wingdings" panose="05000000000000000000" pitchFamily="2" charset="2"/>
+              <a:buChar char="§"/>
+            </a:pPr>
+            <a:r>
+              <a:rPr lang="en-US" sz="2800" dirty="0">
+                <a:latin typeface="Arial"/>
+                <a:ea typeface="ＭＳ Ｐゴシック"/>
+              </a:rPr>
+              <a:t>Distributed Streaming Data Flow</a:t>
+            </a:r>
+            <a:endParaRPr lang="en-US" dirty="0"/>
+          </a:p>
+        </p:txBody>
+      </p:sp>
+      <p:sp>
+        <p:nvSpPr>
+          <p:cNvPr id="2" name="Date Placeholder 1">
+            <a:extLst>
+              <a:ext uri="{FF2B5EF4-FFF2-40B4-BE49-F238E27FC236}">
+                <a16:creationId xmlns:a16="http://schemas.microsoft.com/office/drawing/2014/main" id="{113C3E73-B9A5-413B-B003-7B63281E0B27}"/>
+              </a:ext>
+            </a:extLst>
+          </p:cNvPr>
+          <p:cNvSpPr>
+            <a:spLocks noGrp="1"/>
+          </p:cNvSpPr>
+          <p:nvPr>
+            <p:ph type="dt" sz="half" idx="15"/>
+          </p:nvPr>
+        </p:nvSpPr>
+        <p:spPr/>
+        <p:txBody>
+          <a:bodyPr/>
+          <a:lstStyle/>
+          <a:p>
+            <a:pPr>
+              <a:defRPr/>
+            </a:pPr>
+            <a:fld id="{3C4C6E3F-5E3C-4FBD-BF9E-3C26CFB1E59A}" type="datetime1">
+              <a:rPr lang="en-US" smtClean="0"/>
+              <a:t>3/14/2021</a:t>
+            </a:fld>
+            <a:endParaRPr lang="fi-FI"/>
+          </a:p>
+        </p:txBody>
+      </p:sp>
+      <p:sp>
+        <p:nvSpPr>
+          <p:cNvPr id="3" name="Footer Placeholder 2">
+            <a:extLst>
+              <a:ext uri="{FF2B5EF4-FFF2-40B4-BE49-F238E27FC236}">
+                <a16:creationId xmlns:a16="http://schemas.microsoft.com/office/drawing/2014/main" id="{C7CE5695-DD08-4B94-9ECE-BB5AE65A73FF}"/>
+              </a:ext>
+            </a:extLst>
+          </p:cNvPr>
+          <p:cNvSpPr>
+            <a:spLocks noGrp="1"/>
+          </p:cNvSpPr>
+          <p:nvPr>
+            <p:ph type="ftr" sz="quarter" idx="16"/>
+          </p:nvPr>
+        </p:nvSpPr>
+        <p:spPr/>
+        <p:txBody>
+          <a:bodyPr/>
+          <a:lstStyle/>
+          <a:p>
+            <a:pPr>
+              <a:defRPr/>
+            </a:pPr>
+            <a:r>
+              <a:rPr lang="en-US"/>
+              <a:t>CS-E4640 Big Data Platforms, @CSAalto</a:t>
+            </a:r>
+            <a:endParaRPr lang="fi-FI"/>
+          </a:p>
+        </p:txBody>
+      </p:sp>
+      <p:sp>
+        <p:nvSpPr>
+          <p:cNvPr id="4" name="Slide Number Placeholder 3">
+            <a:extLst>
+              <a:ext uri="{FF2B5EF4-FFF2-40B4-BE49-F238E27FC236}">
+                <a16:creationId xmlns:a16="http://schemas.microsoft.com/office/drawing/2014/main" id="{176783F1-8274-4F18-B6C5-CDB369C14CD7}"/>
+              </a:ext>
+            </a:extLst>
+          </p:cNvPr>
+          <p:cNvSpPr>
+            <a:spLocks noGrp="1"/>
+          </p:cNvSpPr>
+          <p:nvPr>
+            <p:ph type="sldNum" sz="quarter" idx="17"/>
+          </p:nvPr>
+        </p:nvSpPr>
+        <p:spPr/>
+        <p:txBody>
+          <a:bodyPr/>
+          <a:lstStyle/>
+          <a:p>
+            <a:pPr>
+              <a:defRPr/>
+            </a:pPr>
+            <a:fld id="{49EFD4B7-1CC6-864B-A72A-C978B70BBA9B}" type="slidenum">
+              <a:rPr lang="fi-FI" smtClean="0"/>
+              <a:pPr>
+                <a:defRPr/>
+              </a:pPr>
+              <a:t>7</a:t>
+            </a:fld>
+            <a:endParaRPr lang="fi-FI"/>
+          </a:p>
+        </p:txBody>
+      </p:sp>
+      <p:sp>
+        <p:nvSpPr>
+          <p:cNvPr id="12" name="Rounded Rectangle 11">
+            <a:extLst>
+              <a:ext uri="{FF2B5EF4-FFF2-40B4-BE49-F238E27FC236}">
+                <a16:creationId xmlns:a16="http://schemas.microsoft.com/office/drawing/2014/main" id="{D1D9BFFF-CE0C-9744-BFD8-B916649FC85D}"/>
+              </a:ext>
+            </a:extLst>
+          </p:cNvPr>
+          <p:cNvSpPr/>
+          <p:nvPr/>
+        </p:nvSpPr>
+        <p:spPr>
+          <a:xfrm>
+            <a:off x="683568" y="1406786"/>
+            <a:ext cx="1440160" cy="717959"/>
+          </a:xfrm>
+          <a:prstGeom prst="roundRect">
+            <a:avLst/>
+          </a:prstGeom>
+          <a:ln/>
+        </p:spPr>
+        <p:style>
+          <a:lnRef idx="1">
+            <a:schemeClr val="accent1"/>
+          </a:lnRef>
+          <a:fillRef idx="2">
+            <a:schemeClr val="accent1"/>
+          </a:fillRef>
+          <a:effectRef idx="1">
+            <a:schemeClr val="accent1"/>
+          </a:effectRef>
+          <a:fontRef idx="minor">
+            <a:schemeClr val="dk1"/>
+          </a:fontRef>
+        </p:style>
+        <p:txBody>
+          <a:bodyPr rtlCol="0" anchor="ctr"/>
+          <a:lstStyle/>
+          <a:p>
+            <a:pPr algn="ctr"/>
+            <a:r>
+              <a:rPr lang="en-VN" sz="1600" dirty="0">
+                <a:latin typeface="Georgia" panose="02040502050405020303" pitchFamily="18" charset="0"/>
+              </a:rPr>
+              <a:t>Source</a:t>
+            </a:r>
+          </a:p>
+        </p:txBody>
+      </p:sp>
+      <p:sp>
+        <p:nvSpPr>
+          <p:cNvPr id="15" name="Rounded Rectangle 14">
+            <a:extLst>
+              <a:ext uri="{FF2B5EF4-FFF2-40B4-BE49-F238E27FC236}">
+                <a16:creationId xmlns:a16="http://schemas.microsoft.com/office/drawing/2014/main" id="{B0716E57-3D88-EE48-81E9-E61192994A65}"/>
+              </a:ext>
+            </a:extLst>
+          </p:cNvPr>
+          <p:cNvSpPr/>
+          <p:nvPr/>
+        </p:nvSpPr>
+        <p:spPr>
+          <a:xfrm>
+            <a:off x="2411760" y="2297118"/>
+            <a:ext cx="1944216" cy="717959"/>
+          </a:xfrm>
+          <a:prstGeom prst="roundRect">
+            <a:avLst/>
+          </a:prstGeom>
+          <a:ln/>
+        </p:spPr>
+        <p:style>
+          <a:lnRef idx="1">
+            <a:schemeClr val="accent2"/>
+          </a:lnRef>
+          <a:fillRef idx="2">
+            <a:schemeClr val="accent2"/>
+          </a:fillRef>
+          <a:effectRef idx="1">
+            <a:schemeClr val="accent2"/>
+          </a:effectRef>
+          <a:fontRef idx="minor">
+            <a:schemeClr val="dk1"/>
+          </a:fontRef>
+        </p:style>
+        <p:txBody>
+          <a:bodyPr rtlCol="0" anchor="ctr"/>
+          <a:lstStyle/>
+          <a:p>
+            <a:pPr algn="ctr"/>
+            <a:r>
+              <a:rPr lang="en-VN" sz="1600" dirty="0">
+                <a:latin typeface="Georgia" panose="02040502050405020303" pitchFamily="18" charset="0"/>
+              </a:rPr>
+              <a:t>Transformation 1</a:t>
+            </a:r>
+            <a:endParaRPr lang="en-VN" sz="1400" dirty="0">
+              <a:latin typeface="Georgia" panose="02040502050405020303" pitchFamily="18" charset="0"/>
+            </a:endParaRPr>
+          </a:p>
+        </p:txBody>
+      </p:sp>
+      <p:sp>
+        <p:nvSpPr>
+          <p:cNvPr id="24" name="Rounded Rectangle 23">
+            <a:extLst>
+              <a:ext uri="{FF2B5EF4-FFF2-40B4-BE49-F238E27FC236}">
+                <a16:creationId xmlns:a16="http://schemas.microsoft.com/office/drawing/2014/main" id="{71A4F2AF-7ED4-1249-BA02-548D22EA4B58}"/>
+              </a:ext>
+            </a:extLst>
+          </p:cNvPr>
+          <p:cNvSpPr/>
+          <p:nvPr/>
+        </p:nvSpPr>
+        <p:spPr>
+          <a:xfrm>
+            <a:off x="4716016" y="3145532"/>
+            <a:ext cx="1944216" cy="717959"/>
+          </a:xfrm>
+          <a:prstGeom prst="roundRect">
+            <a:avLst/>
+          </a:prstGeom>
+          <a:ln/>
+        </p:spPr>
+        <p:style>
+          <a:lnRef idx="1">
+            <a:schemeClr val="accent2"/>
+          </a:lnRef>
+          <a:fillRef idx="2">
+            <a:schemeClr val="accent2"/>
+          </a:fillRef>
+          <a:effectRef idx="1">
+            <a:schemeClr val="accent2"/>
+          </a:effectRef>
+          <a:fontRef idx="minor">
+            <a:schemeClr val="dk1"/>
+          </a:fontRef>
+        </p:style>
+        <p:txBody>
+          <a:bodyPr rtlCol="0" anchor="ctr"/>
+          <a:lstStyle/>
+          <a:p>
+            <a:pPr algn="ctr"/>
+            <a:r>
+              <a:rPr lang="en-VN" sz="1600" dirty="0">
+                <a:latin typeface="Georgia" panose="02040502050405020303" pitchFamily="18" charset="0"/>
+              </a:rPr>
+              <a:t>Transformation N</a:t>
+            </a:r>
+            <a:endParaRPr lang="en-VN" sz="1400" dirty="0">
+              <a:latin typeface="Georgia" panose="02040502050405020303" pitchFamily="18" charset="0"/>
+            </a:endParaRPr>
+          </a:p>
+        </p:txBody>
+      </p:sp>
+      <p:sp>
+        <p:nvSpPr>
+          <p:cNvPr id="25" name="Rounded Rectangle 24">
+            <a:extLst>
+              <a:ext uri="{FF2B5EF4-FFF2-40B4-BE49-F238E27FC236}">
+                <a16:creationId xmlns:a16="http://schemas.microsoft.com/office/drawing/2014/main" id="{B31627E1-3180-BC41-8D6D-1D880F99FEC6}"/>
+              </a:ext>
+            </a:extLst>
+          </p:cNvPr>
+          <p:cNvSpPr/>
+          <p:nvPr/>
+        </p:nvSpPr>
+        <p:spPr>
+          <a:xfrm>
+            <a:off x="6954167" y="4035864"/>
+            <a:ext cx="1440160" cy="717959"/>
+          </a:xfrm>
+          <a:prstGeom prst="roundRect">
+            <a:avLst/>
+          </a:prstGeom>
+          <a:ln/>
+        </p:spPr>
+        <p:style>
+          <a:lnRef idx="1">
+            <a:schemeClr val="accent6"/>
+          </a:lnRef>
+          <a:fillRef idx="2">
+            <a:schemeClr val="accent6"/>
+          </a:fillRef>
+          <a:effectRef idx="1">
+            <a:schemeClr val="accent6"/>
+          </a:effectRef>
+          <a:fontRef idx="minor">
+            <a:schemeClr val="dk1"/>
+          </a:fontRef>
+        </p:style>
+        <p:txBody>
+          <a:bodyPr rtlCol="0" anchor="ctr"/>
+          <a:lstStyle/>
+          <a:p>
+            <a:pPr algn="ctr"/>
+            <a:r>
+              <a:rPr lang="en-VN" sz="1600" dirty="0">
+                <a:latin typeface="Georgia" panose="02040502050405020303" pitchFamily="18" charset="0"/>
+              </a:rPr>
+              <a:t>Sink</a:t>
+            </a:r>
+          </a:p>
+        </p:txBody>
+      </p:sp>
+      <p:cxnSp>
+        <p:nvCxnSpPr>
+          <p:cNvPr id="8" name="Straight Arrow Connector 7">
+            <a:extLst>
+              <a:ext uri="{FF2B5EF4-FFF2-40B4-BE49-F238E27FC236}">
+                <a16:creationId xmlns:a16="http://schemas.microsoft.com/office/drawing/2014/main" id="{418932F5-ED48-044F-B1CB-CEF3F9FA1ECA}"/>
+              </a:ext>
+            </a:extLst>
+          </p:cNvPr>
+          <p:cNvCxnSpPr/>
+          <p:nvPr/>
+        </p:nvCxnSpPr>
+        <p:spPr>
+          <a:xfrm>
+            <a:off x="2123728" y="2124745"/>
+            <a:ext cx="288032" cy="172373"/>
+          </a:xfrm>
+          <a:prstGeom prst="straightConnector1">
+            <a:avLst/>
+          </a:prstGeom>
+          <a:ln>
+            <a:tailEnd type="triangle"/>
+          </a:ln>
+        </p:spPr>
+        <p:style>
+          <a:lnRef idx="2">
+            <a:schemeClr val="dk1"/>
+          </a:lnRef>
+          <a:fillRef idx="0">
+            <a:schemeClr val="dk1"/>
+          </a:fillRef>
+          <a:effectRef idx="1">
+            <a:schemeClr val="dk1"/>
+          </a:effectRef>
+          <a:fontRef idx="minor">
+            <a:schemeClr val="tx1"/>
+          </a:fontRef>
+        </p:style>
+      </p:cxnSp>
+      <p:cxnSp>
+        <p:nvCxnSpPr>
+          <p:cNvPr id="13" name="Straight Arrow Connector 12">
+            <a:extLst>
+              <a:ext uri="{FF2B5EF4-FFF2-40B4-BE49-F238E27FC236}">
+                <a16:creationId xmlns:a16="http://schemas.microsoft.com/office/drawing/2014/main" id="{79BC7607-9DBA-C145-BF26-53AAF6397919}"/>
+              </a:ext>
+            </a:extLst>
+          </p:cNvPr>
+          <p:cNvCxnSpPr>
+            <a:cxnSpLocks/>
+          </p:cNvCxnSpPr>
+          <p:nvPr/>
+        </p:nvCxnSpPr>
+        <p:spPr>
+          <a:xfrm>
+            <a:off x="4393921" y="3015077"/>
+            <a:ext cx="250087" cy="129600"/>
+          </a:xfrm>
+          <a:prstGeom prst="straightConnector1">
+            <a:avLst/>
+          </a:prstGeom>
+          <a:ln w="9525" cap="flat" cmpd="sng" algn="ctr">
+            <a:solidFill>
+              <a:schemeClr val="dk1"/>
+            </a:solidFill>
+            <a:prstDash val="dash"/>
+            <a:round/>
+            <a:headEnd type="none" w="med" len="med"/>
+            <a:tailEnd type="none" w="med" len="med"/>
+          </a:ln>
+        </p:spPr>
+        <p:style>
+          <a:lnRef idx="0">
+            <a:scrgbClr r="0" g="0" b="0"/>
+          </a:lnRef>
+          <a:fillRef idx="0">
+            <a:scrgbClr r="0" g="0" b="0"/>
+          </a:fillRef>
+          <a:effectRef idx="0">
+            <a:scrgbClr r="0" g="0" b="0"/>
+          </a:effectRef>
+          <a:fontRef idx="minor">
+            <a:schemeClr val="tx1"/>
+          </a:fontRef>
+        </p:style>
+      </p:cxnSp>
+      <p:cxnSp>
+        <p:nvCxnSpPr>
+          <p:cNvPr id="28" name="Straight Arrow Connector 27">
+            <a:extLst>
+              <a:ext uri="{FF2B5EF4-FFF2-40B4-BE49-F238E27FC236}">
+                <a16:creationId xmlns:a16="http://schemas.microsoft.com/office/drawing/2014/main" id="{ECEFB69A-DA90-014C-8070-4F20F24C22E0}"/>
+              </a:ext>
+            </a:extLst>
+          </p:cNvPr>
+          <p:cNvCxnSpPr/>
+          <p:nvPr/>
+        </p:nvCxnSpPr>
+        <p:spPr>
+          <a:xfrm>
+            <a:off x="6660232" y="3863491"/>
+            <a:ext cx="288032" cy="172373"/>
+          </a:xfrm>
+          <a:prstGeom prst="straightConnector1">
+            <a:avLst/>
+          </a:prstGeom>
+          <a:ln>
+            <a:tailEnd type="triangle"/>
+          </a:ln>
+        </p:spPr>
+        <p:style>
+          <a:lnRef idx="2">
+            <a:schemeClr val="dk1"/>
+          </a:lnRef>
+          <a:fillRef idx="0">
+            <a:schemeClr val="dk1"/>
+          </a:fillRef>
+          <a:effectRef idx="1">
+            <a:schemeClr val="dk1"/>
+          </a:effectRef>
+          <a:fontRef idx="minor">
+            <a:schemeClr val="tx1"/>
+          </a:fontRef>
+        </p:style>
+      </p:cxnSp>
+      <p:sp>
+        <p:nvSpPr>
+          <p:cNvPr id="31" name="Rectangular Callout 30">
+            <a:extLst>
+              <a:ext uri="{FF2B5EF4-FFF2-40B4-BE49-F238E27FC236}">
+                <a16:creationId xmlns:a16="http://schemas.microsoft.com/office/drawing/2014/main" id="{918F8A3E-3DF6-8347-AB41-A93CC54D4DD9}"/>
+              </a:ext>
+            </a:extLst>
+          </p:cNvPr>
+          <p:cNvSpPr/>
+          <p:nvPr/>
+        </p:nvSpPr>
+        <p:spPr>
+          <a:xfrm>
+            <a:off x="4443674" y="1525528"/>
+            <a:ext cx="3368686" cy="793830"/>
+          </a:xfrm>
+          <a:prstGeom prst="wedgeRectCallout">
+            <a:avLst>
+              <a:gd name="adj1" fmla="val -51324"/>
+              <a:gd name="adj2" fmla="val 72399"/>
+            </a:avLst>
+          </a:prstGeom>
+          <a:ln/>
+        </p:spPr>
+        <p:style>
+          <a:lnRef idx="2">
+            <a:schemeClr val="accent4"/>
+          </a:lnRef>
+          <a:fillRef idx="1">
+            <a:schemeClr val="lt1"/>
+          </a:fillRef>
+          <a:effectRef idx="0">
+            <a:schemeClr val="accent4"/>
+          </a:effectRef>
+          <a:fontRef idx="minor">
+            <a:schemeClr val="dk1"/>
+          </a:fontRef>
+        </p:style>
+        <p:txBody>
+          <a:bodyPr rtlCol="0" anchor="ctr"/>
+          <a:lstStyle/>
+          <a:p>
+            <a:pPr algn="ctr"/>
+            <a:r>
+              <a:rPr lang="en-VN" sz="1400" dirty="0">
+                <a:latin typeface="Georgia" panose="02040502050405020303" pitchFamily="18" charset="0"/>
+              </a:rPr>
+              <a:t>Data Stream Transformation Functions: map, flatMap, filter, keyBy, recude, … *</a:t>
+            </a:r>
+          </a:p>
+        </p:txBody>
+      </p:sp>
+      <p:sp>
+        <p:nvSpPr>
+          <p:cNvPr id="32" name="TextBox 31">
+            <a:extLst>
+              <a:ext uri="{FF2B5EF4-FFF2-40B4-BE49-F238E27FC236}">
+                <a16:creationId xmlns:a16="http://schemas.microsoft.com/office/drawing/2014/main" id="{5429C756-0AC6-9A46-9872-F72C08D69F01}"/>
+              </a:ext>
+            </a:extLst>
+          </p:cNvPr>
+          <p:cNvSpPr txBox="1"/>
+          <p:nvPr/>
+        </p:nvSpPr>
+        <p:spPr>
+          <a:xfrm>
+            <a:off x="642733" y="4638461"/>
+            <a:ext cx="5482270" cy="184666"/>
+          </a:xfrm>
+          <a:prstGeom prst="rect">
+            <a:avLst/>
+          </a:prstGeom>
+          <a:noFill/>
+        </p:spPr>
+        <p:txBody>
+          <a:bodyPr wrap="none" lIns="0" tIns="0" rIns="0" bIns="0" rtlCol="0">
+            <a:spAutoFit/>
+          </a:bodyPr>
+          <a:lstStyle/>
+          <a:p>
+            <a:r>
+              <a:rPr lang="en-VN" sz="1200" dirty="0">
+                <a:latin typeface="Georgia" panose="02040502050405020303" pitchFamily="18" charset="0"/>
+              </a:rPr>
+              <a:t>* : </a:t>
+            </a:r>
+            <a:r>
+              <a:rPr lang="en-US" sz="1200" dirty="0">
+                <a:latin typeface="Georgia" panose="02040502050405020303" pitchFamily="18" charset="0"/>
+              </a:rPr>
+              <a:t>https://</a:t>
+            </a:r>
+            <a:r>
+              <a:rPr lang="en-US" sz="1200" dirty="0" err="1">
+                <a:latin typeface="Georgia" panose="02040502050405020303" pitchFamily="18" charset="0"/>
+              </a:rPr>
+              <a:t>ci.apache.org</a:t>
+            </a:r>
+            <a:r>
+              <a:rPr lang="en-US" sz="1200" dirty="0">
+                <a:latin typeface="Georgia" panose="02040502050405020303" pitchFamily="18" charset="0"/>
+              </a:rPr>
+              <a:t>/projects/</a:t>
+            </a:r>
+            <a:r>
+              <a:rPr lang="en-US" sz="1200" dirty="0" err="1">
+                <a:latin typeface="Georgia" panose="02040502050405020303" pitchFamily="18" charset="0"/>
+              </a:rPr>
+              <a:t>flink</a:t>
+            </a:r>
+            <a:r>
+              <a:rPr lang="en-US" sz="1200" dirty="0">
+                <a:latin typeface="Georgia" panose="02040502050405020303" pitchFamily="18" charset="0"/>
+              </a:rPr>
+              <a:t>/</a:t>
+            </a:r>
+            <a:r>
+              <a:rPr lang="en-US" sz="1200" dirty="0" err="1">
+                <a:latin typeface="Georgia" panose="02040502050405020303" pitchFamily="18" charset="0"/>
+              </a:rPr>
+              <a:t>flink</a:t>
+            </a:r>
+            <a:r>
+              <a:rPr lang="en-US" sz="1200" dirty="0">
+                <a:latin typeface="Georgia" panose="02040502050405020303" pitchFamily="18" charset="0"/>
+              </a:rPr>
+              <a:t>-docs-stable/dev/stream/operators/</a:t>
+            </a:r>
+            <a:endParaRPr lang="en-VN" sz="1200" dirty="0">
+              <a:latin typeface="Georgia" panose="02040502050405020303" pitchFamily="18" charset="0"/>
+            </a:endParaRPr>
+          </a:p>
+        </p:txBody>
+      </p:sp>
+      <p:sp>
+        <p:nvSpPr>
+          <p:cNvPr id="7" name="TextBox 6">
+            <a:extLst>
+              <a:ext uri="{FF2B5EF4-FFF2-40B4-BE49-F238E27FC236}">
+                <a16:creationId xmlns:a16="http://schemas.microsoft.com/office/drawing/2014/main" id="{8DA7824C-499B-B345-8A05-D51C89928039}"/>
+              </a:ext>
+            </a:extLst>
+          </p:cNvPr>
+          <p:cNvSpPr txBox="1"/>
+          <p:nvPr/>
+        </p:nvSpPr>
+        <p:spPr>
+          <a:xfrm>
+            <a:off x="642733" y="3841250"/>
+            <a:ext cx="3946593" cy="553998"/>
+          </a:xfrm>
+          <a:prstGeom prst="rect">
+            <a:avLst/>
+          </a:prstGeom>
+          <a:noFill/>
+        </p:spPr>
+        <p:txBody>
+          <a:bodyPr wrap="none" lIns="0" tIns="0" rIns="0" bIns="0" rtlCol="0" anchor="t">
+            <a:spAutoFit/>
+          </a:bodyPr>
+          <a:lstStyle/>
+          <a:p>
+            <a:r>
+              <a:rPr lang="en-VN" dirty="0">
+                <a:latin typeface="Georgia"/>
+                <a:ea typeface="ＭＳ Ｐゴシック"/>
+              </a:rPr>
+              <a:t>Scalable components</a:t>
+            </a:r>
+            <a:endParaRPr lang="en-US" dirty="0">
+              <a:latin typeface="Georgia"/>
+              <a:ea typeface="ＭＳ Ｐゴシック"/>
+            </a:endParaRPr>
+          </a:p>
+          <a:p>
+            <a:r>
+              <a:rPr lang="en-US" dirty="0">
+                <a:latin typeface="Georgia"/>
+                <a:ea typeface="ＭＳ Ｐゴシック"/>
+              </a:rPr>
+              <a:t>E.</a:t>
+            </a:r>
+            <a:r>
+              <a:rPr lang="en-VN" dirty="0">
+                <a:latin typeface="Georgia"/>
+                <a:ea typeface="ＭＳ Ｐゴシック"/>
+              </a:rPr>
+              <a:t>g, DataStream.</a:t>
+            </a:r>
+            <a:r>
+              <a:rPr lang="en-US" i="1" dirty="0">
+                <a:latin typeface="Georgia"/>
+                <a:ea typeface="ＭＳ Ｐゴシック"/>
+              </a:rPr>
+              <a:t>setParallelism(num);</a:t>
+            </a:r>
+            <a:endParaRPr lang="en-VN" dirty="0">
+              <a:latin typeface="Georgia"/>
+              <a:ea typeface="ＭＳ Ｐゴシック"/>
+            </a:endParaRPr>
+          </a:p>
+        </p:txBody>
+      </p:sp>
+      <p:cxnSp>
+        <p:nvCxnSpPr>
+          <p:cNvPr id="10" name="Straight Arrow Connector 9">
+            <a:extLst>
+              <a:ext uri="{FF2B5EF4-FFF2-40B4-BE49-F238E27FC236}">
+                <a16:creationId xmlns:a16="http://schemas.microsoft.com/office/drawing/2014/main" id="{C9D2016C-CB0F-E344-A636-28A88B7E8D68}"/>
+              </a:ext>
+            </a:extLst>
+          </p:cNvPr>
+          <p:cNvCxnSpPr/>
+          <p:nvPr/>
+        </p:nvCxnSpPr>
+        <p:spPr>
+          <a:xfrm flipV="1">
+            <a:off x="1259632" y="2319358"/>
+            <a:ext cx="0" cy="1185153"/>
+          </a:xfrm>
+          <a:prstGeom prst="straightConnector1">
+            <a:avLst/>
+          </a:prstGeom>
+          <a:ln w="12700">
+            <a:prstDash val="dash"/>
+            <a:tailEnd type="triangle"/>
+          </a:ln>
+        </p:spPr>
+        <p:style>
+          <a:lnRef idx="2">
+            <a:schemeClr val="dk1"/>
+          </a:lnRef>
+          <a:fillRef idx="0">
+            <a:schemeClr val="dk1"/>
+          </a:fillRef>
+          <a:effectRef idx="1">
+            <a:schemeClr val="dk1"/>
+          </a:effectRef>
+          <a:fontRef idx="minor">
+            <a:schemeClr val="tx1"/>
+          </a:fontRef>
+        </p:style>
+      </p:cxnSp>
+      <p:cxnSp>
+        <p:nvCxnSpPr>
+          <p:cNvPr id="14" name="Straight Arrow Connector 13">
+            <a:extLst>
+              <a:ext uri="{FF2B5EF4-FFF2-40B4-BE49-F238E27FC236}">
+                <a16:creationId xmlns:a16="http://schemas.microsoft.com/office/drawing/2014/main" id="{2142A408-8E30-B249-B38A-D6444933FA31}"/>
+              </a:ext>
+            </a:extLst>
+          </p:cNvPr>
+          <p:cNvCxnSpPr/>
+          <p:nvPr/>
+        </p:nvCxnSpPr>
+        <p:spPr>
+          <a:xfrm flipV="1">
+            <a:off x="2267744" y="3144677"/>
+            <a:ext cx="288032" cy="359834"/>
+          </a:xfrm>
+          <a:prstGeom prst="straightConnector1">
+            <a:avLst/>
+          </a:prstGeom>
+          <a:ln w="12700">
+            <a:prstDash val="dash"/>
+            <a:tailEnd type="triangle"/>
+          </a:ln>
+        </p:spPr>
+        <p:style>
+          <a:lnRef idx="2">
+            <a:schemeClr val="dk1"/>
+          </a:lnRef>
+          <a:fillRef idx="0">
+            <a:schemeClr val="dk1"/>
+          </a:fillRef>
+          <a:effectRef idx="1">
+            <a:schemeClr val="dk1"/>
+          </a:effectRef>
+          <a:fontRef idx="minor">
+            <a:schemeClr val="tx1"/>
+          </a:fontRef>
+        </p:style>
+      </p:cxnSp>
+      <p:cxnSp>
+        <p:nvCxnSpPr>
+          <p:cNvPr id="17" name="Straight Arrow Connector 16">
+            <a:extLst>
+              <a:ext uri="{FF2B5EF4-FFF2-40B4-BE49-F238E27FC236}">
+                <a16:creationId xmlns:a16="http://schemas.microsoft.com/office/drawing/2014/main" id="{707404D8-C8C9-2645-A9B2-554044CBFBC2}"/>
+              </a:ext>
+            </a:extLst>
+          </p:cNvPr>
+          <p:cNvCxnSpPr/>
+          <p:nvPr/>
+        </p:nvCxnSpPr>
+        <p:spPr>
+          <a:xfrm flipV="1">
+            <a:off x="4443674" y="3863491"/>
+            <a:ext cx="200334" cy="172373"/>
+          </a:xfrm>
+          <a:prstGeom prst="straightConnector1">
+            <a:avLst/>
+          </a:prstGeom>
+          <a:ln w="12700">
+            <a:prstDash val="dash"/>
+            <a:tailEnd type="triangle"/>
+          </a:ln>
+        </p:spPr>
+        <p:style>
+          <a:lnRef idx="2">
+            <a:schemeClr val="dk1"/>
+          </a:lnRef>
+          <a:fillRef idx="0">
+            <a:schemeClr val="dk1"/>
+          </a:fillRef>
+          <a:effectRef idx="1">
+            <a:schemeClr val="dk1"/>
+          </a:effectRef>
+          <a:fontRef idx="minor">
+            <a:schemeClr val="tx1"/>
+          </a:fontRef>
+        </p:style>
+      </p:cxnSp>
+      <p:cxnSp>
+        <p:nvCxnSpPr>
+          <p:cNvPr id="19" name="Straight Arrow Connector 18">
+            <a:extLst>
+              <a:ext uri="{FF2B5EF4-FFF2-40B4-BE49-F238E27FC236}">
+                <a16:creationId xmlns:a16="http://schemas.microsoft.com/office/drawing/2014/main" id="{26B9C2FC-BD5D-E24C-A499-71CC1637619D}"/>
+              </a:ext>
+            </a:extLst>
+          </p:cNvPr>
+          <p:cNvCxnSpPr/>
+          <p:nvPr/>
+        </p:nvCxnSpPr>
+        <p:spPr>
+          <a:xfrm flipV="1">
+            <a:off x="4756428" y="4331228"/>
+            <a:ext cx="2057652" cy="0"/>
+          </a:xfrm>
+          <a:prstGeom prst="straightConnector1">
+            <a:avLst/>
+          </a:prstGeom>
+          <a:ln w="12700">
+            <a:prstDash val="dash"/>
+            <a:tailEnd type="triangle"/>
+          </a:ln>
+        </p:spPr>
+        <p:style>
+          <a:lnRef idx="2">
+            <a:schemeClr val="dk1"/>
+          </a:lnRef>
+          <a:fillRef idx="0">
+            <a:schemeClr val="dk1"/>
+          </a:fillRef>
+          <a:effectRef idx="1">
+            <a:schemeClr val="dk1"/>
+          </a:effectRef>
+          <a:fontRef idx="minor">
+            <a:schemeClr val="tx1"/>
+          </a:fontRef>
+        </p:style>
+      </p:cxnSp>
+    </p:spTree>
+    <p:extLst>
+      <p:ext uri="{BB962C8B-B14F-4D97-AF65-F5344CB8AC3E}">
+        <p14:creationId xmlns:p14="http://schemas.microsoft.com/office/powerpoint/2010/main" val="2874690502"/>
+      </p:ext>
+    </p:extLst>
+  </p:cSld>
+  <p:clrMapOvr>
+    <a:masterClrMapping/>
+  </p:clrMapOvr>
+</p:sld>
+</file>
+
+<file path=ppt/slides/slide8.xml><?xml version="1.0" encoding="utf-8"?>
+<p:sld xmlns:a="http://schemas.openxmlformats.org/drawingml/2006/main" xmlns:r="http://schemas.openxmlformats.org/officeDocument/2006/relationships" xmlns:p="http://schemas.openxmlformats.org/presentationml/2006/main">
+  <p:cSld>
+    <p:spTree>
+      <p:nvGrpSpPr>
+        <p:cNvPr id="1" name=""/>
+        <p:cNvGrpSpPr/>
+        <p:nvPr/>
+      </p:nvGrpSpPr>
+      <p:grpSpPr>
+        <a:xfrm>
+          <a:off x="0" y="0"/>
+          <a:ext cx="0" cy="0"/>
+          <a:chOff x="0" y="0"/>
+          <a:chExt cx="0" cy="0"/>
+        </a:xfrm>
+      </p:grpSpPr>
+      <p:sp>
+        <p:nvSpPr>
+          <p:cNvPr id="5" name="Title 4">
+            <a:extLst>
+              <a:ext uri="{FF2B5EF4-FFF2-40B4-BE49-F238E27FC236}">
+                <a16:creationId xmlns:a16="http://schemas.microsoft.com/office/drawing/2014/main" id="{D6C3EA07-F7CA-40AB-8D0A-FD1120628B70}"/>
+              </a:ext>
+            </a:extLst>
+          </p:cNvPr>
+          <p:cNvSpPr>
+            <a:spLocks noGrp="1"/>
+          </p:cNvSpPr>
+          <p:nvPr>
+            <p:ph type="ctrTitle"/>
+          </p:nvPr>
+        </p:nvSpPr>
+        <p:spPr/>
+        <p:txBody>
+          <a:bodyPr/>
+          <a:lstStyle/>
+          <a:p>
+            <a:r>
+              <a:rPr lang="en-US" dirty="0">
+                <a:ea typeface="ＭＳ Ｐゴシック"/>
+              </a:rPr>
+              <a:t>Streaming Analytics using Apache </a:t>
+            </a:r>
+            <a:r>
+              <a:rPr lang="en-US" dirty="0" err="1">
+                <a:ea typeface="ＭＳ Ｐゴシック"/>
+              </a:rPr>
+              <a:t>Flink</a:t>
+            </a:r>
+            <a:endParaRPr lang="en-US" dirty="0">
+              <a:ea typeface="ＭＳ Ｐゴシック"/>
+            </a:endParaRPr>
+          </a:p>
+        </p:txBody>
+      </p:sp>
+      <p:sp>
+        <p:nvSpPr>
+          <p:cNvPr id="6" name="Content Placeholder 5">
+            <a:extLst>
+              <a:ext uri="{FF2B5EF4-FFF2-40B4-BE49-F238E27FC236}">
+                <a16:creationId xmlns:a16="http://schemas.microsoft.com/office/drawing/2014/main" id="{374EC1ED-20F3-4F3E-8099-86F15B5766B0}"/>
+              </a:ext>
+            </a:extLst>
+          </p:cNvPr>
+          <p:cNvSpPr>
+            <a:spLocks noGrp="1"/>
+          </p:cNvSpPr>
+          <p:nvPr>
+            <p:ph sz="quarter" idx="14"/>
+          </p:nvPr>
+        </p:nvSpPr>
+        <p:spPr>
+          <a:xfrm>
+            <a:off x="434250" y="769268"/>
+            <a:ext cx="8207374" cy="443761"/>
+          </a:xfrm>
+        </p:spPr>
+        <p:txBody>
+          <a:bodyPr vert="horz" lIns="0" tIns="0" rIns="0" bIns="0" anchor="t"/>
+          <a:lstStyle/>
+          <a:p>
+            <a:pPr marL="342900" indent="-342900">
+              <a:buFont typeface="Wingdings" panose="05000000000000000000" pitchFamily="2" charset="2"/>
+              <a:buChar char="§"/>
+            </a:pPr>
+            <a:r>
+              <a:rPr lang="en-US" dirty="0"/>
+              <a:t>Processing in </a:t>
+            </a:r>
+            <a:r>
+              <a:rPr lang="en-US" dirty="0" err="1"/>
+              <a:t>Flink</a:t>
+            </a:r>
+            <a:endParaRPr lang="en-US" dirty="0"/>
+          </a:p>
+        </p:txBody>
+      </p:sp>
+      <p:sp>
+        <p:nvSpPr>
+          <p:cNvPr id="2" name="Date Placeholder 1">
+            <a:extLst>
+              <a:ext uri="{FF2B5EF4-FFF2-40B4-BE49-F238E27FC236}">
+                <a16:creationId xmlns:a16="http://schemas.microsoft.com/office/drawing/2014/main" id="{113C3E73-B9A5-413B-B003-7B63281E0B27}"/>
+              </a:ext>
+            </a:extLst>
+          </p:cNvPr>
+          <p:cNvSpPr>
+            <a:spLocks noGrp="1"/>
+          </p:cNvSpPr>
+          <p:nvPr>
+            <p:ph type="dt" sz="half" idx="15"/>
+          </p:nvPr>
+        </p:nvSpPr>
+        <p:spPr/>
+        <p:txBody>
+          <a:bodyPr/>
+          <a:lstStyle/>
+          <a:p>
+            <a:pPr>
+              <a:defRPr/>
+            </a:pPr>
+            <a:fld id="{3C4C6E3F-5E3C-4FBD-BF9E-3C26CFB1E59A}" type="datetime1">
+              <a:rPr lang="en-US" smtClean="0"/>
+              <a:t>3/14/2021</a:t>
+            </a:fld>
+            <a:endParaRPr lang="fi-FI"/>
+          </a:p>
+        </p:txBody>
+      </p:sp>
+      <p:sp>
+        <p:nvSpPr>
+          <p:cNvPr id="3" name="Footer Placeholder 2">
+            <a:extLst>
+              <a:ext uri="{FF2B5EF4-FFF2-40B4-BE49-F238E27FC236}">
+                <a16:creationId xmlns:a16="http://schemas.microsoft.com/office/drawing/2014/main" id="{C7CE5695-DD08-4B94-9ECE-BB5AE65A73FF}"/>
+              </a:ext>
+            </a:extLst>
+          </p:cNvPr>
+          <p:cNvSpPr>
+            <a:spLocks noGrp="1"/>
+          </p:cNvSpPr>
+          <p:nvPr>
+            <p:ph type="ftr" sz="quarter" idx="16"/>
+          </p:nvPr>
+        </p:nvSpPr>
+        <p:spPr/>
+        <p:txBody>
+          <a:bodyPr/>
+          <a:lstStyle/>
+          <a:p>
+            <a:pPr>
+              <a:defRPr/>
+            </a:pPr>
+            <a:r>
+              <a:rPr lang="en-US"/>
+              <a:t>CS-E4640 Big Data Platforms, @CSAalto</a:t>
+            </a:r>
+            <a:endParaRPr lang="fi-FI"/>
+          </a:p>
+        </p:txBody>
+      </p:sp>
+      <p:sp>
+        <p:nvSpPr>
+          <p:cNvPr id="4" name="Slide Number Placeholder 3">
+            <a:extLst>
+              <a:ext uri="{FF2B5EF4-FFF2-40B4-BE49-F238E27FC236}">
+                <a16:creationId xmlns:a16="http://schemas.microsoft.com/office/drawing/2014/main" id="{176783F1-8274-4F18-B6C5-CDB369C14CD7}"/>
+              </a:ext>
+            </a:extLst>
+          </p:cNvPr>
+          <p:cNvSpPr>
+            <a:spLocks noGrp="1"/>
+          </p:cNvSpPr>
+          <p:nvPr>
+            <p:ph type="sldNum" sz="quarter" idx="17"/>
+          </p:nvPr>
+        </p:nvSpPr>
+        <p:spPr/>
+        <p:txBody>
+          <a:bodyPr/>
+          <a:lstStyle/>
+          <a:p>
+            <a:pPr>
+              <a:defRPr/>
+            </a:pPr>
+            <a:fld id="{49EFD4B7-1CC6-864B-A72A-C978B70BBA9B}" type="slidenum">
+              <a:rPr lang="fi-FI" smtClean="0"/>
+              <a:pPr>
+                <a:defRPr/>
+              </a:pPr>
+              <a:t>8</a:t>
+            </a:fld>
+            <a:endParaRPr lang="fi-FI" dirty="0"/>
+          </a:p>
+        </p:txBody>
+      </p:sp>
+      <p:sp>
+        <p:nvSpPr>
+          <p:cNvPr id="32" name="TextBox 31">
+            <a:extLst>
+              <a:ext uri="{FF2B5EF4-FFF2-40B4-BE49-F238E27FC236}">
+                <a16:creationId xmlns:a16="http://schemas.microsoft.com/office/drawing/2014/main" id="{0F9BCFBF-2D5D-E34E-A26D-8EF4FCDD4816}"/>
+              </a:ext>
+            </a:extLst>
+          </p:cNvPr>
+          <p:cNvSpPr txBox="1"/>
+          <p:nvPr/>
+        </p:nvSpPr>
+        <p:spPr>
+          <a:xfrm>
+            <a:off x="670147" y="1057300"/>
+            <a:ext cx="7803706" cy="365036"/>
+          </a:xfrm>
+          <a:prstGeom prst="rect">
+            <a:avLst/>
+          </a:prstGeom>
+          <a:noFill/>
+        </p:spPr>
+        <p:txBody>
+          <a:bodyPr wrap="square" lIns="0" tIns="0" rIns="0" bIns="0" rtlCol="0">
+            <a:spAutoFit/>
+          </a:bodyPr>
+          <a:lstStyle/>
+          <a:p>
+            <a:pPr>
+              <a:lnSpc>
+                <a:spcPct val="150000"/>
+              </a:lnSpc>
+            </a:pPr>
+            <a:r>
+              <a:rPr lang="en-VN" dirty="0">
+                <a:latin typeface="Georgia" panose="02040502050405020303" pitchFamily="18" charset="0"/>
+              </a:rPr>
+              <a:t>How can we deal with a huge amount of coming data?</a:t>
+            </a:r>
+          </a:p>
+        </p:txBody>
+      </p:sp>
+      <p:pic>
+        <p:nvPicPr>
+          <p:cNvPr id="30" name="Picture 29" descr="Diagram&#10;&#10;Description automatically generated">
+            <a:extLst>
+              <a:ext uri="{FF2B5EF4-FFF2-40B4-BE49-F238E27FC236}">
+                <a16:creationId xmlns:a16="http://schemas.microsoft.com/office/drawing/2014/main" id="{847C632B-276A-1948-B58F-05015316A0D0}"/>
+              </a:ext>
+            </a:extLst>
+          </p:cNvPr>
+          <p:cNvPicPr>
+            <a:picLocks noChangeAspect="1"/>
+          </p:cNvPicPr>
+          <p:nvPr/>
+        </p:nvPicPr>
+        <p:blipFill rotWithShape="1">
+          <a:blip r:embed="rId2"/>
+          <a:srcRect t="7793" r="2378" b="4979"/>
+          <a:stretch/>
+        </p:blipFill>
+        <p:spPr>
+          <a:xfrm>
+            <a:off x="395536" y="1417340"/>
+            <a:ext cx="8442141" cy="2770861"/>
+          </a:xfrm>
+          <a:prstGeom prst="rect">
+            <a:avLst/>
+          </a:prstGeom>
+        </p:spPr>
+      </p:pic>
+      <p:sp>
+        <p:nvSpPr>
+          <p:cNvPr id="31" name="TextBox 30">
+            <a:extLst>
+              <a:ext uri="{FF2B5EF4-FFF2-40B4-BE49-F238E27FC236}">
+                <a16:creationId xmlns:a16="http://schemas.microsoft.com/office/drawing/2014/main" id="{86625690-33E4-084B-BAED-8F03D70A6E8C}"/>
+              </a:ext>
+            </a:extLst>
+          </p:cNvPr>
+          <p:cNvSpPr txBox="1"/>
+          <p:nvPr/>
+        </p:nvSpPr>
+        <p:spPr>
+          <a:xfrm>
+            <a:off x="636084" y="4009628"/>
+            <a:ext cx="7803706" cy="780535"/>
+          </a:xfrm>
+          <a:prstGeom prst="rect">
+            <a:avLst/>
+          </a:prstGeom>
+          <a:noFill/>
+        </p:spPr>
+        <p:txBody>
+          <a:bodyPr wrap="square" lIns="0" tIns="0" rIns="0" bIns="0" rtlCol="0">
+            <a:spAutoFit/>
+          </a:bodyPr>
+          <a:lstStyle/>
+          <a:p>
+            <a:pPr marL="285750" indent="-285750">
+              <a:lnSpc>
+                <a:spcPct val="150000"/>
+              </a:lnSpc>
+              <a:buFont typeface="Wingdings" pitchFamily="2" charset="2"/>
+              <a:buChar char="Ø"/>
+            </a:pPr>
+            <a:r>
+              <a:rPr lang="en-US" dirty="0">
+                <a:latin typeface="Georgia" panose="02040502050405020303" pitchFamily="18" charset="0"/>
+              </a:rPr>
+              <a:t>Scaling </a:t>
+            </a:r>
+            <a:r>
+              <a:rPr lang="en-US" i="1" dirty="0">
+                <a:latin typeface="Georgia" panose="02040502050405020303" pitchFamily="18" charset="0"/>
+              </a:rPr>
+              <a:t>data source </a:t>
+            </a:r>
+            <a:r>
+              <a:rPr lang="en-US" dirty="0">
+                <a:latin typeface="Georgia" panose="02040502050405020303" pitchFamily="18" charset="0"/>
+              </a:rPr>
+              <a:t>component</a:t>
+            </a:r>
+          </a:p>
+          <a:p>
+            <a:pPr>
+              <a:lnSpc>
+                <a:spcPct val="150000"/>
+              </a:lnSpc>
+            </a:pPr>
+            <a:r>
+              <a:rPr lang="en-US" dirty="0">
+                <a:latin typeface="Georgia" panose="02040502050405020303" pitchFamily="18" charset="0"/>
+              </a:rPr>
+              <a:t>How about other components? When they need to be scaled?</a:t>
+            </a:r>
+            <a:endParaRPr lang="en-VN" dirty="0">
+              <a:latin typeface="Georgia" panose="02040502050405020303" pitchFamily="18" charset="0"/>
+            </a:endParaRPr>
+          </a:p>
+        </p:txBody>
+      </p:sp>
+    </p:spTree>
+    <p:extLst>
+      <p:ext uri="{BB962C8B-B14F-4D97-AF65-F5344CB8AC3E}">
+        <p14:creationId xmlns:p14="http://schemas.microsoft.com/office/powerpoint/2010/main" val="9534053"/>
+      </p:ext>
+    </p:extLst>
+  </p:cSld>
+  <p:clrMapOvr>
+    <a:masterClrMapping/>
+  </p:clrMapOvr>
+</p:sld>
+</file>
+
+<file path=ppt/slides/slide9.xml><?xml version="1.0" encoding="utf-8"?>
 <p:sld xmlns:a="http://schemas.openxmlformats.org/drawingml/2006/main" xmlns:r="http://schemas.openxmlformats.org/officeDocument/2006/relationships" xmlns:p="http://schemas.openxmlformats.org/presentationml/2006/main">
   <p:cSld>
     <p:spTree>
@@ -7739,7 +13564,7 @@
               </a:rPr>
               <a:t>https://version.aalto.fi/gitlab/bigdataplatforms/cs-e4640</a:t>
             </a:r>
-            <a:endParaRPr lang="en-US" sz="2000">
+            <a:endParaRPr lang="en-US" sz="2000" dirty="0">
               <a:solidFill>
                 <a:srgbClr val="2E3835"/>
               </a:solidFill>
@@ -7783,9 +13608,61 @@
               </a:rPr>
               <a:t> </a:t>
             </a:r>
-            <a:endParaRPr lang="en-US" sz="1900">
-              <a:cs typeface="Arial"/>
-            </a:endParaRPr>
+          </a:p>
+          <a:p>
+            <a:pPr marL="580390" lvl="1" indent="-342900">
+              <a:buFont typeface="Wingdings" panose="05000000000000000000" pitchFamily="2" charset="2"/>
+              <a:buChar char="§"/>
+            </a:pPr>
+            <a:r>
+              <a:rPr lang="en-US" sz="1900" dirty="0">
+                <a:ea typeface="MS PGothic"/>
+                <a:cs typeface="Arial"/>
+              </a:rPr>
+              <a:t>https://</a:t>
+            </a:r>
+            <a:r>
+              <a:rPr lang="en-US" sz="1900" dirty="0" err="1">
+                <a:ea typeface="MS PGothic"/>
+                <a:cs typeface="Arial"/>
+              </a:rPr>
+              <a:t>ci.apache.org</a:t>
+            </a:r>
+            <a:r>
+              <a:rPr lang="en-US" sz="1900" dirty="0">
+                <a:ea typeface="MS PGothic"/>
+                <a:cs typeface="Arial"/>
+              </a:rPr>
+              <a:t>/projects/</a:t>
+            </a:r>
+            <a:r>
+              <a:rPr lang="en-US" sz="1900" dirty="0" err="1">
+                <a:ea typeface="MS PGothic"/>
+                <a:cs typeface="Arial"/>
+              </a:rPr>
+              <a:t>flink</a:t>
+            </a:r>
+            <a:r>
+              <a:rPr lang="en-US" sz="1900" dirty="0">
+                <a:ea typeface="MS PGothic"/>
+                <a:cs typeface="Arial"/>
+              </a:rPr>
+              <a:t>/</a:t>
+            </a:r>
+            <a:r>
+              <a:rPr lang="en-US" sz="1900" dirty="0" err="1">
+                <a:ea typeface="MS PGothic"/>
+                <a:cs typeface="Arial"/>
+              </a:rPr>
+              <a:t>flink</a:t>
+            </a:r>
+            <a:r>
+              <a:rPr lang="en-US" sz="1900" dirty="0">
+                <a:ea typeface="MS PGothic"/>
+                <a:cs typeface="Arial"/>
+              </a:rPr>
+              <a:t>-docs-stable/dev/stream/operators/</a:t>
+            </a:r>
           </a:p>
         </p:txBody>
       </p:sp>
@@ -9601,6 +15478,12 @@
 </file>
 
 <file path=customXml/item1.xml><?xml version="1.0" encoding="utf-8"?>
+<p:properties xmlns:p="http://schemas.microsoft.com/office/2006/metadata/properties" xmlns:xsi="http://www.w3.org/2001/XMLSchema-instance" xmlns:pc="http://schemas.microsoft.com/office/infopath/2007/PartnerControls">
+  <documentManagement/>
+</p:properties>
+</file>
+
+<file path=customXml/item2.xml><?xml version="1.0" encoding="utf-8"?>
 <?mso-contentType ?>
 <FormTemplates xmlns="http://schemas.microsoft.com/sharepoint/v3/contenttype/forms">
   <Display>DocumentLibraryForm</Display>
@@ -9609,10 +15492,10 @@
 </FormTemplates>
 </file>
 
-<file path=customXml/item2.xml><?xml version="1.0" encoding="utf-8"?>
-<ct:contentTypeSchema xmlns:ct="http://schemas.microsoft.com/office/2006/metadata/contentType" xmlns:ma="http://schemas.microsoft.com/office/2006/metadata/properties/metaAttributes" ct:_="" ma:_="" ma:contentTypeName="Document" ma:contentTypeID="0x0101006523EA1AF0E15C4DB68A1D82EBFA9549" ma:contentTypeVersion="2" ma:contentTypeDescription="Create a new document." ma:contentTypeScope="" ma:versionID="96a78d1c21ae7f4371328c11a056daf7">
-  <xsd:schema xmlns:xsd="http://www.w3.org/2001/XMLSchema" xmlns:xs="http://www.w3.org/2001/XMLSchema" xmlns:p="http://schemas.microsoft.com/office/2006/metadata/properties" xmlns:ns2="ad7b8670-7f87-4618-b40f-04c61d7a76f8" targetNamespace="http://schemas.microsoft.com/office/2006/metadata/properties" ma:root="true" ma:fieldsID="cb427bea32c17664500365e2a84b4074" ns2:_="">
-    <xsd:import namespace="ad7b8670-7f87-4618-b40f-04c61d7a76f8"/>
+<file path=customXml/item3.xml><?xml version="1.0" encoding="utf-8"?>
+<ct:contentTypeSchema xmlns:ct="http://schemas.microsoft.com/office/2006/metadata/contentType" xmlns:ma="http://schemas.microsoft.com/office/2006/metadata/properties/metaAttributes" ct:_="" ma:_="" ma:contentTypeName="Document" ma:contentTypeID="0x010100A1A10034A7E432419E146619481D147D" ma:contentTypeVersion="6" ma:contentTypeDescription="Create a new document." ma:contentTypeScope="" ma:versionID="9c4d5df1780d782f5a6e9ec7eb8fba84">
+  <xsd:schema xmlns:xsd="http://www.w3.org/2001/XMLSchema" xmlns:xs="http://www.w3.org/2001/XMLSchema" xmlns:p="http://schemas.microsoft.com/office/2006/metadata/properties" xmlns:ns2="119012ce-a113-4822-82de-edc1aa49a2f1" targetNamespace="http://schemas.microsoft.com/office/2006/metadata/properties" ma:root="true" ma:fieldsID="44f40ffded1027140c99581fe7698df4" ns2:_="">
+    <xsd:import namespace="119012ce-a113-4822-82de-edc1aa49a2f1"/>
     <xsd:element name="properties">
       <xsd:complexType>
         <xsd:sequence>
@@ -9621,6 +15504,10 @@
               <xsd:all>
                 <xsd:element ref="ns2:MediaServiceMetadata" minOccurs="0"/>
                 <xsd:element ref="ns2:MediaServiceFastMetadata" minOccurs="0"/>
+                <xsd:element ref="ns2:MediaServiceAutoTags" minOccurs="0"/>
+                <xsd:element ref="ns2:MediaServiceOCR" minOccurs="0"/>
+                <xsd:element ref="ns2:MediaServiceGenerationTime" minOccurs="0"/>
+                <xsd:element ref="ns2:MediaServiceEventHashCode" minOccurs="0"/>
               </xsd:all>
             </xsd:complexType>
           </xsd:element>
@@ -9628,7 +15515,7 @@
       </xsd:complexType>
     </xsd:element>
   </xsd:schema>
-  <xsd:schema xmlns:xsd="http://www.w3.org/2001/XMLSchema" xmlns:xs="http://www.w3.org/2001/XMLSchema" xmlns:dms="http://schemas.microsoft.com/office/2006/documentManagement/types" xmlns:pc="http://schemas.microsoft.com/office/infopath/2007/PartnerControls" targetNamespace="ad7b8670-7f87-4618-b40f-04c61d7a76f8" elementFormDefault="qualified">
+  <xsd:schema xmlns:xsd="http://www.w3.org/2001/XMLSchema" xmlns:xs="http://www.w3.org/2001/XMLSchema" xmlns:dms="http://schemas.microsoft.com/office/2006/documentManagement/types" xmlns:pc="http://schemas.microsoft.com/office/infopath/2007/PartnerControls" targetNamespace="119012ce-a113-4822-82de-edc1aa49a2f1" elementFormDefault="qualified">
     <xsd:import namespace="http://schemas.microsoft.com/office/2006/documentManagement/types"/>
     <xsd:import namespace="http://schemas.microsoft.com/office/infopath/2007/PartnerControls"/>
     <xsd:element name="MediaServiceMetadata" ma:index="8" nillable="true" ma:displayName="MediaServiceMetadata" ma:hidden="true" ma:internalName="MediaServiceMetadata" ma:readOnly="true">
@@ -9639,6 +15526,28 @@
     <xsd:element name="MediaServiceFastMetadata" ma:index="9" nillable="true" ma:displayName="MediaServiceFastMetadata" ma:hidden="true" ma:internalName="MediaServiceFastMetadata" ma:readOnly="true">
       <xsd:simpleType>
         <xsd:restriction base="dms:Note"/>
+      </xsd:simpleType>
+    </xsd:element>
+    <xsd:element name="MediaServiceAutoTags" ma:index="10" nillable="true" ma:displayName="Tags" ma:internalName="MediaServiceAutoTags" ma:readOnly="true">
+      <xsd:simpleType>
+        <xsd:restriction base="dms:Text"/>
+      </xsd:simpleType>
+    </xsd:element>
+    <xsd:element name="MediaServiceOCR" ma:index="11" nillable="true" ma:displayName="Extracted Text" ma:internalName="MediaServiceOCR" ma:readOnly="true">
+      <xsd:simpleType>
+        <xsd:restriction base="dms:Note">
+          <xsd:maxLength value="255"/>
+        </xsd:restriction>
+      </xsd:simpleType>
+    </xsd:element>
+    <xsd:element name="MediaServiceGenerationTime" ma:index="12" nillable="true" ma:displayName="MediaServiceGenerationTime" ma:hidden="true" ma:internalName="MediaServiceGenerationTime" ma:readOnly="true">
+      <xsd:simpleType>
+        <xsd:restriction base="dms:Text"/>
+      </xsd:simpleType>
+    </xsd:element>
+    <xsd:element name="MediaServiceEventHashCode" ma:index="13" nillable="true" ma:displayName="MediaServiceEventHashCode" ma:hidden="true" ma:internalName="MediaServiceEventHashCode" ma:readOnly="true">
+      <xsd:simpleType>
+        <xsd:restriction base="dms:Text"/>
       </xsd:simpleType>
     </xsd:element>
   </xsd:schema>
@@ -9741,13 +15650,16 @@
 </ct:contentTypeSchema>
 </file>
 
-<file path=customXml/item3.xml><?xml version="1.0" encoding="utf-8"?>
-<p:properties xmlns:p="http://schemas.microsoft.com/office/2006/metadata/properties" xmlns:xsi="http://www.w3.org/2001/XMLSchema-instance" xmlns:pc="http://schemas.microsoft.com/office/infopath/2007/PartnerControls">
-  <documentManagement/>
-</p:properties>
+<file path=customXml/itemProps1.xml><?xml version="1.0" encoding="utf-8"?>
+<ds:datastoreItem xmlns:ds="http://schemas.openxmlformats.org/officeDocument/2006/customXml" ds:itemID="{B8B8BF4E-C35F-433F-8F93-F61C77CFB14D}">
+  <ds:schemaRefs>
+    <ds:schemaRef ds:uri="http://schemas.microsoft.com/office/2006/metadata/properties"/>
+    <ds:schemaRef ds:uri="http://schemas.microsoft.com/office/infopath/2007/PartnerControls"/>
+  </ds:schemaRefs>
+</ds:datastoreItem>
 </file>
 
-<file path=customXml/itemProps1.xml><?xml version="1.0" encoding="utf-8"?>
+<file path=customXml/itemProps2.xml><?xml version="1.0" encoding="utf-8"?>
 <ds:datastoreItem xmlns:ds="http://schemas.openxmlformats.org/officeDocument/2006/customXml" ds:itemID="{D1B0E4F9-295B-4605-93E8-C7FB73FC6091}">
   <ds:schemaRefs>
     <ds:schemaRef ds:uri="http://schemas.microsoft.com/sharepoint/v3/contenttype/forms"/>
@@ -9755,14 +15667,14 @@
 </ds:datastoreItem>
 </file>
 
-<file path=customXml/itemProps2.xml><?xml version="1.0" encoding="utf-8"?>
-<ds:datastoreItem xmlns:ds="http://schemas.openxmlformats.org/officeDocument/2006/customXml" ds:itemID="{8897BBEE-415F-459E-951C-FB91F686EE07}">
+<file path=customXml/itemProps3.xml><?xml version="1.0" encoding="utf-8"?>
+<ds:datastoreItem xmlns:ds="http://schemas.openxmlformats.org/officeDocument/2006/customXml" ds:itemID="{2209E613-7AD3-4CB7-A630-AA4F967E3F4C}">
   <ds:schemaRefs>
     <ds:schemaRef ds:uri="http://schemas.microsoft.com/office/2006/metadata/contentType"/>
     <ds:schemaRef ds:uri="http://schemas.microsoft.com/office/2006/metadata/properties/metaAttributes"/>
     <ds:schemaRef ds:uri="http://www.w3.org/2001/XMLSchema"/>
     <ds:schemaRef ds:uri="http://schemas.microsoft.com/office/2006/metadata/properties"/>
-    <ds:schemaRef ds:uri="ad7b8670-7f87-4618-b40f-04c61d7a76f8"/>
+    <ds:schemaRef ds:uri="119012ce-a113-4822-82de-edc1aa49a2f1"/>
     <ds:schemaRef ds:uri="http://schemas.microsoft.com/office/2006/documentManagement/types"/>
     <ds:schemaRef ds:uri="http://schemas.microsoft.com/office/infopath/2007/PartnerControls"/>
     <ds:schemaRef ds:uri="http://schemas.openxmlformats.org/package/2006/metadata/core-properties"/>
@@ -9771,13 +15683,4 @@
     <ds:schemaRef ds:uri="http://schemas.microsoft.com/internal/obd"/>
   </ds:schemaRefs>
 </ds:datastoreItem>
-</file>
-
-<file path=customXml/itemProps3.xml><?xml version="1.0" encoding="utf-8"?>
-<ds:datastoreItem xmlns:ds="http://schemas.openxmlformats.org/officeDocument/2006/customXml" ds:itemID="{B8B8BF4E-C35F-433F-8F93-F61C77CFB14D}">
-  <ds:schemaRefs>
-    <ds:schemaRef ds:uri="http://schemas.microsoft.com/office/2006/metadata/properties"/>
-    <ds:schemaRef ds:uri="http://schemas.microsoft.com/office/infopath/2007/PartnerControls"/>
-  </ds:schemaRefs>
-</ds:datastoreItem>
 </file>
--- a/tutorials/streamingwithflink/slides/cs-e4640-hands-on-flink-streaming.pptx
+++ b/tutorials/streamingwithflink/slides/cs-e4640-hands-on-flink-streaming.pptx
@@ -8,10 +8,10 @@
     <p:sldMasterId id="2147484775" r:id="rId7"/>
   </p:sldMasterIdLst>
   <p:notesMasterIdLst>
-    <p:notesMasterId r:id="rId18"/>
+    <p:notesMasterId r:id="rId19"/>
   </p:notesMasterIdLst>
   <p:handoutMasterIdLst>
-    <p:handoutMasterId r:id="rId19"/>
+    <p:handoutMasterId r:id="rId20"/>
   </p:handoutMasterIdLst>
   <p:sldIdLst>
     <p:sldId id="256" r:id="rId8"/>
@@ -20,10 +20,11 @@
     <p:sldId id="463" r:id="rId11"/>
     <p:sldId id="465" r:id="rId12"/>
     <p:sldId id="464" r:id="rId13"/>
-    <p:sldId id="448" r:id="rId14"/>
-    <p:sldId id="449" r:id="rId15"/>
-    <p:sldId id="445" r:id="rId16"/>
-    <p:sldId id="461" r:id="rId17"/>
+    <p:sldId id="466" r:id="rId14"/>
+    <p:sldId id="448" r:id="rId15"/>
+    <p:sldId id="449" r:id="rId16"/>
+    <p:sldId id="445" r:id="rId17"/>
+    <p:sldId id="461" r:id="rId18"/>
   </p:sldIdLst>
   <p:sldSz cx="9144000" cy="5715000" type="screen16x10"/>
   <p:notesSz cx="6858000" cy="9144000"/>
@@ -287,7 +288,7 @@
               <a:pPr>
                 <a:defRPr/>
               </a:pPr>
-              <a:t>3/14/2021</a:t>
+              <a:t>3/22/21</a:t>
             </a:fld>
             <a:endParaRPr lang="fi-FI"/>
           </a:p>
@@ -478,7 +479,7 @@
               <a:pPr>
                 <a:defRPr/>
               </a:pPr>
-              <a:t>14.3.2021</a:t>
+              <a:t>22.3.2021</a:t>
             </a:fld>
             <a:endParaRPr lang="fi-FI"/>
           </a:p>
@@ -1135,7 +1136,7 @@
                 <a:cs typeface="Times New Roman"/>
                 <a:sym typeface="Times New Roman"/>
               </a:rPr>
-              <a:t>9</a:t>
+              <a:t>10</a:t>
             </a:fld>
             <a:endParaRPr sz="1200">
               <a:solidFill>
@@ -1352,7 +1353,7 @@
               <a:pPr>
                 <a:defRPr/>
               </a:pPr>
-              <a:t>10</a:t>
+              <a:t>11</a:t>
             </a:fld>
             <a:endParaRPr lang="fi-FI"/>
           </a:p>
@@ -2057,7 +2058,7 @@
             </a:pPr>
             <a:fld id="{1D034C32-DAF9-4F9B-89EC-AD504584D771}" type="datetime1">
               <a:rPr lang="en-US" smtClean="0"/>
-              <a:t>3/14/2021</a:t>
+              <a:t>3/22/21</a:t>
             </a:fld>
             <a:endParaRPr lang="fi-FI"/>
           </a:p>
@@ -2384,7 +2385,7 @@
             </a:pPr>
             <a:fld id="{6BAAA966-23C0-4543-B02A-3BC2DCE1A7C4}" type="datetime1">
               <a:rPr lang="en-US" smtClean="0"/>
-              <a:t>3/14/2021</a:t>
+              <a:t>3/22/21</a:t>
             </a:fld>
             <a:endParaRPr lang="fi-FI"/>
           </a:p>
@@ -2711,7 +2712,7 @@
             </a:pPr>
             <a:fld id="{5EB3A348-3745-46E7-9734-195CDC99C451}" type="datetime1">
               <a:rPr lang="en-US" smtClean="0"/>
-              <a:t>3/14/2021</a:t>
+              <a:t>3/22/21</a:t>
             </a:fld>
             <a:endParaRPr lang="fi-FI"/>
           </a:p>
@@ -4025,7 +4026,7 @@
             </a:pPr>
             <a:fld id="{2AA94516-9B97-4DDB-9418-13D3C2BA0863}" type="datetime1">
               <a:rPr lang="en-US" smtClean="0"/>
-              <a:t>3/14/2021</a:t>
+              <a:t>3/22/21</a:t>
             </a:fld>
             <a:endParaRPr lang="fi-FI"/>
           </a:p>
@@ -4214,7 +4215,7 @@
             </a:pPr>
             <a:fld id="{A9419C9A-C61B-41E2-A55A-B7BA2C7366A5}" type="datetime1">
               <a:rPr lang="en-US" smtClean="0"/>
-              <a:t>3/14/2021</a:t>
+              <a:t>3/22/21</a:t>
             </a:fld>
             <a:endParaRPr lang="fi-FI"/>
           </a:p>
@@ -4635,7 +4636,7 @@
             </a:pPr>
             <a:fld id="{5B03E220-2DFF-462B-AA40-6963E41F382F}" type="datetime1">
               <a:rPr lang="en-US" smtClean="0"/>
-              <a:t>3/14/2021</a:t>
+              <a:t>3/22/21</a:t>
             </a:fld>
             <a:endParaRPr lang="fi-FI"/>
           </a:p>
@@ -4887,7 +4888,7 @@
             </a:pPr>
             <a:fld id="{DEFABDBD-C308-45C6-BA80-2C1F70CDBACE}" type="datetime1">
               <a:rPr lang="en-US" smtClean="0"/>
-              <a:t>3/14/2021</a:t>
+              <a:t>3/22/21</a:t>
             </a:fld>
             <a:endParaRPr lang="fi-FI"/>
           </a:p>
@@ -5459,7 +5460,7 @@
             </a:pPr>
             <a:fld id="{4E6EB0D1-7F1A-42AD-B212-076E82F7F2A9}" type="datetime1">
               <a:rPr lang="en-US" smtClean="0"/>
-              <a:t>3/14/2021</a:t>
+              <a:t>3/22/21</a:t>
             </a:fld>
             <a:endParaRPr lang="fi-FI"/>
           </a:p>
@@ -6021,7 +6022,7 @@
             </a:pPr>
             <a:fld id="{6EA10C62-98A4-490F-AED8-C6BC545836D7}" type="datetime1">
               <a:rPr lang="en-US" smtClean="0"/>
-              <a:t>3/14/2021</a:t>
+              <a:t>3/22/21</a:t>
             </a:fld>
             <a:endParaRPr lang="fi-FI"/>
           </a:p>
@@ -6583,7 +6584,7 @@
             </a:pPr>
             <a:fld id="{4ABDD2A1-315A-43A2-8A82-89A67F0B35A4}" type="datetime1">
               <a:rPr lang="en-US" smtClean="0"/>
-              <a:t>3/14/2021</a:t>
+              <a:t>3/22/21</a:t>
             </a:fld>
             <a:endParaRPr lang="fi-FI"/>
           </a:p>
@@ -7403,6 +7404,252 @@
   <p:cSld>
     <p:spTree>
       <p:nvGrpSpPr>
+        <p:cNvPr id="1" name="Shape 1062"/>
+        <p:cNvGrpSpPr/>
+        <p:nvPr/>
+      </p:nvGrpSpPr>
+      <p:grpSpPr>
+        <a:xfrm>
+          <a:off x="0" y="0"/>
+          <a:ext cx="0" cy="0"/>
+          <a:chOff x="0" y="0"/>
+          <a:chExt cx="0" cy="0"/>
+        </a:xfrm>
+      </p:grpSpPr>
+      <p:sp>
+        <p:nvSpPr>
+          <p:cNvPr id="4" name="Title 3">
+            <a:extLst>
+              <a:ext uri="{FF2B5EF4-FFF2-40B4-BE49-F238E27FC236}">
+                <a16:creationId xmlns:a16="http://schemas.microsoft.com/office/drawing/2014/main" id="{F19AC042-B567-40E9-9B45-A757E54B752D}"/>
+              </a:ext>
+            </a:extLst>
+          </p:cNvPr>
+          <p:cNvSpPr>
+            <a:spLocks noGrp="1"/>
+          </p:cNvSpPr>
+          <p:nvPr>
+            <p:ph type="ctrTitle"/>
+          </p:nvPr>
+        </p:nvSpPr>
+        <p:spPr/>
+        <p:txBody>
+          <a:bodyPr/>
+          <a:lstStyle/>
+          <a:p>
+            <a:pPr>
+              <a:lnSpc>
+                <a:spcPct val="90000"/>
+              </a:lnSpc>
+              <a:spcBef>
+                <a:spcPts val="0"/>
+              </a:spcBef>
+              <a:spcAft>
+                <a:spcPts val="0"/>
+              </a:spcAft>
+            </a:pPr>
+            <a:r>
+              <a:rPr lang="en-US" dirty="0">
+                <a:solidFill>
+                  <a:srgbClr val="2E3835"/>
+                </a:solidFill>
+                <a:ea typeface="Arial"/>
+                <a:cs typeface="Arial"/>
+                <a:sym typeface="Arial"/>
+              </a:rPr>
+              <a:t>Contact and Further information</a:t>
+            </a:r>
+            <a:br>
+              <a:rPr lang="en-US" sz="2400" dirty="0">
+                <a:solidFill>
+                  <a:srgbClr val="2E3835"/>
+                </a:solidFill>
+                <a:ea typeface="Arial"/>
+                <a:cs typeface="Arial"/>
+                <a:sym typeface="Arial"/>
+              </a:rPr>
+            </a:br>
+            <a:br>
+              <a:rPr lang="en-US" sz="2400" dirty="0">
+                <a:solidFill>
+                  <a:srgbClr val="2E3835"/>
+                </a:solidFill>
+                <a:ea typeface="Arial"/>
+                <a:cs typeface="Arial"/>
+                <a:sym typeface="Arial"/>
+              </a:rPr>
+            </a:br>
+            <a:br>
+              <a:rPr lang="en-US" sz="2400" dirty="0">
+                <a:solidFill>
+                  <a:srgbClr val="2E3835"/>
+                </a:solidFill>
+                <a:ea typeface="Arial"/>
+                <a:cs typeface="Arial"/>
+                <a:sym typeface="Arial"/>
+              </a:rPr>
+            </a:br>
+            <a:endParaRPr lang="en-US" sz="2400" dirty="0"/>
+          </a:p>
+        </p:txBody>
+      </p:sp>
+      <p:sp>
+        <p:nvSpPr>
+          <p:cNvPr id="2" name="Content Placeholder 1">
+            <a:extLst>
+              <a:ext uri="{FF2B5EF4-FFF2-40B4-BE49-F238E27FC236}">
+                <a16:creationId xmlns:a16="http://schemas.microsoft.com/office/drawing/2014/main" id="{49850B57-D66D-4B87-87D6-B4C5786FDE33}"/>
+              </a:ext>
+            </a:extLst>
+          </p:cNvPr>
+          <p:cNvSpPr>
+            <a:spLocks noGrp="1"/>
+          </p:cNvSpPr>
+          <p:nvPr>
+            <p:ph sz="quarter" idx="14"/>
+          </p:nvPr>
+        </p:nvSpPr>
+        <p:spPr/>
+        <p:txBody>
+          <a:bodyPr vert="horz" lIns="0" tIns="0" rIns="0" bIns="0" anchor="t"/>
+          <a:lstStyle/>
+          <a:p>
+            <a:pPr marL="342900" indent="-342900">
+              <a:buFont typeface="Wingdings" panose="05000000000000000000" pitchFamily="2" charset="2"/>
+              <a:buChar char="§"/>
+            </a:pPr>
+            <a:r>
+              <a:rPr lang="en-US" sz="2000" dirty="0">
+                <a:solidFill>
+                  <a:srgbClr val="2E3835"/>
+                </a:solidFill>
+                <a:ea typeface="Arial"/>
+                <a:cs typeface="Arial"/>
+                <a:sym typeface="Arial"/>
+                <a:hlinkClick r:id="rId3"/>
+              </a:rPr>
+              <a:t>https://version.aalto.fi/gitlab/bigdataplatforms/cs-e4640</a:t>
+            </a:r>
+            <a:endParaRPr lang="en-US" sz="2000" dirty="0">
+              <a:solidFill>
+                <a:srgbClr val="2E3835"/>
+              </a:solidFill>
+              <a:ea typeface="Arial"/>
+              <a:cs typeface="Arial"/>
+            </a:endParaRPr>
+          </a:p>
+          <a:p>
+            <a:pPr marL="342900" indent="-342900">
+              <a:buFont typeface="Wingdings" panose="05000000000000000000" pitchFamily="2" charset="2"/>
+              <a:buChar char="§"/>
+            </a:pPr>
+            <a:r>
+              <a:rPr lang="en-US" sz="2000" dirty="0">
+                <a:solidFill>
+                  <a:srgbClr val="2E3835"/>
+                </a:solidFill>
+                <a:ea typeface="ＭＳ Ｐゴシック"/>
+                <a:cs typeface="Arial"/>
+              </a:rPr>
+              <a:t>Apache Flink Documentation:</a:t>
+            </a:r>
+          </a:p>
+          <a:p>
+            <a:pPr marL="580390" lvl="1" indent="-342900">
+              <a:buFont typeface="Wingdings" panose="05000000000000000000" pitchFamily="2" charset="2"/>
+              <a:buChar char="§"/>
+            </a:pPr>
+            <a:r>
+              <a:rPr lang="en-US" sz="1900" dirty="0">
+                <a:ea typeface="MS PGothic"/>
+                <a:cs typeface="Arial"/>
+                <a:hlinkClick r:id="rId4"/>
+              </a:rPr>
+              <a:t>https://flink.apache.org/</a:t>
+            </a:r>
+            <a:r>
+              <a:rPr lang="en-US" sz="1900" dirty="0">
+                <a:ea typeface="MS PGothic"/>
+                <a:cs typeface="Arial"/>
+              </a:rPr>
+              <a:t> </a:t>
+            </a:r>
+          </a:p>
+          <a:p>
+            <a:pPr marL="580390" lvl="1" indent="-342900">
+              <a:buFont typeface="Wingdings" panose="05000000000000000000" pitchFamily="2" charset="2"/>
+              <a:buChar char="§"/>
+            </a:pPr>
+            <a:r>
+              <a:rPr lang="en-US" sz="1900" dirty="0">
+                <a:ea typeface="MS PGothic"/>
+                <a:cs typeface="Arial"/>
+              </a:rPr>
+              <a:t>https://</a:t>
+            </a:r>
+            <a:r>
+              <a:rPr lang="en-US" sz="1900" dirty="0" err="1">
+                <a:ea typeface="MS PGothic"/>
+                <a:cs typeface="Arial"/>
+              </a:rPr>
+              <a:t>ci.apache.org</a:t>
+            </a:r>
+            <a:r>
+              <a:rPr lang="en-US" sz="1900" dirty="0">
+                <a:ea typeface="MS PGothic"/>
+                <a:cs typeface="Arial"/>
+              </a:rPr>
+              <a:t>/projects/</a:t>
+            </a:r>
+            <a:r>
+              <a:rPr lang="en-US" sz="1900" dirty="0" err="1">
+                <a:ea typeface="MS PGothic"/>
+                <a:cs typeface="Arial"/>
+              </a:rPr>
+              <a:t>flink</a:t>
+            </a:r>
+            <a:r>
+              <a:rPr lang="en-US" sz="1900" dirty="0">
+                <a:ea typeface="MS PGothic"/>
+                <a:cs typeface="Arial"/>
+              </a:rPr>
+              <a:t>/</a:t>
+            </a:r>
+            <a:r>
+              <a:rPr lang="en-US" sz="1900" dirty="0" err="1">
+                <a:ea typeface="MS PGothic"/>
+                <a:cs typeface="Arial"/>
+              </a:rPr>
+              <a:t>flink</a:t>
+            </a:r>
+            <a:r>
+              <a:rPr lang="en-US" sz="1900" dirty="0">
+                <a:ea typeface="MS PGothic"/>
+                <a:cs typeface="Arial"/>
+              </a:rPr>
+              <a:t>-docs-stable/dev/stream/operators/</a:t>
+            </a:r>
+          </a:p>
+        </p:txBody>
+      </p:sp>
+    </p:spTree>
+    <p:extLst>
+      <p:ext uri="{BB962C8B-B14F-4D97-AF65-F5344CB8AC3E}">
+        <p14:creationId xmlns:p14="http://schemas.microsoft.com/office/powerpoint/2010/main" val="3168691295"/>
+      </p:ext>
+    </p:extLst>
+  </p:cSld>
+  <p:clrMapOvr>
+    <a:masterClrMapping/>
+  </p:clrMapOvr>
+</p:sld>
+</file>
+
+<file path=ppt/slides/slide11.xml><?xml version="1.0" encoding="utf-8"?>
+<p:sld xmlns:a="http://schemas.openxmlformats.org/drawingml/2006/main" xmlns:r="http://schemas.openxmlformats.org/officeDocument/2006/relationships" xmlns:p="http://schemas.openxmlformats.org/presentationml/2006/main">
+  <p:cSld>
+    <p:spTree>
+      <p:nvGrpSpPr>
         <p:cNvPr id="1" name=""/>
         <p:cNvGrpSpPr/>
         <p:nvPr/>
@@ -7475,7 +7722,7 @@
             </a:pPr>
             <a:fld id="{2AA94516-9B97-4DDB-9418-13D3C2BA0863}" type="datetime1">
               <a:rPr lang="en-US" smtClean="0"/>
-              <a:t>3/14/2021</a:t>
+              <a:t>3/22/21</a:t>
             </a:fld>
             <a:endParaRPr lang="fi-FI" dirty="0"/>
           </a:p>
@@ -7546,7 +7793,7 @@
               <a:pPr>
                 <a:defRPr/>
               </a:pPr>
-              <a:t>10</a:t>
+              <a:t>11</a:t>
             </a:fld>
             <a:endParaRPr lang="fi-FI"/>
           </a:p>
@@ -8114,7 +8361,7 @@
             </a:pPr>
             <a:fld id="{3C4C6E3F-5E3C-4FBD-BF9E-3C26CFB1E59A}" type="datetime1">
               <a:rPr lang="en-US" smtClean="0"/>
-              <a:t>3/14/2021</a:t>
+              <a:t>3/22/21</a:t>
             </a:fld>
             <a:endParaRPr lang="fi-FI"/>
           </a:p>
@@ -8323,7 +8570,7 @@
             </a:pPr>
             <a:fld id="{3C4C6E3F-5E3C-4FBD-BF9E-3C26CFB1E59A}" type="datetime1">
               <a:rPr lang="en-US" smtClean="0"/>
-              <a:t>3/14/2021</a:t>
+              <a:t>3/22/21</a:t>
             </a:fld>
             <a:endParaRPr lang="fi-FI"/>
           </a:p>
@@ -9387,7 +9634,7 @@
             </a:pPr>
             <a:fld id="{3C4C6E3F-5E3C-4FBD-BF9E-3C26CFB1E59A}" type="datetime1">
               <a:rPr lang="en-US" smtClean="0"/>
-              <a:t>3/14/2021</a:t>
+              <a:t>3/22/21</a:t>
             </a:fld>
             <a:endParaRPr lang="fi-FI"/>
           </a:p>
@@ -9894,7 +10141,7 @@
             </a:pPr>
             <a:fld id="{3C4C6E3F-5E3C-4FBD-BF9E-3C26CFB1E59A}" type="datetime1">
               <a:rPr lang="en-US" smtClean="0"/>
-              <a:t>3/14/2021</a:t>
+              <a:t>3/22/21</a:t>
             </a:fld>
             <a:endParaRPr lang="fi-FI"/>
           </a:p>
@@ -10955,7 +11202,7 @@
             </a:pPr>
             <a:fld id="{3C4C6E3F-5E3C-4FBD-BF9E-3C26CFB1E59A}" type="datetime1">
               <a:rPr lang="en-US" smtClean="0"/>
-              <a:t>3/14/2021</a:t>
+              <a:t>3/22/21</a:t>
             </a:fld>
             <a:endParaRPr lang="fi-FI"/>
           </a:p>
@@ -11827,53 +12074,6 @@
           <a:p>
             <a:pPr algn="ctr"/>
             <a:endParaRPr lang="en-VN"/>
-          </a:p>
-        </p:txBody>
-      </p:sp>
-      <p:sp>
-        <p:nvSpPr>
-          <p:cNvPr id="63" name="TextBox 62">
-            <a:extLst>
-              <a:ext uri="{FF2B5EF4-FFF2-40B4-BE49-F238E27FC236}">
-                <a16:creationId xmlns:a16="http://schemas.microsoft.com/office/drawing/2014/main" id="{379C3003-2F68-374A-AF92-81FAA80DF0B5}"/>
-              </a:ext>
-            </a:extLst>
-          </p:cNvPr>
-          <p:cNvSpPr txBox="1"/>
-          <p:nvPr/>
-        </p:nvSpPr>
-        <p:spPr>
-          <a:xfrm>
-            <a:off x="3696839" y="2043303"/>
-            <a:ext cx="1266372" cy="646331"/>
-          </a:xfrm>
-          <a:prstGeom prst="rect">
-            <a:avLst/>
-          </a:prstGeom>
-          <a:noFill/>
-        </p:spPr>
-        <p:txBody>
-          <a:bodyPr wrap="square" lIns="0" tIns="0" rIns="0" bIns="0" rtlCol="0">
-            <a:spAutoFit/>
-          </a:bodyPr>
-          <a:lstStyle/>
-          <a:p>
-            <a:pPr algn="ctr"/>
-            <a:r>
-              <a:rPr lang="en-VN" sz="1400" dirty="0">
-                <a:latin typeface="Georgia" panose="02040502050405020303" pitchFamily="18" charset="0"/>
-              </a:rPr>
-              <a:t>Sliding Window</a:t>
-            </a:r>
-          </a:p>
-          <a:p>
-            <a:pPr algn="ctr"/>
-            <a:r>
-              <a:rPr lang="en-VN" sz="1400" dirty="0">
-                <a:latin typeface="Georgia" panose="02040502050405020303" pitchFamily="18" charset="0"/>
-              </a:rPr>
-              <a:t>E.g, size = 3, slide = 1</a:t>
-            </a:r>
           </a:p>
         </p:txBody>
       </p:sp>
@@ -12044,8 +12244,8 @@
         </p:nvSpPr>
         <p:spPr>
           <a:xfrm>
-            <a:off x="694222" y="2375738"/>
-            <a:ext cx="7803706" cy="2858026"/>
+            <a:off x="694222" y="1716112"/>
+            <a:ext cx="7803706" cy="2354491"/>
           </a:xfrm>
           <a:prstGeom prst="rect">
             <a:avLst/>
@@ -12097,7 +12297,7 @@
               <a:rPr lang="en-VN" dirty="0">
                 <a:latin typeface="Georgia" panose="02040502050405020303" pitchFamily="18" charset="0"/>
               </a:rPr>
-              <a:t>Alert by </a:t>
+              <a:t>Group by key: </a:t>
             </a:r>
             <a:r>
               <a:rPr lang="en-VN" i="1" dirty="0">
@@ -12107,58 +12307,303 @@
             </a:r>
           </a:p>
           <a:p>
-            <a:pPr marL="285750" indent="-285750">
-              <a:lnSpc>
-                <a:spcPct val="150000"/>
-              </a:lnSpc>
-              <a:buFont typeface="Wingdings" pitchFamily="2" charset="2"/>
-              <a:buChar char="Ø"/>
-            </a:pPr>
+            <a:pPr lvl="2"/>
             <a:r>
               <a:rPr lang="en-VN" dirty="0">
                 <a:latin typeface="Georgia" panose="02040502050405020303" pitchFamily="18" charset="0"/>
               </a:rPr>
-              <a:t>Change the window slide to 1s</a:t>
-            </a:r>
-          </a:p>
-          <a:p>
-            <a:pPr marL="285750" indent="-285750">
-              <a:lnSpc>
-                <a:spcPct val="150000"/>
-              </a:lnSpc>
-              <a:buFont typeface="Wingdings" pitchFamily="2" charset="2"/>
-              <a:buChar char="Ø"/>
-            </a:pPr>
-            <a:r>
+              <a:t>		xxx : event 1</a:t>
+            </a:r>
+            <a:br>
               <a:rPr lang="en-VN" dirty="0">
                 <a:latin typeface="Georgia" panose="02040502050405020303" pitchFamily="18" charset="0"/>
               </a:rPr>
-              <a:t>Change the window size to 5 minutes</a:t>
-            </a:r>
-          </a:p>
-          <a:p>
-            <a:pPr marL="285750" indent="-285750">
-              <a:lnSpc>
-                <a:spcPct val="150000"/>
-              </a:lnSpc>
-              <a:buFont typeface="Wingdings" pitchFamily="2" charset="2"/>
-              <a:buChar char="Ø"/>
-            </a:pPr>
+            </a:br>
             <a:r>
               <a:rPr lang="en-VN" dirty="0">
                 <a:latin typeface="Georgia" panose="02040502050405020303" pitchFamily="18" charset="0"/>
               </a:rPr>
-              <a:t>Change other papameters, perform futher analysis</a:t>
-            </a:r>
-          </a:p>
-          <a:p>
-            <a:pPr>
-              <a:lnSpc>
-                <a:spcPct val="150000"/>
-              </a:lnSpc>
-            </a:pPr>
+              <a:t>			 event 2</a:t>
+            </a:r>
+          </a:p>
+          <a:p>
+            <a:pPr lvl="2"/>
+            <a:r>
+              <a:rPr lang="en-VN" dirty="0">
+                <a:latin typeface="Georgia" panose="02040502050405020303" pitchFamily="18" charset="0"/>
+              </a:rPr>
+              <a:t>			      …</a:t>
+            </a:r>
+          </a:p>
+          <a:p>
+            <a:pPr lvl="2"/>
+            <a:r>
+              <a:rPr lang="en-VN" dirty="0">
+                <a:latin typeface="Georgia" panose="02040502050405020303" pitchFamily="18" charset="0"/>
+              </a:rPr>
+              <a:t>		   	 event n</a:t>
+            </a:r>
+          </a:p>
+        </p:txBody>
+      </p:sp>
+      <p:sp>
+        <p:nvSpPr>
+          <p:cNvPr id="30" name="TextBox 29">
+            <a:extLst>
+              <a:ext uri="{FF2B5EF4-FFF2-40B4-BE49-F238E27FC236}">
+                <a16:creationId xmlns:a16="http://schemas.microsoft.com/office/drawing/2014/main" id="{C961A56B-C5F1-F248-A57A-459A0015FB84}"/>
+              </a:ext>
+            </a:extLst>
+          </p:cNvPr>
+          <p:cNvSpPr txBox="1"/>
+          <p:nvPr/>
+        </p:nvSpPr>
+        <p:spPr>
+          <a:xfrm>
+            <a:off x="1115616" y="3619637"/>
+            <a:ext cx="1054776" cy="276999"/>
+          </a:xfrm>
+          <a:prstGeom prst="rect">
+            <a:avLst/>
+          </a:prstGeom>
+          <a:noFill/>
+        </p:spPr>
+        <p:txBody>
+          <a:bodyPr wrap="none" lIns="0" tIns="0" rIns="0" bIns="0" rtlCol="0" anchor="t">
+            <a:spAutoFit/>
+          </a:bodyPr>
+          <a:lstStyle/>
+          <a:p>
+            <a:r>
+              <a:rPr lang="en-US" dirty="0" err="1">
+                <a:latin typeface="Georgia"/>
+                <a:ea typeface="ＭＳ Ｐゴシック"/>
+              </a:rPr>
+              <a:t>station_id</a:t>
+            </a:r>
             <a:endParaRPr lang="en-VN" dirty="0">
-              <a:latin typeface="Georgia" panose="02040502050405020303" pitchFamily="18" charset="0"/>
+              <a:latin typeface="Georgia"/>
+              <a:ea typeface="ＭＳ Ｐゴシック"/>
+            </a:endParaRPr>
+          </a:p>
+        </p:txBody>
+      </p:sp>
+      <p:cxnSp>
+        <p:nvCxnSpPr>
+          <p:cNvPr id="31" name="Straight Arrow Connector 30">
+            <a:extLst>
+              <a:ext uri="{FF2B5EF4-FFF2-40B4-BE49-F238E27FC236}">
+                <a16:creationId xmlns:a16="http://schemas.microsoft.com/office/drawing/2014/main" id="{E83D056D-0C48-214A-B7D8-1AF89DB6F71C}"/>
+              </a:ext>
+            </a:extLst>
+          </p:cNvPr>
+          <p:cNvCxnSpPr/>
+          <p:nvPr/>
+        </p:nvCxnSpPr>
+        <p:spPr>
+          <a:xfrm flipV="1">
+            <a:off x="2198058" y="3217540"/>
+            <a:ext cx="288032" cy="359834"/>
+          </a:xfrm>
+          <a:prstGeom prst="straightConnector1">
+            <a:avLst/>
+          </a:prstGeom>
+          <a:ln w="12700">
+            <a:prstDash val="dash"/>
+            <a:tailEnd type="triangle"/>
+          </a:ln>
+        </p:spPr>
+        <p:style>
+          <a:lnRef idx="2">
+            <a:schemeClr val="dk1"/>
+          </a:lnRef>
+          <a:fillRef idx="0">
+            <a:schemeClr val="dk1"/>
+          </a:fillRef>
+          <a:effectRef idx="1">
+            <a:schemeClr val="dk1"/>
+          </a:effectRef>
+          <a:fontRef idx="minor">
+            <a:schemeClr val="tx1"/>
+          </a:fontRef>
+        </p:style>
+      </p:cxnSp>
+      <p:pic>
+        <p:nvPicPr>
+          <p:cNvPr id="8" name="Picture 7">
+            <a:extLst>
+              <a:ext uri="{FF2B5EF4-FFF2-40B4-BE49-F238E27FC236}">
+                <a16:creationId xmlns:a16="http://schemas.microsoft.com/office/drawing/2014/main" id="{0A2E5CB9-E20E-EC45-AC16-16C220827D46}"/>
+              </a:ext>
+            </a:extLst>
+          </p:cNvPr>
+          <p:cNvPicPr>
+            <a:picLocks noChangeAspect="1"/>
+          </p:cNvPicPr>
+          <p:nvPr/>
+        </p:nvPicPr>
+        <p:blipFill>
+          <a:blip r:embed="rId2"/>
+          <a:stretch>
+            <a:fillRect/>
+          </a:stretch>
+        </p:blipFill>
+        <p:spPr>
+          <a:xfrm>
+            <a:off x="886927" y="4056940"/>
+            <a:ext cx="7357481" cy="744776"/>
+          </a:xfrm>
+          <a:prstGeom prst="rect">
+            <a:avLst/>
+          </a:prstGeom>
+        </p:spPr>
+      </p:pic>
+      <mc:AlternateContent xmlns:mc="http://schemas.openxmlformats.org/markup-compatibility/2006">
+        <mc:Choice xmlns:a14="http://schemas.microsoft.com/office/drawing/2010/main" Requires="a14">
+          <p:sp>
+            <p:nvSpPr>
+              <p:cNvPr id="9" name="TextBox 8">
+                <a:extLst>
+                  <a:ext uri="{FF2B5EF4-FFF2-40B4-BE49-F238E27FC236}">
+                    <a16:creationId xmlns:a16="http://schemas.microsoft.com/office/drawing/2014/main" id="{05855AF4-164C-3E4E-973E-BEC4F9522921}"/>
+                  </a:ext>
+                </a:extLst>
+              </p:cNvPr>
+              <p:cNvSpPr txBox="1"/>
+              <p:nvPr/>
+            </p:nvSpPr>
+            <p:spPr>
+              <a:xfrm>
+                <a:off x="3481131" y="2929508"/>
+                <a:ext cx="1221775" cy="923330"/>
+              </a:xfrm>
+              <a:prstGeom prst="rect">
+                <a:avLst/>
+              </a:prstGeom>
+              <a:noFill/>
+            </p:spPr>
+            <p:txBody>
+              <a:bodyPr wrap="square" lIns="0" tIns="0" rIns="0" bIns="0" rtlCol="0">
+                <a:spAutoFit/>
+              </a:bodyPr>
+              <a:lstStyle/>
+              <a:p>
+                <a14:m>
+                  <m:oMathPara xmlns:m="http://schemas.openxmlformats.org/officeDocument/2006/math">
+                    <m:oMathParaPr>
+                      <m:jc m:val="centerGroup"/>
+                    </m:oMathParaPr>
+                    <m:oMath xmlns:m="http://schemas.openxmlformats.org/officeDocument/2006/math">
+                      <m:d>
+                        <m:dPr>
+                          <m:begChr m:val=""/>
+                          <m:endChr m:val="⟩"/>
+                          <m:ctrlPr>
+                            <a:rPr lang="en-VN" sz="6000" b="1" i="1" smtClean="0">
+                              <a:latin typeface="Cambria Math" panose="02040503050406030204" pitchFamily="18" charset="0"/>
+                            </a:rPr>
+                          </m:ctrlPr>
+                        </m:dPr>
+                        <m:e>
+                          <m:r>
+                            <a:rPr lang="en-US" sz="6000" b="1" i="1" smtClean="0">
+                              <a:latin typeface="Cambria Math" panose="02040503050406030204" pitchFamily="18" charset="0"/>
+                            </a:rPr>
+                            <m:t> </m:t>
+                          </m:r>
+                        </m:e>
+                      </m:d>
+                    </m:oMath>
+                  </m:oMathPara>
+                </a14:m>
+                <a:endParaRPr lang="en-VN" sz="4000" b="1" dirty="0"/>
+              </a:p>
+            </p:txBody>
+          </p:sp>
+        </mc:Choice>
+        <mc:Fallback>
+          <p:sp>
+            <p:nvSpPr>
+              <p:cNvPr id="9" name="TextBox 8">
+                <a:extLst>
+                  <a:ext uri="{FF2B5EF4-FFF2-40B4-BE49-F238E27FC236}">
+                    <a16:creationId xmlns:a16="http://schemas.microsoft.com/office/drawing/2014/main" id="{05855AF4-164C-3E4E-973E-BEC4F9522921}"/>
+                  </a:ext>
+                </a:extLst>
+              </p:cNvPr>
+              <p:cNvSpPr txBox="1">
+                <a:spLocks noRot="1" noChangeAspect="1" noMove="1" noResize="1" noEditPoints="1" noAdjustHandles="1" noChangeArrowheads="1" noChangeShapeType="1" noTextEdit="1"/>
+              </p:cNvSpPr>
+              <p:nvPr/>
+            </p:nvSpPr>
+            <p:spPr>
+              <a:xfrm>
+                <a:off x="3481131" y="2929508"/>
+                <a:ext cx="1221775" cy="923330"/>
+              </a:xfrm>
+              <a:prstGeom prst="rect">
+                <a:avLst/>
+              </a:prstGeom>
+              <a:blipFill>
+                <a:blip r:embed="rId3"/>
+                <a:stretch>
+                  <a:fillRect l="-68041" t="-168493" r="-59794" b="-258904"/>
+                </a:stretch>
+              </a:blipFill>
+            </p:spPr>
+            <p:txBody>
+              <a:bodyPr/>
+              <a:lstStyle/>
+              <a:p>
+                <a:r>
+                  <a:rPr lang="en-VN">
+                    <a:noFill/>
+                  </a:rPr>
+                  <a:t> </a:t>
+                </a:r>
+              </a:p>
+            </p:txBody>
+          </p:sp>
+        </mc:Fallback>
+      </mc:AlternateContent>
+      <p:sp>
+        <p:nvSpPr>
+          <p:cNvPr id="35" name="TextBox 34">
+            <a:extLst>
+              <a:ext uri="{FF2B5EF4-FFF2-40B4-BE49-F238E27FC236}">
+                <a16:creationId xmlns:a16="http://schemas.microsoft.com/office/drawing/2014/main" id="{9500D21E-6907-184F-8CD9-9569F87B5D1B}"/>
+              </a:ext>
+            </a:extLst>
+          </p:cNvPr>
+          <p:cNvSpPr txBox="1"/>
+          <p:nvPr/>
+        </p:nvSpPr>
+        <p:spPr>
+          <a:xfrm>
+            <a:off x="4490885" y="3266520"/>
+            <a:ext cx="766235" cy="276999"/>
+          </a:xfrm>
+          <a:prstGeom prst="rect">
+            <a:avLst/>
+          </a:prstGeom>
+          <a:noFill/>
+        </p:spPr>
+        <p:txBody>
+          <a:bodyPr wrap="none" lIns="0" tIns="0" rIns="0" bIns="0" rtlCol="0" anchor="t">
+            <a:spAutoFit/>
+          </a:bodyPr>
+          <a:lstStyle/>
+          <a:p>
+            <a:r>
+              <a:rPr lang="en-US" dirty="0">
+                <a:latin typeface="Georgia"/>
+                <a:ea typeface="ＭＳ Ｐゴシック"/>
+              </a:rPr>
+              <a:t>process</a:t>
+            </a:r>
+            <a:endParaRPr lang="en-VN" dirty="0">
+              <a:latin typeface="Georgia"/>
+              <a:ea typeface="ＭＳ Ｐゴシック"/>
             </a:endParaRPr>
           </a:p>
         </p:txBody>
@@ -12250,7 +12695,7 @@
         </p:nvSpPr>
         <p:spPr>
           <a:xfrm>
-            <a:off x="434250" y="769268"/>
+            <a:off x="434250" y="841276"/>
             <a:ext cx="8207374" cy="443761"/>
           </a:xfrm>
         </p:spPr>
@@ -12263,11 +12708,12 @@
               <a:buChar char="§"/>
             </a:pPr>
             <a:r>
-              <a:rPr lang="en-US" sz="2800" dirty="0">
-                <a:latin typeface="Arial"/>
-                <a:ea typeface="ＭＳ Ｐゴシック"/>
-              </a:rPr>
-              <a:t>Distributed Streaming Data Flow</a:t>
+              <a:rPr lang="en-US" dirty="0"/>
+              <a:t>Processing in </a:t>
+            </a:r>
+            <a:r>
+              <a:rPr lang="en-US" dirty="0" err="1"/>
+              <a:t>Flink</a:t>
             </a:r>
             <a:endParaRPr lang="en-US" dirty="0"/>
           </a:p>
@@ -12299,7 +12745,7 @@
             </a:pPr>
             <a:fld id="{3C4C6E3F-5E3C-4FBD-BF9E-3C26CFB1E59A}" type="datetime1">
               <a:rPr lang="en-US" smtClean="0"/>
-              <a:t>3/14/2021</a:t>
+              <a:t>3/22/21</a:t>
             </a:fld>
             <a:endParaRPr lang="fi-FI"/>
           </a:p>
@@ -12367,6 +12813,351 @@
                 <a:defRPr/>
               </a:pPr>
               <a:t>7</a:t>
+            </a:fld>
+            <a:endParaRPr lang="fi-FI"/>
+          </a:p>
+        </p:txBody>
+      </p:sp>
+      <p:sp>
+        <p:nvSpPr>
+          <p:cNvPr id="32" name="TextBox 31">
+            <a:extLst>
+              <a:ext uri="{FF2B5EF4-FFF2-40B4-BE49-F238E27FC236}">
+                <a16:creationId xmlns:a16="http://schemas.microsoft.com/office/drawing/2014/main" id="{0F9BCFBF-2D5D-E34E-A26D-8EF4FCDD4816}"/>
+              </a:ext>
+            </a:extLst>
+          </p:cNvPr>
+          <p:cNvSpPr txBox="1"/>
+          <p:nvPr/>
+        </p:nvSpPr>
+        <p:spPr>
+          <a:xfrm>
+            <a:off x="670147" y="1636236"/>
+            <a:ext cx="7803706" cy="2442528"/>
+          </a:xfrm>
+          <a:prstGeom prst="rect">
+            <a:avLst/>
+          </a:prstGeom>
+          <a:noFill/>
+        </p:spPr>
+        <p:txBody>
+          <a:bodyPr wrap="square" lIns="0" tIns="0" rIns="0" bIns="0" rtlCol="0">
+            <a:spAutoFit/>
+          </a:bodyPr>
+          <a:lstStyle/>
+          <a:p>
+            <a:pPr>
+              <a:lnSpc>
+                <a:spcPct val="150000"/>
+              </a:lnSpc>
+            </a:pPr>
+            <a:r>
+              <a:rPr lang="en-VN" dirty="0">
+                <a:latin typeface="Georgia" panose="02040502050405020303" pitchFamily="18" charset="0"/>
+              </a:rPr>
+              <a:t>BTS application:</a:t>
+            </a:r>
+          </a:p>
+          <a:p>
+            <a:pPr marL="285750" indent="-285750">
+              <a:lnSpc>
+                <a:spcPct val="150000"/>
+              </a:lnSpc>
+              <a:buFont typeface="Wingdings" pitchFamily="2" charset="2"/>
+              <a:buChar char="Ø"/>
+            </a:pPr>
+            <a:r>
+              <a:rPr lang="en-VN" dirty="0">
+                <a:latin typeface="Georgia" panose="02040502050405020303" pitchFamily="18" charset="0"/>
+              </a:rPr>
+              <a:t>Change the window slide to 1s</a:t>
+            </a:r>
+          </a:p>
+          <a:p>
+            <a:pPr marL="285750" indent="-285750">
+              <a:lnSpc>
+                <a:spcPct val="150000"/>
+              </a:lnSpc>
+              <a:buFont typeface="Wingdings" pitchFamily="2" charset="2"/>
+              <a:buChar char="Ø"/>
+            </a:pPr>
+            <a:r>
+              <a:rPr lang="en-VN" dirty="0">
+                <a:latin typeface="Georgia" panose="02040502050405020303" pitchFamily="18" charset="0"/>
+              </a:rPr>
+              <a:t>Change the window size to 5 minutes</a:t>
+            </a:r>
+          </a:p>
+          <a:p>
+            <a:pPr marL="285750" indent="-285750">
+              <a:lnSpc>
+                <a:spcPct val="150000"/>
+              </a:lnSpc>
+              <a:buFont typeface="Wingdings" pitchFamily="2" charset="2"/>
+              <a:buChar char="Ø"/>
+            </a:pPr>
+            <a:r>
+              <a:rPr lang="en-VN" dirty="0">
+                <a:latin typeface="Georgia" panose="02040502050405020303" pitchFamily="18" charset="0"/>
+              </a:rPr>
+              <a:t>Change the </a:t>
+            </a:r>
+            <a:r>
+              <a:rPr lang="en-VN" i="1" dirty="0">
+                <a:latin typeface="Georgia" panose="02040502050405020303" pitchFamily="18" charset="0"/>
+              </a:rPr>
+              <a:t>Key </a:t>
+            </a:r>
+            <a:r>
+              <a:rPr lang="en-VN" dirty="0">
+                <a:latin typeface="Georgia" panose="02040502050405020303" pitchFamily="18" charset="0"/>
+              </a:rPr>
+              <a:t>elements (e.g, </a:t>
+            </a:r>
+            <a:r>
+              <a:rPr lang="en-VN" i="1" dirty="0">
+                <a:latin typeface="Georgia" panose="02040502050405020303" pitchFamily="18" charset="0"/>
+              </a:rPr>
+              <a:t>alarm_id,…</a:t>
+            </a:r>
+            <a:r>
+              <a:rPr lang="en-VN" dirty="0">
+                <a:latin typeface="Georgia" panose="02040502050405020303" pitchFamily="18" charset="0"/>
+              </a:rPr>
+              <a:t>)</a:t>
+            </a:r>
+          </a:p>
+          <a:p>
+            <a:pPr marL="285750" indent="-285750">
+              <a:lnSpc>
+                <a:spcPct val="150000"/>
+              </a:lnSpc>
+              <a:buFont typeface="Wingdings" pitchFamily="2" charset="2"/>
+              <a:buChar char="Ø"/>
+            </a:pPr>
+            <a:r>
+              <a:rPr lang="en-VN" dirty="0">
+                <a:latin typeface="Georgia" panose="02040502050405020303" pitchFamily="18" charset="0"/>
+              </a:rPr>
+              <a:t>Change other papameters, perform futher analysis</a:t>
+            </a:r>
+          </a:p>
+          <a:p>
+            <a:pPr>
+              <a:lnSpc>
+                <a:spcPct val="150000"/>
+              </a:lnSpc>
+            </a:pPr>
+            <a:endParaRPr lang="en-VN" dirty="0">
+              <a:latin typeface="Georgia" panose="02040502050405020303" pitchFamily="18" charset="0"/>
+            </a:endParaRPr>
+          </a:p>
+        </p:txBody>
+      </p:sp>
+    </p:spTree>
+    <p:extLst>
+      <p:ext uri="{BB962C8B-B14F-4D97-AF65-F5344CB8AC3E}">
+        <p14:creationId xmlns:p14="http://schemas.microsoft.com/office/powerpoint/2010/main" val="4164122721"/>
+      </p:ext>
+    </p:extLst>
+  </p:cSld>
+  <p:clrMapOvr>
+    <a:masterClrMapping/>
+  </p:clrMapOvr>
+</p:sld>
+</file>
+
+<file path=ppt/slides/slide8.xml><?xml version="1.0" encoding="utf-8"?>
+<p:sld xmlns:a="http://schemas.openxmlformats.org/drawingml/2006/main" xmlns:r="http://schemas.openxmlformats.org/officeDocument/2006/relationships" xmlns:p="http://schemas.openxmlformats.org/presentationml/2006/main">
+  <p:cSld>
+    <p:spTree>
+      <p:nvGrpSpPr>
+        <p:cNvPr id="1" name=""/>
+        <p:cNvGrpSpPr/>
+        <p:nvPr/>
+      </p:nvGrpSpPr>
+      <p:grpSpPr>
+        <a:xfrm>
+          <a:off x="0" y="0"/>
+          <a:ext cx="0" cy="0"/>
+          <a:chOff x="0" y="0"/>
+          <a:chExt cx="0" cy="0"/>
+        </a:xfrm>
+      </p:grpSpPr>
+      <p:sp>
+        <p:nvSpPr>
+          <p:cNvPr id="5" name="Title 4">
+            <a:extLst>
+              <a:ext uri="{FF2B5EF4-FFF2-40B4-BE49-F238E27FC236}">
+                <a16:creationId xmlns:a16="http://schemas.microsoft.com/office/drawing/2014/main" id="{D6C3EA07-F7CA-40AB-8D0A-FD1120628B70}"/>
+              </a:ext>
+            </a:extLst>
+          </p:cNvPr>
+          <p:cNvSpPr>
+            <a:spLocks noGrp="1"/>
+          </p:cNvSpPr>
+          <p:nvPr>
+            <p:ph type="ctrTitle"/>
+          </p:nvPr>
+        </p:nvSpPr>
+        <p:spPr/>
+        <p:txBody>
+          <a:bodyPr/>
+          <a:lstStyle/>
+          <a:p>
+            <a:r>
+              <a:rPr lang="en-US" dirty="0">
+                <a:ea typeface="ＭＳ Ｐゴシック"/>
+              </a:rPr>
+              <a:t>Streaming Analytics using Apache </a:t>
+            </a:r>
+            <a:r>
+              <a:rPr lang="en-US" dirty="0" err="1">
+                <a:ea typeface="ＭＳ Ｐゴシック"/>
+              </a:rPr>
+              <a:t>Flink</a:t>
+            </a:r>
+            <a:endParaRPr lang="en-US" dirty="0">
+              <a:ea typeface="ＭＳ Ｐゴシック"/>
+            </a:endParaRPr>
+          </a:p>
+        </p:txBody>
+      </p:sp>
+      <p:sp>
+        <p:nvSpPr>
+          <p:cNvPr id="6" name="Content Placeholder 5">
+            <a:extLst>
+              <a:ext uri="{FF2B5EF4-FFF2-40B4-BE49-F238E27FC236}">
+                <a16:creationId xmlns:a16="http://schemas.microsoft.com/office/drawing/2014/main" id="{374EC1ED-20F3-4F3E-8099-86F15B5766B0}"/>
+              </a:ext>
+            </a:extLst>
+          </p:cNvPr>
+          <p:cNvSpPr>
+            <a:spLocks noGrp="1"/>
+          </p:cNvSpPr>
+          <p:nvPr>
+            <p:ph sz="quarter" idx="14"/>
+          </p:nvPr>
+        </p:nvSpPr>
+        <p:spPr>
+          <a:xfrm>
+            <a:off x="434250" y="769268"/>
+            <a:ext cx="8207374" cy="443761"/>
+          </a:xfrm>
+        </p:spPr>
+        <p:txBody>
+          <a:bodyPr vert="horz" lIns="0" tIns="0" rIns="0" bIns="0" anchor="t"/>
+          <a:lstStyle/>
+          <a:p>
+            <a:pPr marL="342900" indent="-342900">
+              <a:buFont typeface="Wingdings" panose="05000000000000000000" pitchFamily="2" charset="2"/>
+              <a:buChar char="§"/>
+            </a:pPr>
+            <a:r>
+              <a:rPr lang="en-US" sz="2800" dirty="0">
+                <a:latin typeface="Arial"/>
+                <a:ea typeface="ＭＳ Ｐゴシック"/>
+              </a:rPr>
+              <a:t>Distributed Streaming Data Flow</a:t>
+            </a:r>
+            <a:endParaRPr lang="en-US" dirty="0"/>
+          </a:p>
+        </p:txBody>
+      </p:sp>
+      <p:sp>
+        <p:nvSpPr>
+          <p:cNvPr id="2" name="Date Placeholder 1">
+            <a:extLst>
+              <a:ext uri="{FF2B5EF4-FFF2-40B4-BE49-F238E27FC236}">
+                <a16:creationId xmlns:a16="http://schemas.microsoft.com/office/drawing/2014/main" id="{113C3E73-B9A5-413B-B003-7B63281E0B27}"/>
+              </a:ext>
+            </a:extLst>
+          </p:cNvPr>
+          <p:cNvSpPr>
+            <a:spLocks noGrp="1"/>
+          </p:cNvSpPr>
+          <p:nvPr>
+            <p:ph type="dt" sz="half" idx="15"/>
+          </p:nvPr>
+        </p:nvSpPr>
+        <p:spPr/>
+        <p:txBody>
+          <a:bodyPr/>
+          <a:lstStyle/>
+          <a:p>
+            <a:pPr>
+              <a:defRPr/>
+            </a:pPr>
+            <a:fld id="{3C4C6E3F-5E3C-4FBD-BF9E-3C26CFB1E59A}" type="datetime1">
+              <a:rPr lang="en-US" smtClean="0"/>
+              <a:t>3/22/21</a:t>
+            </a:fld>
+            <a:endParaRPr lang="fi-FI"/>
+          </a:p>
+        </p:txBody>
+      </p:sp>
+      <p:sp>
+        <p:nvSpPr>
+          <p:cNvPr id="3" name="Footer Placeholder 2">
+            <a:extLst>
+              <a:ext uri="{FF2B5EF4-FFF2-40B4-BE49-F238E27FC236}">
+                <a16:creationId xmlns:a16="http://schemas.microsoft.com/office/drawing/2014/main" id="{C7CE5695-DD08-4B94-9ECE-BB5AE65A73FF}"/>
+              </a:ext>
+            </a:extLst>
+          </p:cNvPr>
+          <p:cNvSpPr>
+            <a:spLocks noGrp="1"/>
+          </p:cNvSpPr>
+          <p:nvPr>
+            <p:ph type="ftr" sz="quarter" idx="16"/>
+          </p:nvPr>
+        </p:nvSpPr>
+        <p:spPr/>
+        <p:txBody>
+          <a:bodyPr/>
+          <a:lstStyle/>
+          <a:p>
+            <a:pPr>
+              <a:defRPr/>
+            </a:pPr>
+            <a:r>
+              <a:rPr lang="en-US"/>
+              <a:t>CS-E4640 Big Data Platforms, @CSAalto</a:t>
+            </a:r>
+            <a:endParaRPr lang="fi-FI"/>
+          </a:p>
+        </p:txBody>
+      </p:sp>
+      <p:sp>
+        <p:nvSpPr>
+          <p:cNvPr id="4" name="Slide Number Placeholder 3">
+            <a:extLst>
+              <a:ext uri="{FF2B5EF4-FFF2-40B4-BE49-F238E27FC236}">
+                <a16:creationId xmlns:a16="http://schemas.microsoft.com/office/drawing/2014/main" id="{176783F1-8274-4F18-B6C5-CDB369C14CD7}"/>
+              </a:ext>
+            </a:extLst>
+          </p:cNvPr>
+          <p:cNvSpPr>
+            <a:spLocks noGrp="1"/>
+          </p:cNvSpPr>
+          <p:nvPr>
+            <p:ph type="sldNum" sz="quarter" idx="17"/>
+          </p:nvPr>
+        </p:nvSpPr>
+        <p:spPr/>
+        <p:txBody>
+          <a:bodyPr/>
+          <a:lstStyle/>
+          <a:p>
+            <a:pPr>
+              <a:defRPr/>
+            </a:pPr>
+            <a:fld id="{49EFD4B7-1CC6-864B-A72A-C978B70BBA9B}" type="slidenum">
+              <a:rPr lang="fi-FI" smtClean="0"/>
+              <a:pPr>
+                <a:defRPr/>
+              </a:pPr>
+              <a:t>8</a:t>
             </a:fld>
             <a:endParaRPr lang="fi-FI"/>
           </a:p>
@@ -13080,7 +13871,7 @@
 </p:sld>
 </file>
 
-<file path=ppt/slides/slide8.xml><?xml version="1.0" encoding="utf-8"?>
+<file path=ppt/slides/slide9.xml><?xml version="1.0" encoding="utf-8"?>
 <p:sld xmlns:a="http://schemas.openxmlformats.org/drawingml/2006/main" xmlns:r="http://schemas.openxmlformats.org/officeDocument/2006/relationships" xmlns:p="http://schemas.openxmlformats.org/presentationml/2006/main">
   <p:cSld>
     <p:spTree>
@@ -13204,7 +13995,7 @@
             </a:pPr>
             <a:fld id="{3C4C6E3F-5E3C-4FBD-BF9E-3C26CFB1E59A}" type="datetime1">
               <a:rPr lang="en-US" smtClean="0"/>
-              <a:t>3/14/2021</a:t>
+              <a:t>3/22/21</a:t>
             </a:fld>
             <a:endParaRPr lang="fi-FI"/>
           </a:p>
@@ -13271,7 +14062,7 @@
               <a:pPr>
                 <a:defRPr/>
               </a:pPr>
-              <a:t>8</a:t>
+              <a:t>9</a:t>
             </a:fld>
             <a:endParaRPr lang="fi-FI" dirty="0"/>
           </a:p>
@@ -13424,252 +14215,6 @@
     <p:extLst>
       <p:ext uri="{BB962C8B-B14F-4D97-AF65-F5344CB8AC3E}">
         <p14:creationId xmlns:p14="http://schemas.microsoft.com/office/powerpoint/2010/main" val="9534053"/>
-      </p:ext>
-    </p:extLst>
-  </p:cSld>
-  <p:clrMapOvr>
-    <a:masterClrMapping/>
-  </p:clrMapOvr>
-</p:sld>
-</file>
-
-<file path=ppt/slides/slide9.xml><?xml version="1.0" encoding="utf-8"?>
-<p:sld xmlns:a="http://schemas.openxmlformats.org/drawingml/2006/main" xmlns:r="http://schemas.openxmlformats.org/officeDocument/2006/relationships" xmlns:p="http://schemas.openxmlformats.org/presentationml/2006/main">
-  <p:cSld>
-    <p:spTree>
-      <p:nvGrpSpPr>
-        <p:cNvPr id="1" name="Shape 1062"/>
-        <p:cNvGrpSpPr/>
-        <p:nvPr/>
-      </p:nvGrpSpPr>
-      <p:grpSpPr>
-        <a:xfrm>
-          <a:off x="0" y="0"/>
-          <a:ext cx="0" cy="0"/>
-          <a:chOff x="0" y="0"/>
-          <a:chExt cx="0" cy="0"/>
-        </a:xfrm>
-      </p:grpSpPr>
-      <p:sp>
-        <p:nvSpPr>
-          <p:cNvPr id="4" name="Title 3">
-            <a:extLst>
-              <a:ext uri="{FF2B5EF4-FFF2-40B4-BE49-F238E27FC236}">
-                <a16:creationId xmlns:a16="http://schemas.microsoft.com/office/drawing/2014/main" id="{F19AC042-B567-40E9-9B45-A757E54B752D}"/>
-              </a:ext>
-            </a:extLst>
-          </p:cNvPr>
-          <p:cNvSpPr>
-            <a:spLocks noGrp="1"/>
-          </p:cNvSpPr>
-          <p:nvPr>
-            <p:ph type="ctrTitle"/>
-          </p:nvPr>
-        </p:nvSpPr>
-        <p:spPr/>
-        <p:txBody>
-          <a:bodyPr/>
-          <a:lstStyle/>
-          <a:p>
-            <a:pPr>
-              <a:lnSpc>
-                <a:spcPct val="90000"/>
-              </a:lnSpc>
-              <a:spcBef>
-                <a:spcPts val="0"/>
-              </a:spcBef>
-              <a:spcAft>
-                <a:spcPts val="0"/>
-              </a:spcAft>
-            </a:pPr>
-            <a:r>
-              <a:rPr lang="en-US" dirty="0">
-                <a:solidFill>
-                  <a:srgbClr val="2E3835"/>
-                </a:solidFill>
-                <a:ea typeface="Arial"/>
-                <a:cs typeface="Arial"/>
-                <a:sym typeface="Arial"/>
-              </a:rPr>
-              <a:t>Contact and Further information</a:t>
-            </a:r>
-            <a:br>
-              <a:rPr lang="en-US" sz="2400" dirty="0">
-                <a:solidFill>
-                  <a:srgbClr val="2E3835"/>
-                </a:solidFill>
-                <a:ea typeface="Arial"/>
-                <a:cs typeface="Arial"/>
-                <a:sym typeface="Arial"/>
-              </a:rPr>
-            </a:br>
-            <a:br>
-              <a:rPr lang="en-US" sz="2400" dirty="0">
-                <a:solidFill>
-                  <a:srgbClr val="2E3835"/>
-                </a:solidFill>
-                <a:ea typeface="Arial"/>
-                <a:cs typeface="Arial"/>
-                <a:sym typeface="Arial"/>
-              </a:rPr>
-            </a:br>
-            <a:br>
-              <a:rPr lang="en-US" sz="2400" dirty="0">
-                <a:solidFill>
-                  <a:srgbClr val="2E3835"/>
-                </a:solidFill>
-                <a:ea typeface="Arial"/>
-                <a:cs typeface="Arial"/>
-                <a:sym typeface="Arial"/>
-              </a:rPr>
-            </a:br>
-            <a:endParaRPr lang="en-US" sz="2400" dirty="0"/>
-          </a:p>
-        </p:txBody>
-      </p:sp>
-      <p:sp>
-        <p:nvSpPr>
-          <p:cNvPr id="2" name="Content Placeholder 1">
-            <a:extLst>
-              <a:ext uri="{FF2B5EF4-FFF2-40B4-BE49-F238E27FC236}">
-                <a16:creationId xmlns:a16="http://schemas.microsoft.com/office/drawing/2014/main" id="{49850B57-D66D-4B87-87D6-B4C5786FDE33}"/>
-              </a:ext>
-            </a:extLst>
-          </p:cNvPr>
-          <p:cNvSpPr>
-            <a:spLocks noGrp="1"/>
-          </p:cNvSpPr>
-          <p:nvPr>
-            <p:ph sz="quarter" idx="14"/>
-          </p:nvPr>
-        </p:nvSpPr>
-        <p:spPr/>
-        <p:txBody>
-          <a:bodyPr vert="horz" lIns="0" tIns="0" rIns="0" bIns="0" anchor="t"/>
-          <a:lstStyle/>
-          <a:p>
-            <a:pPr marL="342900" indent="-342900">
-              <a:buFont typeface="Wingdings" panose="05000000000000000000" pitchFamily="2" charset="2"/>
-              <a:buChar char="§"/>
-            </a:pPr>
-            <a:r>
-              <a:rPr lang="en-US" sz="2000" dirty="0">
-                <a:solidFill>
-                  <a:srgbClr val="2E3835"/>
-                </a:solidFill>
-                <a:ea typeface="Arial"/>
-                <a:cs typeface="Arial"/>
-                <a:sym typeface="Arial"/>
-                <a:hlinkClick r:id="rId3"/>
-              </a:rPr>
-              <a:t>https://version.aalto.fi/gitlab/bigdataplatforms/cs-e4640</a:t>
-            </a:r>
-            <a:endParaRPr lang="en-US" sz="2000" dirty="0">
-              <a:solidFill>
-                <a:srgbClr val="2E3835"/>
-              </a:solidFill>
-              <a:ea typeface="Arial"/>
-              <a:cs typeface="Arial"/>
-            </a:endParaRPr>
-          </a:p>
-          <a:p>
-            <a:pPr marL="342900" indent="-342900">
-              <a:buFont typeface="Wingdings" panose="05000000000000000000" pitchFamily="2" charset="2"/>
-              <a:buChar char="§"/>
-            </a:pPr>
-            <a:r>
-              <a:rPr lang="en-US" sz="2000" dirty="0">
-                <a:solidFill>
-                  <a:srgbClr val="2E3835"/>
-                </a:solidFill>
-                <a:ea typeface="ＭＳ Ｐゴシック"/>
-                <a:cs typeface="Arial"/>
-              </a:rPr>
-              <a:t>Apache Flink Documentation:</a:t>
-            </a:r>
-          </a:p>
-          <a:p>
-            <a:pPr marL="580390" lvl="1" indent="-342900">
-              <a:buFont typeface="Wingdings" panose="05000000000000000000" pitchFamily="2" charset="2"/>
-              <a:buChar char="§"/>
-            </a:pPr>
-            <a:r>
-              <a:rPr lang="en-US" sz="1900" dirty="0">
-                <a:ea typeface="MS PGothic"/>
-                <a:cs typeface="Arial"/>
-                <a:hlinkClick r:id="rId4"/>
-              </a:rPr>
-              <a:t>https://flink.apache.org/</a:t>
-            </a:r>
-            <a:r>
-              <a:rPr lang="en-US" sz="1900" dirty="0">
-                <a:ea typeface="MS PGothic"/>
-                <a:cs typeface="Arial"/>
-              </a:rPr>
-              <a:t> </a:t>
-            </a:r>
-          </a:p>
-          <a:p>
-            <a:pPr marL="580390" lvl="1" indent="-342900">
-              <a:buFont typeface="Wingdings" panose="05000000000000000000" pitchFamily="2" charset="2"/>
-              <a:buChar char="§"/>
-            </a:pPr>
-            <a:r>
-              <a:rPr lang="en-US" sz="1900" dirty="0">
-                <a:ea typeface="MS PGothic"/>
-                <a:cs typeface="Arial"/>
-              </a:rPr>
-              <a:t>https://</a:t>
-            </a:r>
-            <a:r>
-              <a:rPr lang="en-US" sz="1900" dirty="0" err="1">
-                <a:ea typeface="MS PGothic"/>
-                <a:cs typeface="Arial"/>
-              </a:rPr>
-              <a:t>ci.apache.org</a:t>
-            </a:r>
-            <a:r>
-              <a:rPr lang="en-US" sz="1900" dirty="0">
-                <a:ea typeface="MS PGothic"/>
-                <a:cs typeface="Arial"/>
-              </a:rPr>
-              <a:t>/projects/</a:t>
-            </a:r>
-            <a:r>
-              <a:rPr lang="en-US" sz="1900" dirty="0" err="1">
-                <a:ea typeface="MS PGothic"/>
-                <a:cs typeface="Arial"/>
-              </a:rPr>
-              <a:t>flink</a:t>
-            </a:r>
-            <a:r>
-              <a:rPr lang="en-US" sz="1900" dirty="0">
-                <a:ea typeface="MS PGothic"/>
-                <a:cs typeface="Arial"/>
-              </a:rPr>
-              <a:t>/</a:t>
-            </a:r>
-            <a:r>
-              <a:rPr lang="en-US" sz="1900" dirty="0" err="1">
-                <a:ea typeface="MS PGothic"/>
-                <a:cs typeface="Arial"/>
-              </a:rPr>
-              <a:t>flink</a:t>
-            </a:r>
-            <a:r>
-              <a:rPr lang="en-US" sz="1900" dirty="0">
-                <a:ea typeface="MS PGothic"/>
-                <a:cs typeface="Arial"/>
-              </a:rPr>
-              <a:t>-docs-stable/dev/stream/operators/</a:t>
-            </a:r>
-          </a:p>
-        </p:txBody>
-      </p:sp>
-    </p:spTree>
-    <p:extLst>
-      <p:ext uri="{BB962C8B-B14F-4D97-AF65-F5344CB8AC3E}">
-        <p14:creationId xmlns:p14="http://schemas.microsoft.com/office/powerpoint/2010/main" val="3168691295"/>
       </p:ext>
     </p:extLst>
   </p:cSld>
@@ -15484,15 +16029,6 @@
 </file>
 
 <file path=customXml/item2.xml><?xml version="1.0" encoding="utf-8"?>
-<?mso-contentType ?>
-<FormTemplates xmlns="http://schemas.microsoft.com/sharepoint/v3/contenttype/forms">
-  <Display>DocumentLibraryForm</Display>
-  <Edit>DocumentLibraryForm</Edit>
-  <New>DocumentLibraryForm</New>
-</FormTemplates>
-</file>
-
-<file path=customXml/item3.xml><?xml version="1.0" encoding="utf-8"?>
 <ct:contentTypeSchema xmlns:ct="http://schemas.microsoft.com/office/2006/metadata/contentType" xmlns:ma="http://schemas.microsoft.com/office/2006/metadata/properties/metaAttributes" ct:_="" ma:_="" ma:contentTypeName="Document" ma:contentTypeID="0x010100A1A10034A7E432419E146619481D147D" ma:contentTypeVersion="6" ma:contentTypeDescription="Create a new document." ma:contentTypeScope="" ma:versionID="9c4d5df1780d782f5a6e9ec7eb8fba84">
   <xsd:schema xmlns:xsd="http://www.w3.org/2001/XMLSchema" xmlns:xs="http://www.w3.org/2001/XMLSchema" xmlns:p="http://schemas.microsoft.com/office/2006/metadata/properties" xmlns:ns2="119012ce-a113-4822-82de-edc1aa49a2f1" targetNamespace="http://schemas.microsoft.com/office/2006/metadata/properties" ma:root="true" ma:fieldsID="44f40ffded1027140c99581fe7698df4" ns2:_="">
     <xsd:import namespace="119012ce-a113-4822-82de-edc1aa49a2f1"/>
@@ -15650,6 +16186,15 @@
 </ct:contentTypeSchema>
 </file>
 
+<file path=customXml/item3.xml><?xml version="1.0" encoding="utf-8"?>
+<?mso-contentType ?>
+<FormTemplates xmlns="http://schemas.microsoft.com/sharepoint/v3/contenttype/forms">
+  <Display>DocumentLibraryForm</Display>
+  <Edit>DocumentLibraryForm</Edit>
+  <New>DocumentLibraryForm</New>
+</FormTemplates>
+</file>
+
 <file path=customXml/itemProps1.xml><?xml version="1.0" encoding="utf-8"?>
 <ds:datastoreItem xmlns:ds="http://schemas.openxmlformats.org/officeDocument/2006/customXml" ds:itemID="{B8B8BF4E-C35F-433F-8F93-F61C77CFB14D}">
   <ds:schemaRefs>
@@ -15660,14 +16205,6 @@
 </file>
 
 <file path=customXml/itemProps2.xml><?xml version="1.0" encoding="utf-8"?>
-<ds:datastoreItem xmlns:ds="http://schemas.openxmlformats.org/officeDocument/2006/customXml" ds:itemID="{D1B0E4F9-295B-4605-93E8-C7FB73FC6091}">
-  <ds:schemaRefs>
-    <ds:schemaRef ds:uri="http://schemas.microsoft.com/sharepoint/v3/contenttype/forms"/>
-  </ds:schemaRefs>
-</ds:datastoreItem>
-</file>
-
-<file path=customXml/itemProps3.xml><?xml version="1.0" encoding="utf-8"?>
 <ds:datastoreItem xmlns:ds="http://schemas.openxmlformats.org/officeDocument/2006/customXml" ds:itemID="{2209E613-7AD3-4CB7-A630-AA4F967E3F4C}">
   <ds:schemaRefs>
     <ds:schemaRef ds:uri="http://schemas.microsoft.com/office/2006/metadata/contentType"/>
@@ -15683,4 +16220,12 @@
     <ds:schemaRef ds:uri="http://schemas.microsoft.com/internal/obd"/>
   </ds:schemaRefs>
 </ds:datastoreItem>
+</file>
+
+<file path=customXml/itemProps3.xml><?xml version="1.0" encoding="utf-8"?>
+<ds:datastoreItem xmlns:ds="http://schemas.openxmlformats.org/officeDocument/2006/customXml" ds:itemID="{D1B0E4F9-295B-4605-93E8-C7FB73FC6091}">
+  <ds:schemaRefs>
+    <ds:schemaRef ds:uri="http://schemas.microsoft.com/sharepoint/v3/contenttype/forms"/>
+  </ds:schemaRefs>
+</ds:datastoreItem>
 </file>